--- a/final_pre.pptx
+++ b/final_pre.pptx
@@ -2,30 +2,43 @@
 <file path=ppt/presentation.xml><?xml version="1.0" encoding="utf-8"?>
 <p:presentation xmlns:a="http://schemas.openxmlformats.org/drawingml/2006/main" xmlns:r="http://schemas.openxmlformats.org/officeDocument/2006/relationships" xmlns:p="http://schemas.openxmlformats.org/presentationml/2006/main" saveSubsetFonts="1" autoCompressPictures="0">
   <p:sldMasterIdLst>
-    <p:sldMasterId id="2147483762" r:id="rId1"/>
+    <p:sldMasterId id="2147483851" r:id="rId1"/>
   </p:sldMasterIdLst>
   <p:notesMasterIdLst>
-    <p:notesMasterId r:id="rId20"/>
+    <p:notesMasterId r:id="rId33"/>
   </p:notesMasterIdLst>
   <p:sldIdLst>
     <p:sldId id="256" r:id="rId2"/>
     <p:sldId id="260" r:id="rId3"/>
-    <p:sldId id="261" r:id="rId4"/>
-    <p:sldId id="265" r:id="rId5"/>
-    <p:sldId id="266" r:id="rId6"/>
-    <p:sldId id="267" r:id="rId7"/>
-    <p:sldId id="258" r:id="rId8"/>
-    <p:sldId id="270" r:id="rId9"/>
-    <p:sldId id="268" r:id="rId10"/>
-    <p:sldId id="271" r:id="rId11"/>
-    <p:sldId id="269" r:id="rId12"/>
-    <p:sldId id="257" r:id="rId13"/>
-    <p:sldId id="262" r:id="rId14"/>
-    <p:sldId id="273" r:id="rId15"/>
-    <p:sldId id="274" r:id="rId16"/>
-    <p:sldId id="272" r:id="rId17"/>
-    <p:sldId id="264" r:id="rId18"/>
-    <p:sldId id="263" r:id="rId19"/>
+    <p:sldId id="279" r:id="rId4"/>
+    <p:sldId id="275" r:id="rId5"/>
+    <p:sldId id="276" r:id="rId6"/>
+    <p:sldId id="277" r:id="rId7"/>
+    <p:sldId id="278" r:id="rId8"/>
+    <p:sldId id="261" r:id="rId9"/>
+    <p:sldId id="280" r:id="rId10"/>
+    <p:sldId id="281" r:id="rId11"/>
+    <p:sldId id="282" r:id="rId12"/>
+    <p:sldId id="283" r:id="rId13"/>
+    <p:sldId id="284" r:id="rId14"/>
+    <p:sldId id="285" r:id="rId15"/>
+    <p:sldId id="286" r:id="rId16"/>
+    <p:sldId id="287" r:id="rId17"/>
+    <p:sldId id="265" r:id="rId18"/>
+    <p:sldId id="266" r:id="rId19"/>
+    <p:sldId id="269" r:id="rId20"/>
+    <p:sldId id="267" r:id="rId21"/>
+    <p:sldId id="258" r:id="rId22"/>
+    <p:sldId id="270" r:id="rId23"/>
+    <p:sldId id="268" r:id="rId24"/>
+    <p:sldId id="271" r:id="rId25"/>
+    <p:sldId id="257" r:id="rId26"/>
+    <p:sldId id="262" r:id="rId27"/>
+    <p:sldId id="273" r:id="rId28"/>
+    <p:sldId id="274" r:id="rId29"/>
+    <p:sldId id="272" r:id="rId30"/>
+    <p:sldId id="264" r:id="rId31"/>
+    <p:sldId id="263" r:id="rId32"/>
   </p:sldIdLst>
   <p:sldSz cx="12192000" cy="6858000"/>
   <p:notesSz cx="6858000" cy="9144000"/>
@@ -3296,6 +3309,11 @@
   <p:clrMapOvr>
     <a:masterClrMapping/>
   </p:clrMapOvr>
+  <p:extLst>
+    <p:ext uri="{DCECCB84-F9BA-43D5-87BE-67443E8EF086}">
+      <p15:sldGuideLst xmlns:p15="http://schemas.microsoft.com/office/powerpoint/2012/main"/>
+    </p:ext>
+  </p:extLst>
 </p:sldLayout>
 </file>
 
@@ -3726,6 +3744,11 @@
   <p:clrMapOvr>
     <a:masterClrMapping/>
   </p:clrMapOvr>
+  <p:extLst>
+    <p:ext uri="{DCECCB84-F9BA-43D5-87BE-67443E8EF086}">
+      <p15:sldGuideLst xmlns:p15="http://schemas.microsoft.com/office/powerpoint/2012/main"/>
+    </p:ext>
+  </p:extLst>
 </p:sldLayout>
 </file>
 
@@ -4448,6 +4471,11 @@
   <p:clrMapOvr>
     <a:masterClrMapping/>
   </p:clrMapOvr>
+  <p:extLst>
+    <p:ext uri="{DCECCB84-F9BA-43D5-87BE-67443E8EF086}">
+      <p15:sldGuideLst xmlns:p15="http://schemas.microsoft.com/office/powerpoint/2012/main"/>
+    </p:ext>
+  </p:extLst>
 </p:sldLayout>
 </file>
 
@@ -5332,23 +5360,23 @@
     </p:spTree>
     <p:extLst>
       <p:ext uri="{BB962C8B-B14F-4D97-AF65-F5344CB8AC3E}">
-        <p14:creationId xmlns:p14="http://schemas.microsoft.com/office/powerpoint/2010/main" val="463316986"/>
+        <p14:creationId xmlns:p14="http://schemas.microsoft.com/office/powerpoint/2010/main" val="1541833564"/>
       </p:ext>
     </p:extLst>
   </p:cSld>
   <p:clrMap bg1="lt1" tx1="dk1" bg2="lt2" tx2="dk2" accent1="accent1" accent2="accent2" accent3="accent3" accent4="accent4" accent5="accent5" accent6="accent6" hlink="hlink" folHlink="folHlink"/>
   <p:sldLayoutIdLst>
-    <p:sldLayoutId id="2147483763" r:id="rId1"/>
-    <p:sldLayoutId id="2147483764" r:id="rId2"/>
-    <p:sldLayoutId id="2147483765" r:id="rId3"/>
-    <p:sldLayoutId id="2147483766" r:id="rId4"/>
-    <p:sldLayoutId id="2147483767" r:id="rId5"/>
-    <p:sldLayoutId id="2147483768" r:id="rId6"/>
-    <p:sldLayoutId id="2147483769" r:id="rId7"/>
-    <p:sldLayoutId id="2147483770" r:id="rId8"/>
-    <p:sldLayoutId id="2147483771" r:id="rId9"/>
-    <p:sldLayoutId id="2147483772" r:id="rId10"/>
-    <p:sldLayoutId id="2147483773" r:id="rId11"/>
+    <p:sldLayoutId id="2147483852" r:id="rId1"/>
+    <p:sldLayoutId id="2147483853" r:id="rId2"/>
+    <p:sldLayoutId id="2147483854" r:id="rId3"/>
+    <p:sldLayoutId id="2147483855" r:id="rId4"/>
+    <p:sldLayoutId id="2147483856" r:id="rId5"/>
+    <p:sldLayoutId id="2147483857" r:id="rId6"/>
+    <p:sldLayoutId id="2147483858" r:id="rId7"/>
+    <p:sldLayoutId id="2147483859" r:id="rId8"/>
+    <p:sldLayoutId id="2147483860" r:id="rId9"/>
+    <p:sldLayoutId id="2147483861" r:id="rId10"/>
+    <p:sldLayoutId id="2147483862" r:id="rId11"/>
   </p:sldLayoutIdLst>
   <p:txStyles>
     <p:titleStyle>
@@ -5715,6 +5743,11 @@
       </a:lvl9pPr>
     </p:otherStyle>
   </p:txStyles>
+  <p:extLst>
+    <p:ext uri="{27BBF7A9-308A-43DC-89C8-2F10F3537804}">
+      <p15:sldGuideLst xmlns:p15="http://schemas.microsoft.com/office/powerpoint/2012/main"/>
+    </p:ext>
+  </p:extLst>
 </p:sldMaster>
 </file>
 
@@ -5825,6 +5858,14 @@
   <p:clrMapOvr>
     <a:masterClrMapping/>
   </p:clrMapOvr>
+  <mc:AlternateContent xmlns:mc="http://schemas.openxmlformats.org/markup-compatibility/2006">
+    <mc:Choice xmlns:p14="http://schemas.microsoft.com/office/powerpoint/2010/main" Requires="p14">
+      <p:transition spd="slow" p14:dur="2000"/>
+    </mc:Choice>
+    <mc:Fallback>
+      <p:transition spd="slow"/>
+    </mc:Fallback>
+  </mc:AlternateContent>
 </p:sld>
 </file>
 
@@ -5869,7 +5910,7 @@
           <a:p>
             <a:r>
               <a:rPr lang="en-US" dirty="0" smtClean="0"/>
-              <a:t>Highlighted features</a:t>
+              <a:t>Introduction To our system</a:t>
             </a:r>
             <a:endParaRPr lang="en-US" dirty="0"/>
           </a:p>
@@ -5887,62 +5928,69 @@
         </p:nvSpPr>
         <p:spPr>
           <a:xfrm>
-            <a:off x="1069848" y="1471448"/>
-            <a:ext cx="10058400" cy="1502979"/>
+            <a:off x="1069848" y="1839310"/>
+            <a:ext cx="10058400" cy="4332890"/>
           </a:xfrm>
         </p:spPr>
         <p:txBody>
           <a:bodyPr>
-            <a:normAutofit/>
+            <a:noAutofit/>
           </a:bodyPr>
           <a:lstStyle/>
           <a:p>
             <a:r>
-              <a:rPr lang="en-US" sz="3200" dirty="0" smtClean="0"/>
-              <a:t>Clicking the students’ name under the ‘Students’ tab will redirect to the detail score distribution for that </a:t>
-            </a:r>
-            <a:r>
-              <a:rPr lang="en-US" sz="3200" smtClean="0"/>
-              <a:t>student.</a:t>
-            </a:r>
-            <a:endParaRPr lang="en-US" sz="3200" dirty="0" smtClean="0"/>
-          </a:p>
-        </p:txBody>
-      </p:sp>
-      <p:pic>
-        <p:nvPicPr>
-          <p:cNvPr id="6" name="Picture 5"/>
-          <p:cNvPicPr>
-            <a:picLocks noChangeAspect="1"/>
-          </p:cNvPicPr>
-          <p:nvPr/>
-        </p:nvPicPr>
-        <p:blipFill>
-          <a:blip r:embed="rId2"/>
-          <a:stretch>
-            <a:fillRect/>
-          </a:stretch>
-        </p:blipFill>
-        <p:spPr>
-          <a:xfrm>
-            <a:off x="1683000" y="3644899"/>
-            <a:ext cx="8832096" cy="1958731"/>
-          </a:xfrm>
-          <a:prstGeom prst="rect">
-            <a:avLst/>
-          </a:prstGeom>
-        </p:spPr>
-      </p:pic>
+              <a:rPr lang="en-US" sz="2800" dirty="0" smtClean="0"/>
+              <a:t>A grading system that allow you:</a:t>
+            </a:r>
+          </a:p>
+          <a:p>
+            <a:pPr lvl="1"/>
+            <a:r>
+              <a:rPr lang="en-US" sz="2400" dirty="0" smtClean="0"/>
+              <a:t>Create course based or not based on a template</a:t>
+            </a:r>
+            <a:endParaRPr lang="en-US" sz="2400" b="1" dirty="0" smtClean="0">
+              <a:solidFill>
+                <a:srgbClr val="FF0000"/>
+              </a:solidFill>
+            </a:endParaRPr>
+          </a:p>
+          <a:p>
+            <a:pPr lvl="1"/>
+            <a:r>
+              <a:rPr lang="en-US" sz="2400" b="1" dirty="0" smtClean="0">
+                <a:solidFill>
+                  <a:srgbClr val="FF0000"/>
+                </a:solidFill>
+              </a:rPr>
+              <a:t>Manage criteria of that course</a:t>
+            </a:r>
+            <a:endParaRPr lang="en-US" sz="2400" b="1" dirty="0">
+              <a:solidFill>
+                <a:srgbClr val="FF0000"/>
+              </a:solidFill>
+            </a:endParaRPr>
+          </a:p>
+        </p:txBody>
+      </p:sp>
     </p:spTree>
     <p:extLst>
       <p:ext uri="{BB962C8B-B14F-4D97-AF65-F5344CB8AC3E}">
-        <p14:creationId xmlns:p14="http://schemas.microsoft.com/office/powerpoint/2010/main" val="196053611"/>
+        <p14:creationId xmlns:p14="http://schemas.microsoft.com/office/powerpoint/2010/main" val="912738835"/>
       </p:ext>
     </p:extLst>
   </p:cSld>
   <p:clrMapOvr>
     <a:masterClrMapping/>
   </p:clrMapOvr>
+  <mc:AlternateContent xmlns:mc="http://schemas.openxmlformats.org/markup-compatibility/2006">
+    <mc:Choice xmlns:p14="http://schemas.microsoft.com/office/powerpoint/2010/main" Requires="p14">
+      <p:transition spd="slow" p14:dur="2000"/>
+    </mc:Choice>
+    <mc:Fallback>
+      <p:transition spd="slow"/>
+    </mc:Fallback>
+  </mc:AlternateContent>
 </p:sld>
 </file>
 
@@ -5987,7 +6035,7 @@
           <a:p>
             <a:r>
               <a:rPr lang="en-US" dirty="0" smtClean="0"/>
-              <a:t>Highlighted features</a:t>
+              <a:t>Introduction To our system</a:t>
             </a:r>
             <a:endParaRPr lang="en-US" dirty="0"/>
           </a:p>
@@ -6005,57 +6053,76 @@
         </p:nvSpPr>
         <p:spPr>
           <a:xfrm>
-            <a:off x="996276" y="1376856"/>
-            <a:ext cx="9976524" cy="609600"/>
+            <a:off x="1069848" y="1839310"/>
+            <a:ext cx="10058400" cy="4332890"/>
           </a:xfrm>
         </p:spPr>
         <p:txBody>
           <a:bodyPr>
-            <a:normAutofit/>
+            <a:noAutofit/>
           </a:bodyPr>
           <a:lstStyle/>
           <a:p>
             <a:r>
-              <a:rPr lang="en-US" sz="3200" dirty="0" smtClean="0"/>
-              <a:t>Creating courses based on a template.</a:t>
-            </a:r>
-          </a:p>
-        </p:txBody>
-      </p:sp>
-      <p:pic>
-        <p:nvPicPr>
-          <p:cNvPr id="4" name="Picture 3"/>
-          <p:cNvPicPr>
-            <a:picLocks noChangeAspect="1"/>
-          </p:cNvPicPr>
-          <p:nvPr/>
-        </p:nvPicPr>
-        <p:blipFill>
-          <a:blip r:embed="rId2"/>
-          <a:stretch>
-            <a:fillRect/>
-          </a:stretch>
-        </p:blipFill>
-        <p:spPr>
-          <a:xfrm>
-            <a:off x="2365248" y="2154622"/>
-            <a:ext cx="7467600" cy="3695700"/>
-          </a:xfrm>
-          <a:prstGeom prst="rect">
-            <a:avLst/>
-          </a:prstGeom>
-        </p:spPr>
-      </p:pic>
+              <a:rPr lang="en-US" sz="2800" dirty="0" smtClean="0"/>
+              <a:t>A grading system that allow you:</a:t>
+            </a:r>
+          </a:p>
+          <a:p>
+            <a:pPr lvl="1"/>
+            <a:r>
+              <a:rPr lang="en-US" sz="2400" dirty="0" smtClean="0"/>
+              <a:t>Create course based or not based on a template</a:t>
+            </a:r>
+          </a:p>
+          <a:p>
+            <a:pPr lvl="1"/>
+            <a:r>
+              <a:rPr lang="en-US" sz="2400" dirty="0" smtClean="0"/>
+              <a:t>Manage criteria of that course</a:t>
+            </a:r>
+            <a:endParaRPr lang="en-US" sz="2400" b="1" dirty="0" smtClean="0">
+              <a:solidFill>
+                <a:srgbClr val="FF0000"/>
+              </a:solidFill>
+            </a:endParaRPr>
+          </a:p>
+          <a:p>
+            <a:pPr lvl="1"/>
+            <a:r>
+              <a:rPr lang="en-US" sz="2400" b="1" dirty="0" smtClean="0">
+                <a:solidFill>
+                  <a:srgbClr val="FF0000"/>
+                </a:solidFill>
+              </a:rPr>
+              <a:t>Add and modify students</a:t>
+            </a:r>
+            <a:endParaRPr lang="en-US" sz="2400" b="1" dirty="0">
+              <a:solidFill>
+                <a:srgbClr val="FF0000"/>
+              </a:solidFill>
+            </a:endParaRPr>
+          </a:p>
+        </p:txBody>
+      </p:sp>
     </p:spTree>
     <p:extLst>
       <p:ext uri="{BB962C8B-B14F-4D97-AF65-F5344CB8AC3E}">
-        <p14:creationId xmlns:p14="http://schemas.microsoft.com/office/powerpoint/2010/main" val="64776007"/>
+        <p14:creationId xmlns:p14="http://schemas.microsoft.com/office/powerpoint/2010/main" val="2030162457"/>
       </p:ext>
     </p:extLst>
   </p:cSld>
   <p:clrMapOvr>
     <a:masterClrMapping/>
   </p:clrMapOvr>
+  <mc:AlternateContent xmlns:mc="http://schemas.openxmlformats.org/markup-compatibility/2006">
+    <mc:Choice xmlns:p14="http://schemas.microsoft.com/office/powerpoint/2010/main" Requires="p14">
+      <p:transition spd="slow" p14:dur="2000"/>
+    </mc:Choice>
+    <mc:Fallback>
+      <p:transition spd="slow"/>
+    </mc:Fallback>
+  </mc:AlternateContent>
 </p:sld>
 </file>
 
@@ -6088,8 +6155,38 @@
         </p:nvSpPr>
         <p:spPr>
           <a:xfrm>
-            <a:off x="2404662" y="2513128"/>
-            <a:ext cx="7233324" cy="1609344"/>
+            <a:off x="1069848" y="484632"/>
+            <a:ext cx="10058400" cy="724058"/>
+          </a:xfrm>
+        </p:spPr>
+        <p:txBody>
+          <a:bodyPr>
+            <a:normAutofit fontScale="90000"/>
+          </a:bodyPr>
+          <a:lstStyle/>
+          <a:p>
+            <a:r>
+              <a:rPr lang="en-US" dirty="0" smtClean="0"/>
+              <a:t>Introduction To our system</a:t>
+            </a:r>
+            <a:endParaRPr lang="en-US" dirty="0"/>
+          </a:p>
+        </p:txBody>
+      </p:sp>
+      <p:sp>
+        <p:nvSpPr>
+          <p:cNvPr id="3" name="Content Placeholder 2"/>
+          <p:cNvSpPr>
+            <a:spLocks noGrp="1"/>
+          </p:cNvSpPr>
+          <p:nvPr>
+            <p:ph idx="1"/>
+          </p:nvPr>
+        </p:nvSpPr>
+        <p:spPr>
+          <a:xfrm>
+            <a:off x="1069848" y="1839310"/>
+            <a:ext cx="10058400" cy="4332890"/>
           </a:xfrm>
         </p:spPr>
         <p:txBody>
@@ -6098,25 +6195,73 @@
           </a:bodyPr>
           <a:lstStyle/>
           <a:p>
-            <a:pPr algn="ctr"/>
-            <a:r>
-              <a:rPr lang="en-US" sz="11500" smtClean="0"/>
-              <a:t>Demo Time !!!</a:t>
-            </a:r>
-            <a:endParaRPr lang="en-US" sz="11500" dirty="0"/>
+            <a:r>
+              <a:rPr lang="en-US" sz="2800" dirty="0" smtClean="0"/>
+              <a:t>A grading system that allow you:</a:t>
+            </a:r>
+          </a:p>
+          <a:p>
+            <a:pPr lvl="1"/>
+            <a:r>
+              <a:rPr lang="en-US" sz="2400" dirty="0" smtClean="0"/>
+              <a:t>Create course based or not based on a template</a:t>
+            </a:r>
+          </a:p>
+          <a:p>
+            <a:pPr lvl="1"/>
+            <a:r>
+              <a:rPr lang="en-US" sz="2400" dirty="0" smtClean="0"/>
+              <a:t>Manage criteria of that course</a:t>
+            </a:r>
+          </a:p>
+          <a:p>
+            <a:pPr lvl="1"/>
+            <a:r>
+              <a:rPr lang="en-US" sz="2400" dirty="0" smtClean="0"/>
+              <a:t>Add and modify students</a:t>
+            </a:r>
+            <a:endParaRPr lang="en-US" sz="2400" b="1" dirty="0" smtClean="0">
+              <a:solidFill>
+                <a:srgbClr val="FF0000"/>
+              </a:solidFill>
+            </a:endParaRPr>
+          </a:p>
+          <a:p>
+            <a:pPr lvl="1"/>
+            <a:r>
+              <a:rPr lang="en-US" sz="2400" b="1" dirty="0" smtClean="0">
+                <a:solidFill>
+                  <a:srgbClr val="FF0000"/>
+                </a:solidFill>
+              </a:rPr>
+              <a:t>Assign and modify assignments with single parts or multi parts</a:t>
+            </a:r>
+            <a:endParaRPr lang="en-US" sz="2400" b="1" dirty="0">
+              <a:solidFill>
+                <a:srgbClr val="FF0000"/>
+              </a:solidFill>
+            </a:endParaRPr>
           </a:p>
         </p:txBody>
       </p:sp>
     </p:spTree>
     <p:extLst>
       <p:ext uri="{BB962C8B-B14F-4D97-AF65-F5344CB8AC3E}">
-        <p14:creationId xmlns:p14="http://schemas.microsoft.com/office/powerpoint/2010/main" val="1248679138"/>
+        <p14:creationId xmlns:p14="http://schemas.microsoft.com/office/powerpoint/2010/main" val="1651514588"/>
       </p:ext>
     </p:extLst>
   </p:cSld>
   <p:clrMapOvr>
     <a:masterClrMapping/>
   </p:clrMapOvr>
+  <mc:AlternateContent xmlns:mc="http://schemas.openxmlformats.org/markup-compatibility/2006">
+    <mc:Choice xmlns:p14="http://schemas.microsoft.com/office/powerpoint/2010/main" Requires="p14">
+      <p:transition spd="slow" p14:dur="2000"/>
+    </mc:Choice>
+    <mc:Fallback>
+      <p:transition spd="slow"/>
+    </mc:Fallback>
+  </mc:AlternateContent>
 </p:sld>
 </file>
 
@@ -6161,7 +6306,7 @@
           <a:p>
             <a:r>
               <a:rPr lang="en-US" dirty="0" smtClean="0"/>
-              <a:t>Future Improvements and conclusion</a:t>
+              <a:t>Introduction To our system</a:t>
             </a:r>
             <a:endParaRPr lang="en-US" dirty="0"/>
           </a:p>
@@ -6179,80 +6324,90 @@
         </p:nvSpPr>
         <p:spPr>
           <a:xfrm>
-            <a:off x="1069848" y="1560382"/>
-            <a:ext cx="10058400" cy="1018695"/>
+            <a:off x="1069848" y="1839310"/>
+            <a:ext cx="10058400" cy="4332890"/>
           </a:xfrm>
         </p:spPr>
         <p:txBody>
           <a:bodyPr>
-            <a:normAutofit/>
+            <a:noAutofit/>
           </a:bodyPr>
           <a:lstStyle/>
           <a:p>
             <a:r>
-              <a:rPr lang="en-US" sz="3200" dirty="0" smtClean="0"/>
-              <a:t>Connect with current web-based grading system such as Grade Scope or Black Board.</a:t>
-            </a:r>
-          </a:p>
-        </p:txBody>
-      </p:sp>
-      <p:pic>
-        <p:nvPicPr>
-          <p:cNvPr id="4" name="Picture 3"/>
-          <p:cNvPicPr>
-            <a:picLocks noChangeAspect="1"/>
-          </p:cNvPicPr>
-          <p:nvPr/>
-        </p:nvPicPr>
-        <p:blipFill rotWithShape="1">
-          <a:blip r:embed="rId2"/>
-          <a:srcRect r="60955"/>
-          <a:stretch/>
-        </p:blipFill>
-        <p:spPr>
-          <a:xfrm>
-            <a:off x="1847850" y="2751503"/>
-            <a:ext cx="2841380" cy="3746500"/>
-          </a:xfrm>
-          <a:prstGeom prst="rect">
-            <a:avLst/>
-          </a:prstGeom>
-        </p:spPr>
-      </p:pic>
-      <p:pic>
-        <p:nvPicPr>
-          <p:cNvPr id="5" name="Picture 4"/>
-          <p:cNvPicPr>
-            <a:picLocks noChangeAspect="1"/>
-          </p:cNvPicPr>
-          <p:nvPr/>
-        </p:nvPicPr>
-        <p:blipFill>
-          <a:blip r:embed="rId3"/>
-          <a:stretch>
-            <a:fillRect/>
-          </a:stretch>
-        </p:blipFill>
-        <p:spPr>
-          <a:xfrm>
-            <a:off x="6540988" y="2967403"/>
-            <a:ext cx="2603500" cy="3314700"/>
-          </a:xfrm>
-          <a:prstGeom prst="rect">
-            <a:avLst/>
-          </a:prstGeom>
-        </p:spPr>
-      </p:pic>
+              <a:rPr lang="en-US" sz="2800" dirty="0" smtClean="0"/>
+              <a:t>A grading system that allow you:</a:t>
+            </a:r>
+          </a:p>
+          <a:p>
+            <a:pPr lvl="1"/>
+            <a:r>
+              <a:rPr lang="en-US" sz="2400" dirty="0" smtClean="0"/>
+              <a:t>Create course based or not based on a template</a:t>
+            </a:r>
+          </a:p>
+          <a:p>
+            <a:pPr lvl="1"/>
+            <a:r>
+              <a:rPr lang="en-US" sz="2400" dirty="0" smtClean="0"/>
+              <a:t>Manage criteria of that course</a:t>
+            </a:r>
+          </a:p>
+          <a:p>
+            <a:pPr lvl="1"/>
+            <a:r>
+              <a:rPr lang="en-US" sz="2400" dirty="0" smtClean="0"/>
+              <a:t>Add and modify students</a:t>
+            </a:r>
+          </a:p>
+          <a:p>
+            <a:pPr lvl="1"/>
+            <a:r>
+              <a:rPr lang="en-US" sz="2400" dirty="0" smtClean="0"/>
+              <a:t>Assign and modify assignments with single parts or multi parts</a:t>
+            </a:r>
+            <a:endParaRPr lang="en-US" sz="2400" b="1" dirty="0" smtClean="0">
+              <a:solidFill>
+                <a:srgbClr val="FF0000"/>
+              </a:solidFill>
+            </a:endParaRPr>
+          </a:p>
+          <a:p>
+            <a:pPr lvl="1"/>
+            <a:r>
+              <a:rPr lang="en-US" sz="2400" b="1" dirty="0" smtClean="0">
+                <a:solidFill>
+                  <a:srgbClr val="FF0000"/>
+                </a:solidFill>
+              </a:rPr>
+              <a:t>Give grade to assignments</a:t>
+            </a:r>
+            <a:endParaRPr lang="en-US" sz="2400" b="1" dirty="0">
+              <a:solidFill>
+                <a:srgbClr val="FF0000"/>
+              </a:solidFill>
+            </a:endParaRPr>
+          </a:p>
+        </p:txBody>
+      </p:sp>
     </p:spTree>
     <p:extLst>
       <p:ext uri="{BB962C8B-B14F-4D97-AF65-F5344CB8AC3E}">
-        <p14:creationId xmlns:p14="http://schemas.microsoft.com/office/powerpoint/2010/main" val="805334904"/>
+        <p14:creationId xmlns:p14="http://schemas.microsoft.com/office/powerpoint/2010/main" val="1719105604"/>
       </p:ext>
     </p:extLst>
   </p:cSld>
   <p:clrMapOvr>
     <a:masterClrMapping/>
   </p:clrMapOvr>
+  <mc:AlternateContent xmlns:mc="http://schemas.openxmlformats.org/markup-compatibility/2006">
+    <mc:Choice xmlns:p14="http://schemas.microsoft.com/office/powerpoint/2010/main" Requires="p14">
+      <p:transition spd="slow" p14:dur="2000"/>
+    </mc:Choice>
+    <mc:Fallback>
+      <p:transition spd="slow"/>
+    </mc:Fallback>
+  </mc:AlternateContent>
 </p:sld>
 </file>
 
@@ -6297,7 +6452,1878 @@
           <a:p>
             <a:r>
               <a:rPr lang="en-US" dirty="0" smtClean="0"/>
-              <a:t>Future Improvements and conclusion</a:t>
+              <a:t>Introduction To our system</a:t>
+            </a:r>
+            <a:endParaRPr lang="en-US" dirty="0"/>
+          </a:p>
+        </p:txBody>
+      </p:sp>
+      <p:sp>
+        <p:nvSpPr>
+          <p:cNvPr id="3" name="Content Placeholder 2"/>
+          <p:cNvSpPr>
+            <a:spLocks noGrp="1"/>
+          </p:cNvSpPr>
+          <p:nvPr>
+            <p:ph idx="1"/>
+          </p:nvPr>
+        </p:nvSpPr>
+        <p:spPr>
+          <a:xfrm>
+            <a:off x="1069848" y="1839310"/>
+            <a:ext cx="10058400" cy="4332890"/>
+          </a:xfrm>
+        </p:spPr>
+        <p:txBody>
+          <a:bodyPr>
+            <a:noAutofit/>
+          </a:bodyPr>
+          <a:lstStyle/>
+          <a:p>
+            <a:r>
+              <a:rPr lang="en-US" sz="2800" dirty="0" smtClean="0"/>
+              <a:t>A grading system that allow you:</a:t>
+            </a:r>
+          </a:p>
+          <a:p>
+            <a:pPr lvl="1"/>
+            <a:r>
+              <a:rPr lang="en-US" sz="2400" dirty="0" smtClean="0"/>
+              <a:t>Create course based or not based on a template</a:t>
+            </a:r>
+          </a:p>
+          <a:p>
+            <a:pPr lvl="1"/>
+            <a:r>
+              <a:rPr lang="en-US" sz="2400" dirty="0" smtClean="0"/>
+              <a:t>Manage criteria of that course</a:t>
+            </a:r>
+          </a:p>
+          <a:p>
+            <a:pPr lvl="1"/>
+            <a:r>
+              <a:rPr lang="en-US" sz="2400" dirty="0" smtClean="0"/>
+              <a:t>Add and modify students</a:t>
+            </a:r>
+          </a:p>
+          <a:p>
+            <a:pPr lvl="1"/>
+            <a:r>
+              <a:rPr lang="en-US" sz="2400" dirty="0" smtClean="0"/>
+              <a:t>Assign and modify assignments with single parts or multi parts</a:t>
+            </a:r>
+          </a:p>
+          <a:p>
+            <a:pPr lvl="1"/>
+            <a:r>
+              <a:rPr lang="en-US" sz="2400" dirty="0" smtClean="0"/>
+              <a:t>Give grade to assignments</a:t>
+            </a:r>
+            <a:endParaRPr lang="en-US" sz="2400" b="1" dirty="0" smtClean="0">
+              <a:solidFill>
+                <a:srgbClr val="FF0000"/>
+              </a:solidFill>
+            </a:endParaRPr>
+          </a:p>
+          <a:p>
+            <a:pPr lvl="1"/>
+            <a:r>
+              <a:rPr lang="en-US" sz="2400" b="1" dirty="0" smtClean="0">
+                <a:solidFill>
+                  <a:srgbClr val="FF0000"/>
+                </a:solidFill>
+              </a:rPr>
+              <a:t>Get statistical number in a flexible way</a:t>
+            </a:r>
+            <a:endParaRPr lang="en-US" sz="2400" b="1" dirty="0">
+              <a:solidFill>
+                <a:srgbClr val="FF0000"/>
+              </a:solidFill>
+            </a:endParaRPr>
+          </a:p>
+        </p:txBody>
+      </p:sp>
+    </p:spTree>
+    <p:extLst>
+      <p:ext uri="{BB962C8B-B14F-4D97-AF65-F5344CB8AC3E}">
+        <p14:creationId xmlns:p14="http://schemas.microsoft.com/office/powerpoint/2010/main" val="1395490368"/>
+      </p:ext>
+    </p:extLst>
+  </p:cSld>
+  <p:clrMapOvr>
+    <a:masterClrMapping/>
+  </p:clrMapOvr>
+  <mc:AlternateContent xmlns:mc="http://schemas.openxmlformats.org/markup-compatibility/2006">
+    <mc:Choice xmlns:p14="http://schemas.microsoft.com/office/powerpoint/2010/main" Requires="p14">
+      <p:transition spd="slow" p14:dur="2000"/>
+    </mc:Choice>
+    <mc:Fallback>
+      <p:transition spd="slow"/>
+    </mc:Fallback>
+  </mc:AlternateContent>
+</p:sld>
+</file>
+
+<file path=ppt/slides/slide15.xml><?xml version="1.0" encoding="utf-8"?>
+<p:sld xmlns:a="http://schemas.openxmlformats.org/drawingml/2006/main" xmlns:r="http://schemas.openxmlformats.org/officeDocument/2006/relationships" xmlns:p="http://schemas.openxmlformats.org/presentationml/2006/main">
+  <p:cSld>
+    <p:spTree>
+      <p:nvGrpSpPr>
+        <p:cNvPr id="1" name=""/>
+        <p:cNvGrpSpPr/>
+        <p:nvPr/>
+      </p:nvGrpSpPr>
+      <p:grpSpPr>
+        <a:xfrm>
+          <a:off x="0" y="0"/>
+          <a:ext cx="0" cy="0"/>
+          <a:chOff x="0" y="0"/>
+          <a:chExt cx="0" cy="0"/>
+        </a:xfrm>
+      </p:grpSpPr>
+      <p:sp>
+        <p:nvSpPr>
+          <p:cNvPr id="2" name="Title 1"/>
+          <p:cNvSpPr>
+            <a:spLocks noGrp="1"/>
+          </p:cNvSpPr>
+          <p:nvPr>
+            <p:ph type="title"/>
+          </p:nvPr>
+        </p:nvSpPr>
+        <p:spPr>
+          <a:xfrm>
+            <a:off x="1069848" y="484632"/>
+            <a:ext cx="10058400" cy="724058"/>
+          </a:xfrm>
+        </p:spPr>
+        <p:txBody>
+          <a:bodyPr>
+            <a:normAutofit fontScale="90000"/>
+          </a:bodyPr>
+          <a:lstStyle/>
+          <a:p>
+            <a:r>
+              <a:rPr lang="en-US" dirty="0" smtClean="0"/>
+              <a:t>Introduction To our system</a:t>
+            </a:r>
+            <a:endParaRPr lang="en-US" dirty="0"/>
+          </a:p>
+        </p:txBody>
+      </p:sp>
+      <p:sp>
+        <p:nvSpPr>
+          <p:cNvPr id="3" name="Content Placeholder 2"/>
+          <p:cNvSpPr>
+            <a:spLocks noGrp="1"/>
+          </p:cNvSpPr>
+          <p:nvPr>
+            <p:ph idx="1"/>
+          </p:nvPr>
+        </p:nvSpPr>
+        <p:spPr>
+          <a:xfrm>
+            <a:off x="1069848" y="1839310"/>
+            <a:ext cx="10058400" cy="4332890"/>
+          </a:xfrm>
+        </p:spPr>
+        <p:txBody>
+          <a:bodyPr>
+            <a:noAutofit/>
+          </a:bodyPr>
+          <a:lstStyle/>
+          <a:p>
+            <a:r>
+              <a:rPr lang="en-US" sz="2800" dirty="0" smtClean="0"/>
+              <a:t>A grading system that allow you:</a:t>
+            </a:r>
+          </a:p>
+          <a:p>
+            <a:pPr lvl="1"/>
+            <a:r>
+              <a:rPr lang="en-US" sz="2400" dirty="0" smtClean="0"/>
+              <a:t>Create course based or not based on a template</a:t>
+            </a:r>
+          </a:p>
+          <a:p>
+            <a:pPr lvl="1"/>
+            <a:r>
+              <a:rPr lang="en-US" sz="2400" dirty="0" smtClean="0"/>
+              <a:t>Manage criteria of that course</a:t>
+            </a:r>
+          </a:p>
+          <a:p>
+            <a:pPr lvl="1"/>
+            <a:r>
+              <a:rPr lang="en-US" sz="2400" dirty="0" smtClean="0"/>
+              <a:t>Add and modify students</a:t>
+            </a:r>
+          </a:p>
+          <a:p>
+            <a:pPr lvl="1"/>
+            <a:r>
+              <a:rPr lang="en-US" sz="2400" dirty="0" smtClean="0"/>
+              <a:t>Assign and modify assignments with single parts or multi parts</a:t>
+            </a:r>
+          </a:p>
+          <a:p>
+            <a:pPr lvl="1"/>
+            <a:r>
+              <a:rPr lang="en-US" sz="2400" dirty="0" smtClean="0"/>
+              <a:t>Give grade to assignments</a:t>
+            </a:r>
+          </a:p>
+          <a:p>
+            <a:pPr lvl="1"/>
+            <a:r>
+              <a:rPr lang="en-US" sz="2400" dirty="0" smtClean="0"/>
+              <a:t>Get statistical number in a flexible way</a:t>
+            </a:r>
+            <a:endParaRPr lang="en-US" sz="2400" b="1" dirty="0" smtClean="0">
+              <a:solidFill>
+                <a:srgbClr val="FF0000"/>
+              </a:solidFill>
+            </a:endParaRPr>
+          </a:p>
+          <a:p>
+            <a:pPr lvl="1"/>
+            <a:r>
+              <a:rPr lang="en-US" sz="2400" b="1" dirty="0" smtClean="0">
+                <a:solidFill>
+                  <a:srgbClr val="FF0000"/>
+                </a:solidFill>
+              </a:rPr>
+              <a:t>Give final grade and export csv file</a:t>
+            </a:r>
+            <a:endParaRPr lang="en-US" sz="2400" b="1" dirty="0">
+              <a:solidFill>
+                <a:srgbClr val="FF0000"/>
+              </a:solidFill>
+            </a:endParaRPr>
+          </a:p>
+        </p:txBody>
+      </p:sp>
+    </p:spTree>
+    <p:extLst>
+      <p:ext uri="{BB962C8B-B14F-4D97-AF65-F5344CB8AC3E}">
+        <p14:creationId xmlns:p14="http://schemas.microsoft.com/office/powerpoint/2010/main" val="918928916"/>
+      </p:ext>
+    </p:extLst>
+  </p:cSld>
+  <p:clrMapOvr>
+    <a:masterClrMapping/>
+  </p:clrMapOvr>
+  <mc:AlternateContent xmlns:mc="http://schemas.openxmlformats.org/markup-compatibility/2006">
+    <mc:Choice xmlns:p14="http://schemas.microsoft.com/office/powerpoint/2010/main" Requires="p14">
+      <p:transition spd="slow" p14:dur="2000"/>
+    </mc:Choice>
+    <mc:Fallback>
+      <p:transition spd="slow"/>
+    </mc:Fallback>
+  </mc:AlternateContent>
+</p:sld>
+</file>
+
+<file path=ppt/slides/slide16.xml><?xml version="1.0" encoding="utf-8"?>
+<p:sld xmlns:a="http://schemas.openxmlformats.org/drawingml/2006/main" xmlns:r="http://schemas.openxmlformats.org/officeDocument/2006/relationships" xmlns:p="http://schemas.openxmlformats.org/presentationml/2006/main">
+  <p:cSld>
+    <p:spTree>
+      <p:nvGrpSpPr>
+        <p:cNvPr id="1" name=""/>
+        <p:cNvGrpSpPr/>
+        <p:nvPr/>
+      </p:nvGrpSpPr>
+      <p:grpSpPr>
+        <a:xfrm>
+          <a:off x="0" y="0"/>
+          <a:ext cx="0" cy="0"/>
+          <a:chOff x="0" y="0"/>
+          <a:chExt cx="0" cy="0"/>
+        </a:xfrm>
+      </p:grpSpPr>
+      <p:sp>
+        <p:nvSpPr>
+          <p:cNvPr id="2" name="Title 1"/>
+          <p:cNvSpPr>
+            <a:spLocks noGrp="1"/>
+          </p:cNvSpPr>
+          <p:nvPr>
+            <p:ph type="title"/>
+          </p:nvPr>
+        </p:nvSpPr>
+        <p:spPr>
+          <a:xfrm>
+            <a:off x="1069848" y="484632"/>
+            <a:ext cx="10058400" cy="724058"/>
+          </a:xfrm>
+        </p:spPr>
+        <p:txBody>
+          <a:bodyPr>
+            <a:normAutofit fontScale="90000"/>
+          </a:bodyPr>
+          <a:lstStyle/>
+          <a:p>
+            <a:r>
+              <a:rPr lang="en-US" dirty="0" smtClean="0"/>
+              <a:t>Introduction To our system</a:t>
+            </a:r>
+            <a:endParaRPr lang="en-US" dirty="0"/>
+          </a:p>
+        </p:txBody>
+      </p:sp>
+      <p:sp>
+        <p:nvSpPr>
+          <p:cNvPr id="3" name="Content Placeholder 2"/>
+          <p:cNvSpPr>
+            <a:spLocks noGrp="1"/>
+          </p:cNvSpPr>
+          <p:nvPr>
+            <p:ph idx="1"/>
+          </p:nvPr>
+        </p:nvSpPr>
+        <p:spPr>
+          <a:xfrm>
+            <a:off x="1069848" y="1839310"/>
+            <a:ext cx="10058400" cy="4332890"/>
+          </a:xfrm>
+        </p:spPr>
+        <p:txBody>
+          <a:bodyPr>
+            <a:noAutofit/>
+          </a:bodyPr>
+          <a:lstStyle/>
+          <a:p>
+            <a:r>
+              <a:rPr lang="en-US" sz="2800" dirty="0" smtClean="0"/>
+              <a:t>A grading system that allow you:</a:t>
+            </a:r>
+          </a:p>
+          <a:p>
+            <a:pPr lvl="1"/>
+            <a:r>
+              <a:rPr lang="en-US" sz="2400" dirty="0" smtClean="0"/>
+              <a:t>Create course based or not based on a template</a:t>
+            </a:r>
+          </a:p>
+          <a:p>
+            <a:pPr lvl="1"/>
+            <a:r>
+              <a:rPr lang="en-US" sz="2400" dirty="0" smtClean="0"/>
+              <a:t>Manage criteria of that course</a:t>
+            </a:r>
+          </a:p>
+          <a:p>
+            <a:pPr lvl="1"/>
+            <a:r>
+              <a:rPr lang="en-US" sz="2400" dirty="0" smtClean="0"/>
+              <a:t>Add and modify students</a:t>
+            </a:r>
+          </a:p>
+          <a:p>
+            <a:pPr lvl="1"/>
+            <a:r>
+              <a:rPr lang="en-US" sz="2400" dirty="0" smtClean="0"/>
+              <a:t>Assign and modify assignments with single parts or multi parts</a:t>
+            </a:r>
+          </a:p>
+          <a:p>
+            <a:pPr lvl="1"/>
+            <a:r>
+              <a:rPr lang="en-US" sz="2400" dirty="0" smtClean="0"/>
+              <a:t>Give grade to assignments</a:t>
+            </a:r>
+          </a:p>
+          <a:p>
+            <a:pPr lvl="1"/>
+            <a:r>
+              <a:rPr lang="en-US" sz="2400" dirty="0" smtClean="0"/>
+              <a:t>Get statistical number in a flexible way</a:t>
+            </a:r>
+          </a:p>
+          <a:p>
+            <a:pPr lvl="1"/>
+            <a:r>
+              <a:rPr lang="en-US" sz="2400" dirty="0" smtClean="0"/>
+              <a:t>Give final grade and export csv file</a:t>
+            </a:r>
+          </a:p>
+          <a:p>
+            <a:pPr lvl="1"/>
+            <a:r>
+              <a:rPr lang="en-US" sz="2400" b="1" dirty="0" smtClean="0">
+                <a:solidFill>
+                  <a:srgbClr val="FF0000"/>
+                </a:solidFill>
+              </a:rPr>
+              <a:t>Archive a course but still can view and modify the grade.</a:t>
+            </a:r>
+          </a:p>
+          <a:p>
+            <a:pPr lvl="1"/>
+            <a:endParaRPr lang="en-US" sz="2400" dirty="0"/>
+          </a:p>
+        </p:txBody>
+      </p:sp>
+    </p:spTree>
+    <p:extLst>
+      <p:ext uri="{BB962C8B-B14F-4D97-AF65-F5344CB8AC3E}">
+        <p14:creationId xmlns:p14="http://schemas.microsoft.com/office/powerpoint/2010/main" val="1424271323"/>
+      </p:ext>
+    </p:extLst>
+  </p:cSld>
+  <p:clrMapOvr>
+    <a:masterClrMapping/>
+  </p:clrMapOvr>
+  <mc:AlternateContent xmlns:mc="http://schemas.openxmlformats.org/markup-compatibility/2006">
+    <mc:Choice xmlns:p14="http://schemas.microsoft.com/office/powerpoint/2010/main" Requires="p14">
+      <p:transition spd="slow" p14:dur="2000"/>
+    </mc:Choice>
+    <mc:Fallback>
+      <p:transition spd="slow"/>
+    </mc:Fallback>
+  </mc:AlternateContent>
+</p:sld>
+</file>
+
+<file path=ppt/slides/slide17.xml><?xml version="1.0" encoding="utf-8"?>
+<p:sld xmlns:a="http://schemas.openxmlformats.org/drawingml/2006/main" xmlns:r="http://schemas.openxmlformats.org/officeDocument/2006/relationships" xmlns:p="http://schemas.openxmlformats.org/presentationml/2006/main">
+  <p:cSld>
+    <p:spTree>
+      <p:nvGrpSpPr>
+        <p:cNvPr id="1" name=""/>
+        <p:cNvGrpSpPr/>
+        <p:nvPr/>
+      </p:nvGrpSpPr>
+      <p:grpSpPr>
+        <a:xfrm>
+          <a:off x="0" y="0"/>
+          <a:ext cx="0" cy="0"/>
+          <a:chOff x="0" y="0"/>
+          <a:chExt cx="0" cy="0"/>
+        </a:xfrm>
+      </p:grpSpPr>
+      <p:sp>
+        <p:nvSpPr>
+          <p:cNvPr id="2" name="Title 1"/>
+          <p:cNvSpPr>
+            <a:spLocks noGrp="1"/>
+          </p:cNvSpPr>
+          <p:nvPr>
+            <p:ph type="title"/>
+          </p:nvPr>
+        </p:nvSpPr>
+        <p:spPr>
+          <a:xfrm>
+            <a:off x="1069848" y="484632"/>
+            <a:ext cx="10058400" cy="724058"/>
+          </a:xfrm>
+        </p:spPr>
+        <p:txBody>
+          <a:bodyPr>
+            <a:normAutofit fontScale="90000"/>
+          </a:bodyPr>
+          <a:lstStyle/>
+          <a:p>
+            <a:r>
+              <a:rPr lang="en-US" dirty="0" smtClean="0"/>
+              <a:t>Highlighted features</a:t>
+            </a:r>
+            <a:endParaRPr lang="en-US" dirty="0"/>
+          </a:p>
+        </p:txBody>
+      </p:sp>
+      <p:sp>
+        <p:nvSpPr>
+          <p:cNvPr id="3" name="Content Placeholder 2"/>
+          <p:cNvSpPr>
+            <a:spLocks noGrp="1"/>
+          </p:cNvSpPr>
+          <p:nvPr>
+            <p:ph idx="1"/>
+          </p:nvPr>
+        </p:nvSpPr>
+        <p:spPr>
+          <a:xfrm>
+            <a:off x="1069848" y="1460939"/>
+            <a:ext cx="9766318" cy="1061544"/>
+          </a:xfrm>
+        </p:spPr>
+        <p:txBody>
+          <a:bodyPr>
+            <a:normAutofit/>
+          </a:bodyPr>
+          <a:lstStyle/>
+          <a:p>
+            <a:r>
+              <a:rPr lang="en-US" sz="3200" dirty="0" smtClean="0"/>
+              <a:t>Highlight the student row when give grade to that student.</a:t>
+            </a:r>
+          </a:p>
+        </p:txBody>
+      </p:sp>
+      <p:pic>
+        <p:nvPicPr>
+          <p:cNvPr id="5" name="Picture 4"/>
+          <p:cNvPicPr>
+            <a:picLocks noChangeAspect="1"/>
+          </p:cNvPicPr>
+          <p:nvPr/>
+        </p:nvPicPr>
+        <p:blipFill>
+          <a:blip r:embed="rId2"/>
+          <a:stretch>
+            <a:fillRect/>
+          </a:stretch>
+        </p:blipFill>
+        <p:spPr>
+          <a:xfrm>
+            <a:off x="659539" y="2774732"/>
+            <a:ext cx="10583335" cy="3086806"/>
+          </a:xfrm>
+          <a:prstGeom prst="rect">
+            <a:avLst/>
+          </a:prstGeom>
+        </p:spPr>
+      </p:pic>
+    </p:spTree>
+    <p:extLst>
+      <p:ext uri="{BB962C8B-B14F-4D97-AF65-F5344CB8AC3E}">
+        <p14:creationId xmlns:p14="http://schemas.microsoft.com/office/powerpoint/2010/main" val="280894893"/>
+      </p:ext>
+    </p:extLst>
+  </p:cSld>
+  <p:clrMapOvr>
+    <a:masterClrMapping/>
+  </p:clrMapOvr>
+  <mc:AlternateContent xmlns:mc="http://schemas.openxmlformats.org/markup-compatibility/2006">
+    <mc:Choice xmlns:p14="http://schemas.microsoft.com/office/powerpoint/2010/main" Requires="p14">
+      <p:transition spd="slow" p14:dur="2000"/>
+    </mc:Choice>
+    <mc:Fallback>
+      <p:transition spd="slow"/>
+    </mc:Fallback>
+  </mc:AlternateContent>
+</p:sld>
+</file>
+
+<file path=ppt/slides/slide18.xml><?xml version="1.0" encoding="utf-8"?>
+<p:sld xmlns:a="http://schemas.openxmlformats.org/drawingml/2006/main" xmlns:r="http://schemas.openxmlformats.org/officeDocument/2006/relationships" xmlns:p="http://schemas.openxmlformats.org/presentationml/2006/main">
+  <p:cSld>
+    <p:spTree>
+      <p:nvGrpSpPr>
+        <p:cNvPr id="1" name=""/>
+        <p:cNvGrpSpPr/>
+        <p:nvPr/>
+      </p:nvGrpSpPr>
+      <p:grpSpPr>
+        <a:xfrm>
+          <a:off x="0" y="0"/>
+          <a:ext cx="0" cy="0"/>
+          <a:chOff x="0" y="0"/>
+          <a:chExt cx="0" cy="0"/>
+        </a:xfrm>
+      </p:grpSpPr>
+      <p:sp>
+        <p:nvSpPr>
+          <p:cNvPr id="2" name="Title 1"/>
+          <p:cNvSpPr>
+            <a:spLocks noGrp="1"/>
+          </p:cNvSpPr>
+          <p:nvPr>
+            <p:ph type="title"/>
+          </p:nvPr>
+        </p:nvSpPr>
+        <p:spPr>
+          <a:xfrm>
+            <a:off x="1069848" y="484632"/>
+            <a:ext cx="10058400" cy="724058"/>
+          </a:xfrm>
+        </p:spPr>
+        <p:txBody>
+          <a:bodyPr>
+            <a:normAutofit fontScale="90000"/>
+          </a:bodyPr>
+          <a:lstStyle/>
+          <a:p>
+            <a:r>
+              <a:rPr lang="en-US" dirty="0" smtClean="0"/>
+              <a:t>Highlighted features</a:t>
+            </a:r>
+            <a:endParaRPr lang="en-US" dirty="0"/>
+          </a:p>
+        </p:txBody>
+      </p:sp>
+      <p:sp>
+        <p:nvSpPr>
+          <p:cNvPr id="3" name="Content Placeholder 2"/>
+          <p:cNvSpPr>
+            <a:spLocks noGrp="1"/>
+          </p:cNvSpPr>
+          <p:nvPr>
+            <p:ph idx="1"/>
+          </p:nvPr>
+        </p:nvSpPr>
+        <p:spPr>
+          <a:xfrm>
+            <a:off x="1069848" y="1366345"/>
+            <a:ext cx="9955504" cy="1008992"/>
+          </a:xfrm>
+        </p:spPr>
+        <p:txBody>
+          <a:bodyPr>
+            <a:normAutofit/>
+          </a:bodyPr>
+          <a:lstStyle/>
+          <a:p>
+            <a:r>
+              <a:rPr lang="en-US" sz="3200" dirty="0" smtClean="0"/>
+              <a:t>Can </a:t>
+            </a:r>
+            <a:r>
+              <a:rPr lang="en-US" sz="3200" dirty="0"/>
+              <a:t>deselect students who are not account for the statistical number</a:t>
+            </a:r>
+            <a:r>
+              <a:rPr lang="en-US" sz="3200" dirty="0" smtClean="0"/>
+              <a:t>.</a:t>
+            </a:r>
+          </a:p>
+        </p:txBody>
+      </p:sp>
+      <p:pic>
+        <p:nvPicPr>
+          <p:cNvPr id="5" name="Picture 4"/>
+          <p:cNvPicPr>
+            <a:picLocks noChangeAspect="1"/>
+          </p:cNvPicPr>
+          <p:nvPr/>
+        </p:nvPicPr>
+        <p:blipFill>
+          <a:blip r:embed="rId2"/>
+          <a:stretch>
+            <a:fillRect/>
+          </a:stretch>
+        </p:blipFill>
+        <p:spPr>
+          <a:xfrm>
+            <a:off x="1907838" y="2375337"/>
+            <a:ext cx="8285078" cy="4482663"/>
+          </a:xfrm>
+          <a:prstGeom prst="rect">
+            <a:avLst/>
+          </a:prstGeom>
+        </p:spPr>
+      </p:pic>
+    </p:spTree>
+    <p:extLst>
+      <p:ext uri="{BB962C8B-B14F-4D97-AF65-F5344CB8AC3E}">
+        <p14:creationId xmlns:p14="http://schemas.microsoft.com/office/powerpoint/2010/main" val="881911175"/>
+      </p:ext>
+    </p:extLst>
+  </p:cSld>
+  <p:clrMapOvr>
+    <a:masterClrMapping/>
+  </p:clrMapOvr>
+  <mc:AlternateContent xmlns:mc="http://schemas.openxmlformats.org/markup-compatibility/2006">
+    <mc:Choice xmlns:p14="http://schemas.microsoft.com/office/powerpoint/2010/main" Requires="p14">
+      <p:transition spd="slow" p14:dur="2000"/>
+    </mc:Choice>
+    <mc:Fallback>
+      <p:transition spd="slow"/>
+    </mc:Fallback>
+  </mc:AlternateContent>
+</p:sld>
+</file>
+
+<file path=ppt/slides/slide19.xml><?xml version="1.0" encoding="utf-8"?>
+<p:sld xmlns:a="http://schemas.openxmlformats.org/drawingml/2006/main" xmlns:r="http://schemas.openxmlformats.org/officeDocument/2006/relationships" xmlns:p="http://schemas.openxmlformats.org/presentationml/2006/main">
+  <p:cSld>
+    <p:spTree>
+      <p:nvGrpSpPr>
+        <p:cNvPr id="1" name=""/>
+        <p:cNvGrpSpPr/>
+        <p:nvPr/>
+      </p:nvGrpSpPr>
+      <p:grpSpPr>
+        <a:xfrm>
+          <a:off x="0" y="0"/>
+          <a:ext cx="0" cy="0"/>
+          <a:chOff x="0" y="0"/>
+          <a:chExt cx="0" cy="0"/>
+        </a:xfrm>
+      </p:grpSpPr>
+      <p:sp>
+        <p:nvSpPr>
+          <p:cNvPr id="2" name="Title 1"/>
+          <p:cNvSpPr>
+            <a:spLocks noGrp="1"/>
+          </p:cNvSpPr>
+          <p:nvPr>
+            <p:ph type="title"/>
+          </p:nvPr>
+        </p:nvSpPr>
+        <p:spPr>
+          <a:xfrm>
+            <a:off x="1069848" y="484632"/>
+            <a:ext cx="10058400" cy="724058"/>
+          </a:xfrm>
+        </p:spPr>
+        <p:txBody>
+          <a:bodyPr>
+            <a:normAutofit fontScale="90000"/>
+          </a:bodyPr>
+          <a:lstStyle/>
+          <a:p>
+            <a:r>
+              <a:rPr lang="en-US" dirty="0" smtClean="0"/>
+              <a:t>Highlighted features</a:t>
+            </a:r>
+            <a:endParaRPr lang="en-US" dirty="0"/>
+          </a:p>
+        </p:txBody>
+      </p:sp>
+      <p:sp>
+        <p:nvSpPr>
+          <p:cNvPr id="3" name="Content Placeholder 2"/>
+          <p:cNvSpPr>
+            <a:spLocks noGrp="1"/>
+          </p:cNvSpPr>
+          <p:nvPr>
+            <p:ph idx="1"/>
+          </p:nvPr>
+        </p:nvSpPr>
+        <p:spPr>
+          <a:xfrm>
+            <a:off x="996276" y="1376856"/>
+            <a:ext cx="9976524" cy="609600"/>
+          </a:xfrm>
+        </p:spPr>
+        <p:txBody>
+          <a:bodyPr>
+            <a:normAutofit/>
+          </a:bodyPr>
+          <a:lstStyle/>
+          <a:p>
+            <a:r>
+              <a:rPr lang="en-US" sz="3200" dirty="0" smtClean="0"/>
+              <a:t>Creating courses based on a template.</a:t>
+            </a:r>
+          </a:p>
+        </p:txBody>
+      </p:sp>
+      <p:pic>
+        <p:nvPicPr>
+          <p:cNvPr id="4" name="Picture 3"/>
+          <p:cNvPicPr>
+            <a:picLocks noChangeAspect="1"/>
+          </p:cNvPicPr>
+          <p:nvPr/>
+        </p:nvPicPr>
+        <p:blipFill>
+          <a:blip r:embed="rId2"/>
+          <a:stretch>
+            <a:fillRect/>
+          </a:stretch>
+        </p:blipFill>
+        <p:spPr>
+          <a:xfrm>
+            <a:off x="2365248" y="2154622"/>
+            <a:ext cx="7467600" cy="3695700"/>
+          </a:xfrm>
+          <a:prstGeom prst="rect">
+            <a:avLst/>
+          </a:prstGeom>
+        </p:spPr>
+      </p:pic>
+    </p:spTree>
+    <p:extLst>
+      <p:ext uri="{BB962C8B-B14F-4D97-AF65-F5344CB8AC3E}">
+        <p14:creationId xmlns:p14="http://schemas.microsoft.com/office/powerpoint/2010/main" val="64776007"/>
+      </p:ext>
+    </p:extLst>
+  </p:cSld>
+  <p:clrMapOvr>
+    <a:masterClrMapping/>
+  </p:clrMapOvr>
+  <mc:AlternateContent xmlns:mc="http://schemas.openxmlformats.org/markup-compatibility/2006">
+    <mc:Choice xmlns:p14="http://schemas.microsoft.com/office/powerpoint/2010/main" Requires="p14">
+      <p:transition spd="slow" p14:dur="2000"/>
+    </mc:Choice>
+    <mc:Fallback>
+      <p:transition spd="slow"/>
+    </mc:Fallback>
+  </mc:AlternateContent>
+</p:sld>
+</file>
+
+<file path=ppt/slides/slide2.xml><?xml version="1.0" encoding="utf-8"?>
+<p:sld xmlns:a="http://schemas.openxmlformats.org/drawingml/2006/main" xmlns:r="http://schemas.openxmlformats.org/officeDocument/2006/relationships" xmlns:p="http://schemas.openxmlformats.org/presentationml/2006/main">
+  <p:cSld>
+    <p:spTree>
+      <p:nvGrpSpPr>
+        <p:cNvPr id="1" name=""/>
+        <p:cNvGrpSpPr/>
+        <p:nvPr/>
+      </p:nvGrpSpPr>
+      <p:grpSpPr>
+        <a:xfrm>
+          <a:off x="0" y="0"/>
+          <a:ext cx="0" cy="0"/>
+          <a:chOff x="0" y="0"/>
+          <a:chExt cx="0" cy="0"/>
+        </a:xfrm>
+      </p:grpSpPr>
+      <p:sp>
+        <p:nvSpPr>
+          <p:cNvPr id="2" name="Title 1"/>
+          <p:cNvSpPr>
+            <a:spLocks noGrp="1"/>
+          </p:cNvSpPr>
+          <p:nvPr>
+            <p:ph type="title"/>
+          </p:nvPr>
+        </p:nvSpPr>
+        <p:spPr>
+          <a:xfrm>
+            <a:off x="1069848" y="484632"/>
+            <a:ext cx="10058400" cy="724058"/>
+          </a:xfrm>
+        </p:spPr>
+        <p:txBody>
+          <a:bodyPr>
+            <a:normAutofit fontScale="90000"/>
+          </a:bodyPr>
+          <a:lstStyle/>
+          <a:p>
+            <a:r>
+              <a:rPr lang="en-US" dirty="0" smtClean="0"/>
+              <a:t>Outline </a:t>
+            </a:r>
+            <a:endParaRPr lang="en-US" dirty="0"/>
+          </a:p>
+        </p:txBody>
+      </p:sp>
+      <p:sp>
+        <p:nvSpPr>
+          <p:cNvPr id="3" name="Content Placeholder 2"/>
+          <p:cNvSpPr>
+            <a:spLocks noGrp="1"/>
+          </p:cNvSpPr>
+          <p:nvPr>
+            <p:ph idx="1"/>
+          </p:nvPr>
+        </p:nvSpPr>
+        <p:spPr>
+          <a:xfrm>
+            <a:off x="1069848" y="2070538"/>
+            <a:ext cx="10869904" cy="2984938"/>
+          </a:xfrm>
+        </p:spPr>
+        <p:txBody>
+          <a:bodyPr>
+            <a:normAutofit/>
+          </a:bodyPr>
+          <a:lstStyle/>
+          <a:p>
+            <a:r>
+              <a:rPr lang="en-US" sz="3200" dirty="0" smtClean="0"/>
+              <a:t>Motivation and introduction	  	</a:t>
+            </a:r>
+            <a:r>
+              <a:rPr lang="en-US" sz="3200" dirty="0"/>
+              <a:t>	</a:t>
+            </a:r>
+            <a:r>
+              <a:rPr lang="en-US" sz="3200" dirty="0" smtClean="0"/>
+              <a:t>--  	</a:t>
+            </a:r>
+            <a:r>
+              <a:rPr lang="en-US" sz="3200" dirty="0" err="1" smtClean="0"/>
+              <a:t>Qichao</a:t>
+            </a:r>
+            <a:r>
+              <a:rPr lang="en-US" sz="3200" dirty="0" smtClean="0"/>
+              <a:t> Hong</a:t>
+            </a:r>
+          </a:p>
+          <a:p>
+            <a:r>
+              <a:rPr lang="en-US" sz="3200" dirty="0" smtClean="0"/>
+              <a:t>Highlighted features		   		-- 	</a:t>
+            </a:r>
+            <a:r>
+              <a:rPr lang="en-US" sz="3200" dirty="0" err="1" smtClean="0"/>
+              <a:t>Xinyun</a:t>
+            </a:r>
+            <a:r>
+              <a:rPr lang="en-US" sz="3200" dirty="0" smtClean="0"/>
+              <a:t> Cao</a:t>
+            </a:r>
+          </a:p>
+          <a:p>
+            <a:r>
+              <a:rPr lang="en-US" sz="3200" dirty="0" smtClean="0"/>
+              <a:t>Demo time			   			--  	 </a:t>
+            </a:r>
+            <a:r>
+              <a:rPr lang="en-US" sz="3200" dirty="0" err="1" smtClean="0"/>
+              <a:t>Yuang</a:t>
+            </a:r>
+            <a:r>
+              <a:rPr lang="en-US" sz="3200" dirty="0" smtClean="0"/>
+              <a:t> Liu</a:t>
+            </a:r>
+          </a:p>
+          <a:p>
+            <a:r>
+              <a:rPr lang="en-US" sz="3200" dirty="0" smtClean="0"/>
+              <a:t>Future improvements			         --   	</a:t>
+            </a:r>
+            <a:r>
+              <a:rPr lang="en-US" sz="3200" dirty="0" err="1" smtClean="0"/>
+              <a:t>Zhitong</a:t>
+            </a:r>
+            <a:r>
+              <a:rPr lang="en-US" sz="3200" dirty="0" smtClean="0"/>
+              <a:t> Wu</a:t>
+            </a:r>
+          </a:p>
+          <a:p>
+            <a:r>
+              <a:rPr lang="en-US" sz="3200" dirty="0" smtClean="0"/>
+              <a:t>Q&amp;A</a:t>
+            </a:r>
+            <a:endParaRPr lang="en-US" sz="3200" dirty="0"/>
+          </a:p>
+        </p:txBody>
+      </p:sp>
+    </p:spTree>
+    <p:extLst>
+      <p:ext uri="{BB962C8B-B14F-4D97-AF65-F5344CB8AC3E}">
+        <p14:creationId xmlns:p14="http://schemas.microsoft.com/office/powerpoint/2010/main" val="1343370509"/>
+      </p:ext>
+    </p:extLst>
+  </p:cSld>
+  <p:clrMapOvr>
+    <a:masterClrMapping/>
+  </p:clrMapOvr>
+  <mc:AlternateContent xmlns:mc="http://schemas.openxmlformats.org/markup-compatibility/2006">
+    <mc:Choice xmlns:p14="http://schemas.microsoft.com/office/powerpoint/2010/main" Requires="p14">
+      <p:transition spd="slow" p14:dur="2000"/>
+    </mc:Choice>
+    <mc:Fallback>
+      <p:transition spd="slow"/>
+    </mc:Fallback>
+  </mc:AlternateContent>
+</p:sld>
+</file>
+
+<file path=ppt/slides/slide20.xml><?xml version="1.0" encoding="utf-8"?>
+<p:sld xmlns:a="http://schemas.openxmlformats.org/drawingml/2006/main" xmlns:r="http://schemas.openxmlformats.org/officeDocument/2006/relationships" xmlns:p="http://schemas.openxmlformats.org/presentationml/2006/main">
+  <p:cSld>
+    <p:spTree>
+      <p:nvGrpSpPr>
+        <p:cNvPr id="1" name=""/>
+        <p:cNvGrpSpPr/>
+        <p:nvPr/>
+      </p:nvGrpSpPr>
+      <p:grpSpPr>
+        <a:xfrm>
+          <a:off x="0" y="0"/>
+          <a:ext cx="0" cy="0"/>
+          <a:chOff x="0" y="0"/>
+          <a:chExt cx="0" cy="0"/>
+        </a:xfrm>
+      </p:grpSpPr>
+      <p:sp>
+        <p:nvSpPr>
+          <p:cNvPr id="2" name="Title 1"/>
+          <p:cNvSpPr>
+            <a:spLocks noGrp="1"/>
+          </p:cNvSpPr>
+          <p:nvPr>
+            <p:ph type="title"/>
+          </p:nvPr>
+        </p:nvSpPr>
+        <p:spPr>
+          <a:xfrm>
+            <a:off x="1069848" y="484632"/>
+            <a:ext cx="10058400" cy="724058"/>
+          </a:xfrm>
+        </p:spPr>
+        <p:txBody>
+          <a:bodyPr>
+            <a:normAutofit fontScale="90000"/>
+          </a:bodyPr>
+          <a:lstStyle/>
+          <a:p>
+            <a:r>
+              <a:rPr lang="en-US" dirty="0" smtClean="0"/>
+              <a:t>Highlighted features</a:t>
+            </a:r>
+            <a:endParaRPr lang="en-US" dirty="0"/>
+          </a:p>
+        </p:txBody>
+      </p:sp>
+      <p:sp>
+        <p:nvSpPr>
+          <p:cNvPr id="3" name="Content Placeholder 2"/>
+          <p:cNvSpPr>
+            <a:spLocks noGrp="1"/>
+          </p:cNvSpPr>
+          <p:nvPr>
+            <p:ph idx="1"/>
+          </p:nvPr>
+        </p:nvSpPr>
+        <p:spPr>
+          <a:xfrm>
+            <a:off x="1069848" y="1376856"/>
+            <a:ext cx="9892442" cy="977461"/>
+          </a:xfrm>
+        </p:spPr>
+        <p:txBody>
+          <a:bodyPr>
+            <a:normAutofit/>
+          </a:bodyPr>
+          <a:lstStyle/>
+          <a:p>
+            <a:r>
+              <a:rPr lang="en-US" sz="3200" dirty="0" smtClean="0"/>
+              <a:t>Easy </a:t>
+            </a:r>
+            <a:r>
+              <a:rPr lang="en-US" sz="3200" dirty="0"/>
+              <a:t>way to give both percentage kind or credits kind grade in one table</a:t>
+            </a:r>
+            <a:r>
+              <a:rPr lang="en-US" sz="3200" dirty="0" smtClean="0"/>
+              <a:t>.</a:t>
+            </a:r>
+          </a:p>
+        </p:txBody>
+      </p:sp>
+      <p:pic>
+        <p:nvPicPr>
+          <p:cNvPr id="5" name="Picture 4"/>
+          <p:cNvPicPr>
+            <a:picLocks noChangeAspect="1"/>
+          </p:cNvPicPr>
+          <p:nvPr/>
+        </p:nvPicPr>
+        <p:blipFill>
+          <a:blip r:embed="rId2"/>
+          <a:stretch>
+            <a:fillRect/>
+          </a:stretch>
+        </p:blipFill>
+        <p:spPr>
+          <a:xfrm>
+            <a:off x="2825750" y="2692400"/>
+            <a:ext cx="6540500" cy="1473200"/>
+          </a:xfrm>
+          <a:prstGeom prst="rect">
+            <a:avLst/>
+          </a:prstGeom>
+        </p:spPr>
+      </p:pic>
+    </p:spTree>
+    <p:extLst>
+      <p:ext uri="{BB962C8B-B14F-4D97-AF65-F5344CB8AC3E}">
+        <p14:creationId xmlns:p14="http://schemas.microsoft.com/office/powerpoint/2010/main" val="884084781"/>
+      </p:ext>
+    </p:extLst>
+  </p:cSld>
+  <p:clrMapOvr>
+    <a:masterClrMapping/>
+  </p:clrMapOvr>
+  <mc:AlternateContent xmlns:mc="http://schemas.openxmlformats.org/markup-compatibility/2006">
+    <mc:Choice xmlns:p14="http://schemas.microsoft.com/office/powerpoint/2010/main" Requires="p14">
+      <p:transition spd="slow" p14:dur="2000"/>
+    </mc:Choice>
+    <mc:Fallback>
+      <p:transition spd="slow"/>
+    </mc:Fallback>
+  </mc:AlternateContent>
+</p:sld>
+</file>
+
+<file path=ppt/slides/slide21.xml><?xml version="1.0" encoding="utf-8"?>
+<p:sld xmlns:a="http://schemas.openxmlformats.org/drawingml/2006/main" xmlns:r="http://schemas.openxmlformats.org/officeDocument/2006/relationships" xmlns:p="http://schemas.openxmlformats.org/presentationml/2006/main">
+  <p:cSld>
+    <p:spTree>
+      <p:nvGrpSpPr>
+        <p:cNvPr id="1" name=""/>
+        <p:cNvGrpSpPr/>
+        <p:nvPr/>
+      </p:nvGrpSpPr>
+      <p:grpSpPr>
+        <a:xfrm>
+          <a:off x="0" y="0"/>
+          <a:ext cx="0" cy="0"/>
+          <a:chOff x="0" y="0"/>
+          <a:chExt cx="0" cy="0"/>
+        </a:xfrm>
+      </p:grpSpPr>
+      <p:sp>
+        <p:nvSpPr>
+          <p:cNvPr id="2" name="Title 1"/>
+          <p:cNvSpPr>
+            <a:spLocks noGrp="1"/>
+          </p:cNvSpPr>
+          <p:nvPr>
+            <p:ph type="title"/>
+          </p:nvPr>
+        </p:nvSpPr>
+        <p:spPr>
+          <a:xfrm>
+            <a:off x="1069848" y="484632"/>
+            <a:ext cx="10058400" cy="724058"/>
+          </a:xfrm>
+        </p:spPr>
+        <p:txBody>
+          <a:bodyPr>
+            <a:normAutofit fontScale="90000"/>
+          </a:bodyPr>
+          <a:lstStyle/>
+          <a:p>
+            <a:r>
+              <a:rPr lang="en-US" dirty="0" smtClean="0"/>
+              <a:t>Highlighted features</a:t>
+            </a:r>
+            <a:endParaRPr lang="en-US" dirty="0"/>
+          </a:p>
+        </p:txBody>
+      </p:sp>
+      <p:sp>
+        <p:nvSpPr>
+          <p:cNvPr id="3" name="Content Placeholder 2"/>
+          <p:cNvSpPr>
+            <a:spLocks noGrp="1"/>
+          </p:cNvSpPr>
+          <p:nvPr>
+            <p:ph idx="1"/>
+          </p:nvPr>
+        </p:nvSpPr>
+        <p:spPr>
+          <a:xfrm>
+            <a:off x="1069848" y="1429407"/>
+            <a:ext cx="10058400" cy="1093076"/>
+          </a:xfrm>
+        </p:spPr>
+        <p:txBody>
+          <a:bodyPr>
+            <a:normAutofit/>
+          </a:bodyPr>
+          <a:lstStyle/>
+          <a:p>
+            <a:r>
+              <a:rPr lang="en-US" sz="3200" dirty="0" smtClean="0"/>
+              <a:t>Clicking the assignment name under the ‘Assignment’ tab will redirect to the grading page.</a:t>
+            </a:r>
+          </a:p>
+        </p:txBody>
+      </p:sp>
+      <p:pic>
+        <p:nvPicPr>
+          <p:cNvPr id="4" name="Picture 3"/>
+          <p:cNvPicPr>
+            <a:picLocks noChangeAspect="1"/>
+          </p:cNvPicPr>
+          <p:nvPr/>
+        </p:nvPicPr>
+        <p:blipFill>
+          <a:blip r:embed="rId2"/>
+          <a:stretch>
+            <a:fillRect/>
+          </a:stretch>
+        </p:blipFill>
+        <p:spPr>
+          <a:xfrm>
+            <a:off x="898398" y="2743200"/>
+            <a:ext cx="10401300" cy="3429000"/>
+          </a:xfrm>
+          <a:prstGeom prst="rect">
+            <a:avLst/>
+          </a:prstGeom>
+        </p:spPr>
+      </p:pic>
+    </p:spTree>
+    <p:extLst>
+      <p:ext uri="{BB962C8B-B14F-4D97-AF65-F5344CB8AC3E}">
+        <p14:creationId xmlns:p14="http://schemas.microsoft.com/office/powerpoint/2010/main" val="333095757"/>
+      </p:ext>
+    </p:extLst>
+  </p:cSld>
+  <p:clrMapOvr>
+    <a:masterClrMapping/>
+  </p:clrMapOvr>
+  <mc:AlternateContent xmlns:mc="http://schemas.openxmlformats.org/markup-compatibility/2006">
+    <mc:Choice xmlns:p14="http://schemas.microsoft.com/office/powerpoint/2010/main" Requires="p14">
+      <p:transition spd="slow" p14:dur="2000"/>
+    </mc:Choice>
+    <mc:Fallback>
+      <p:transition spd="slow"/>
+    </mc:Fallback>
+  </mc:AlternateContent>
+</p:sld>
+</file>
+
+<file path=ppt/slides/slide22.xml><?xml version="1.0" encoding="utf-8"?>
+<p:sld xmlns:a="http://schemas.openxmlformats.org/drawingml/2006/main" xmlns:r="http://schemas.openxmlformats.org/officeDocument/2006/relationships" xmlns:p="http://schemas.openxmlformats.org/presentationml/2006/main">
+  <p:cSld>
+    <p:spTree>
+      <p:nvGrpSpPr>
+        <p:cNvPr id="1" name=""/>
+        <p:cNvGrpSpPr/>
+        <p:nvPr/>
+      </p:nvGrpSpPr>
+      <p:grpSpPr>
+        <a:xfrm>
+          <a:off x="0" y="0"/>
+          <a:ext cx="0" cy="0"/>
+          <a:chOff x="0" y="0"/>
+          <a:chExt cx="0" cy="0"/>
+        </a:xfrm>
+      </p:grpSpPr>
+      <p:sp>
+        <p:nvSpPr>
+          <p:cNvPr id="2" name="Title 1"/>
+          <p:cNvSpPr>
+            <a:spLocks noGrp="1"/>
+          </p:cNvSpPr>
+          <p:nvPr>
+            <p:ph type="title"/>
+          </p:nvPr>
+        </p:nvSpPr>
+        <p:spPr>
+          <a:xfrm>
+            <a:off x="1069848" y="484632"/>
+            <a:ext cx="10058400" cy="724058"/>
+          </a:xfrm>
+        </p:spPr>
+        <p:txBody>
+          <a:bodyPr>
+            <a:normAutofit fontScale="90000"/>
+          </a:bodyPr>
+          <a:lstStyle/>
+          <a:p>
+            <a:r>
+              <a:rPr lang="en-US" dirty="0" smtClean="0"/>
+              <a:t>Highlighted features</a:t>
+            </a:r>
+            <a:endParaRPr lang="en-US" dirty="0"/>
+          </a:p>
+        </p:txBody>
+      </p:sp>
+      <p:sp>
+        <p:nvSpPr>
+          <p:cNvPr id="3" name="Content Placeholder 2"/>
+          <p:cNvSpPr>
+            <a:spLocks noGrp="1"/>
+          </p:cNvSpPr>
+          <p:nvPr>
+            <p:ph idx="1"/>
+          </p:nvPr>
+        </p:nvSpPr>
+        <p:spPr>
+          <a:xfrm>
+            <a:off x="1069848" y="1429407"/>
+            <a:ext cx="10058400" cy="1093076"/>
+          </a:xfrm>
+        </p:spPr>
+        <p:txBody>
+          <a:bodyPr>
+            <a:normAutofit/>
+          </a:bodyPr>
+          <a:lstStyle/>
+          <a:p>
+            <a:r>
+              <a:rPr lang="en-US" sz="3200" dirty="0" smtClean="0"/>
+              <a:t>Clicking the assignment name under the ‘Assignment’ tab will redirect to the grading page.</a:t>
+            </a:r>
+          </a:p>
+        </p:txBody>
+      </p:sp>
+      <p:pic>
+        <p:nvPicPr>
+          <p:cNvPr id="6" name="Picture 5"/>
+          <p:cNvPicPr>
+            <a:picLocks noChangeAspect="1"/>
+          </p:cNvPicPr>
+          <p:nvPr/>
+        </p:nvPicPr>
+        <p:blipFill>
+          <a:blip r:embed="rId2"/>
+          <a:stretch>
+            <a:fillRect/>
+          </a:stretch>
+        </p:blipFill>
+        <p:spPr>
+          <a:xfrm>
+            <a:off x="1535722" y="2901963"/>
+            <a:ext cx="9136399" cy="2288535"/>
+          </a:xfrm>
+          <a:prstGeom prst="rect">
+            <a:avLst/>
+          </a:prstGeom>
+        </p:spPr>
+      </p:pic>
+    </p:spTree>
+    <p:extLst>
+      <p:ext uri="{BB962C8B-B14F-4D97-AF65-F5344CB8AC3E}">
+        <p14:creationId xmlns:p14="http://schemas.microsoft.com/office/powerpoint/2010/main" val="1793697120"/>
+      </p:ext>
+    </p:extLst>
+  </p:cSld>
+  <p:clrMapOvr>
+    <a:masterClrMapping/>
+  </p:clrMapOvr>
+  <mc:AlternateContent xmlns:mc="http://schemas.openxmlformats.org/markup-compatibility/2006">
+    <mc:Choice xmlns:p14="http://schemas.microsoft.com/office/powerpoint/2010/main" Requires="p14">
+      <p:transition spd="slow" p14:dur="2000"/>
+    </mc:Choice>
+    <mc:Fallback>
+      <p:transition spd="slow"/>
+    </mc:Fallback>
+  </mc:AlternateContent>
+</p:sld>
+</file>
+
+<file path=ppt/slides/slide23.xml><?xml version="1.0" encoding="utf-8"?>
+<p:sld xmlns:a="http://schemas.openxmlformats.org/drawingml/2006/main" xmlns:r="http://schemas.openxmlformats.org/officeDocument/2006/relationships" xmlns:p="http://schemas.openxmlformats.org/presentationml/2006/main">
+  <p:cSld>
+    <p:spTree>
+      <p:nvGrpSpPr>
+        <p:cNvPr id="1" name=""/>
+        <p:cNvGrpSpPr/>
+        <p:nvPr/>
+      </p:nvGrpSpPr>
+      <p:grpSpPr>
+        <a:xfrm>
+          <a:off x="0" y="0"/>
+          <a:ext cx="0" cy="0"/>
+          <a:chOff x="0" y="0"/>
+          <a:chExt cx="0" cy="0"/>
+        </a:xfrm>
+      </p:grpSpPr>
+      <p:sp>
+        <p:nvSpPr>
+          <p:cNvPr id="2" name="Title 1"/>
+          <p:cNvSpPr>
+            <a:spLocks noGrp="1"/>
+          </p:cNvSpPr>
+          <p:nvPr>
+            <p:ph type="title"/>
+          </p:nvPr>
+        </p:nvSpPr>
+        <p:spPr>
+          <a:xfrm>
+            <a:off x="1069848" y="484632"/>
+            <a:ext cx="10058400" cy="724058"/>
+          </a:xfrm>
+        </p:spPr>
+        <p:txBody>
+          <a:bodyPr>
+            <a:normAutofit fontScale="90000"/>
+          </a:bodyPr>
+          <a:lstStyle/>
+          <a:p>
+            <a:r>
+              <a:rPr lang="en-US" dirty="0" smtClean="0"/>
+              <a:t>Highlighted features</a:t>
+            </a:r>
+            <a:endParaRPr lang="en-US" dirty="0"/>
+          </a:p>
+        </p:txBody>
+      </p:sp>
+      <p:sp>
+        <p:nvSpPr>
+          <p:cNvPr id="3" name="Content Placeholder 2"/>
+          <p:cNvSpPr>
+            <a:spLocks noGrp="1"/>
+          </p:cNvSpPr>
+          <p:nvPr>
+            <p:ph idx="1"/>
+          </p:nvPr>
+        </p:nvSpPr>
+        <p:spPr>
+          <a:xfrm>
+            <a:off x="1069848" y="1471448"/>
+            <a:ext cx="10058400" cy="1502979"/>
+          </a:xfrm>
+        </p:spPr>
+        <p:txBody>
+          <a:bodyPr>
+            <a:normAutofit/>
+          </a:bodyPr>
+          <a:lstStyle/>
+          <a:p>
+            <a:r>
+              <a:rPr lang="en-US" sz="3200" dirty="0" smtClean="0"/>
+              <a:t>Clicking the students’ name under the ‘Students’ tab and ‘Statistical’ tab will redirect to the detail score distribution for that student.</a:t>
+            </a:r>
+          </a:p>
+        </p:txBody>
+      </p:sp>
+      <p:pic>
+        <p:nvPicPr>
+          <p:cNvPr id="4" name="Picture 3"/>
+          <p:cNvPicPr>
+            <a:picLocks noChangeAspect="1"/>
+          </p:cNvPicPr>
+          <p:nvPr/>
+        </p:nvPicPr>
+        <p:blipFill>
+          <a:blip r:embed="rId2"/>
+          <a:stretch>
+            <a:fillRect/>
+          </a:stretch>
+        </p:blipFill>
+        <p:spPr>
+          <a:xfrm>
+            <a:off x="1694101" y="3237185"/>
+            <a:ext cx="8802992" cy="2510090"/>
+          </a:xfrm>
+          <a:prstGeom prst="rect">
+            <a:avLst/>
+          </a:prstGeom>
+        </p:spPr>
+      </p:pic>
+    </p:spTree>
+    <p:extLst>
+      <p:ext uri="{BB962C8B-B14F-4D97-AF65-F5344CB8AC3E}">
+        <p14:creationId xmlns:p14="http://schemas.microsoft.com/office/powerpoint/2010/main" val="522335557"/>
+      </p:ext>
+    </p:extLst>
+  </p:cSld>
+  <p:clrMapOvr>
+    <a:masterClrMapping/>
+  </p:clrMapOvr>
+  <mc:AlternateContent xmlns:mc="http://schemas.openxmlformats.org/markup-compatibility/2006">
+    <mc:Choice xmlns:p14="http://schemas.microsoft.com/office/powerpoint/2010/main" Requires="p14">
+      <p:transition spd="slow" p14:dur="2000"/>
+    </mc:Choice>
+    <mc:Fallback>
+      <p:transition spd="slow"/>
+    </mc:Fallback>
+  </mc:AlternateContent>
+</p:sld>
+</file>
+
+<file path=ppt/slides/slide24.xml><?xml version="1.0" encoding="utf-8"?>
+<p:sld xmlns:a="http://schemas.openxmlformats.org/drawingml/2006/main" xmlns:r="http://schemas.openxmlformats.org/officeDocument/2006/relationships" xmlns:p="http://schemas.openxmlformats.org/presentationml/2006/main">
+  <p:cSld>
+    <p:spTree>
+      <p:nvGrpSpPr>
+        <p:cNvPr id="1" name=""/>
+        <p:cNvGrpSpPr/>
+        <p:nvPr/>
+      </p:nvGrpSpPr>
+      <p:grpSpPr>
+        <a:xfrm>
+          <a:off x="0" y="0"/>
+          <a:ext cx="0" cy="0"/>
+          <a:chOff x="0" y="0"/>
+          <a:chExt cx="0" cy="0"/>
+        </a:xfrm>
+      </p:grpSpPr>
+      <p:sp>
+        <p:nvSpPr>
+          <p:cNvPr id="2" name="Title 1"/>
+          <p:cNvSpPr>
+            <a:spLocks noGrp="1"/>
+          </p:cNvSpPr>
+          <p:nvPr>
+            <p:ph type="title"/>
+          </p:nvPr>
+        </p:nvSpPr>
+        <p:spPr>
+          <a:xfrm>
+            <a:off x="1069848" y="484632"/>
+            <a:ext cx="10058400" cy="724058"/>
+          </a:xfrm>
+        </p:spPr>
+        <p:txBody>
+          <a:bodyPr>
+            <a:normAutofit fontScale="90000"/>
+          </a:bodyPr>
+          <a:lstStyle/>
+          <a:p>
+            <a:r>
+              <a:rPr lang="en-US" dirty="0" smtClean="0"/>
+              <a:t>Highlighted features</a:t>
+            </a:r>
+            <a:endParaRPr lang="en-US" dirty="0"/>
+          </a:p>
+        </p:txBody>
+      </p:sp>
+      <p:sp>
+        <p:nvSpPr>
+          <p:cNvPr id="3" name="Content Placeholder 2"/>
+          <p:cNvSpPr>
+            <a:spLocks noGrp="1"/>
+          </p:cNvSpPr>
+          <p:nvPr>
+            <p:ph idx="1"/>
+          </p:nvPr>
+        </p:nvSpPr>
+        <p:spPr>
+          <a:xfrm>
+            <a:off x="1069848" y="1471448"/>
+            <a:ext cx="10058400" cy="1502979"/>
+          </a:xfrm>
+        </p:spPr>
+        <p:txBody>
+          <a:bodyPr>
+            <a:normAutofit/>
+          </a:bodyPr>
+          <a:lstStyle/>
+          <a:p>
+            <a:r>
+              <a:rPr lang="en-US" sz="3200" dirty="0" smtClean="0"/>
+              <a:t>Clicking the students’ name under the ‘Students’ tab </a:t>
+            </a:r>
+            <a:r>
+              <a:rPr lang="en-US" sz="3200" dirty="0"/>
+              <a:t>and ‘Statistical’ tab </a:t>
+            </a:r>
+            <a:r>
+              <a:rPr lang="en-US" sz="3200" dirty="0" smtClean="0"/>
+              <a:t>will redirect to the detail score distribution for that student.</a:t>
+            </a:r>
+          </a:p>
+        </p:txBody>
+      </p:sp>
+      <p:pic>
+        <p:nvPicPr>
+          <p:cNvPr id="6" name="Picture 5"/>
+          <p:cNvPicPr>
+            <a:picLocks noChangeAspect="1"/>
+          </p:cNvPicPr>
+          <p:nvPr/>
+        </p:nvPicPr>
+        <p:blipFill>
+          <a:blip r:embed="rId2"/>
+          <a:stretch>
+            <a:fillRect/>
+          </a:stretch>
+        </p:blipFill>
+        <p:spPr>
+          <a:xfrm>
+            <a:off x="1683000" y="3644899"/>
+            <a:ext cx="8832096" cy="1958731"/>
+          </a:xfrm>
+          <a:prstGeom prst="rect">
+            <a:avLst/>
+          </a:prstGeom>
+        </p:spPr>
+      </p:pic>
+    </p:spTree>
+    <p:extLst>
+      <p:ext uri="{BB962C8B-B14F-4D97-AF65-F5344CB8AC3E}">
+        <p14:creationId xmlns:p14="http://schemas.microsoft.com/office/powerpoint/2010/main" val="196053611"/>
+      </p:ext>
+    </p:extLst>
+  </p:cSld>
+  <p:clrMapOvr>
+    <a:masterClrMapping/>
+  </p:clrMapOvr>
+  <mc:AlternateContent xmlns:mc="http://schemas.openxmlformats.org/markup-compatibility/2006">
+    <mc:Choice xmlns:p14="http://schemas.microsoft.com/office/powerpoint/2010/main" Requires="p14">
+      <p:transition spd="slow" p14:dur="2000"/>
+    </mc:Choice>
+    <mc:Fallback>
+      <p:transition spd="slow"/>
+    </mc:Fallback>
+  </mc:AlternateContent>
+</p:sld>
+</file>
+
+<file path=ppt/slides/slide25.xml><?xml version="1.0" encoding="utf-8"?>
+<p:sld xmlns:a="http://schemas.openxmlformats.org/drawingml/2006/main" xmlns:r="http://schemas.openxmlformats.org/officeDocument/2006/relationships" xmlns:p="http://schemas.openxmlformats.org/presentationml/2006/main">
+  <p:cSld>
+    <p:spTree>
+      <p:nvGrpSpPr>
+        <p:cNvPr id="1" name=""/>
+        <p:cNvGrpSpPr/>
+        <p:nvPr/>
+      </p:nvGrpSpPr>
+      <p:grpSpPr>
+        <a:xfrm>
+          <a:off x="0" y="0"/>
+          <a:ext cx="0" cy="0"/>
+          <a:chOff x="0" y="0"/>
+          <a:chExt cx="0" cy="0"/>
+        </a:xfrm>
+      </p:grpSpPr>
+      <p:sp>
+        <p:nvSpPr>
+          <p:cNvPr id="2" name="Title 1"/>
+          <p:cNvSpPr>
+            <a:spLocks noGrp="1"/>
+          </p:cNvSpPr>
+          <p:nvPr>
+            <p:ph type="title"/>
+          </p:nvPr>
+        </p:nvSpPr>
+        <p:spPr>
+          <a:xfrm>
+            <a:off x="2404662" y="801559"/>
+            <a:ext cx="7233324" cy="1609344"/>
+          </a:xfrm>
+        </p:spPr>
+        <p:txBody>
+          <a:bodyPr>
+            <a:noAutofit/>
+          </a:bodyPr>
+          <a:lstStyle/>
+          <a:p>
+            <a:pPr algn="ctr"/>
+            <a:r>
+              <a:rPr lang="en-US" sz="11500" smtClean="0"/>
+              <a:t>Demo Time !!!</a:t>
+            </a:r>
+            <a:endParaRPr lang="en-US" sz="11500" dirty="0"/>
+          </a:p>
+        </p:txBody>
+      </p:sp>
+      <p:pic>
+        <p:nvPicPr>
+          <p:cNvPr id="5" name="Picture 4"/>
+          <p:cNvPicPr>
+            <a:picLocks noChangeAspect="1"/>
+          </p:cNvPicPr>
+          <p:nvPr/>
+        </p:nvPicPr>
+        <p:blipFill>
+          <a:blip r:embed="rId2">
+            <a:extLst>
+              <a:ext uri="{28A0092B-C50C-407E-A947-70E740481C1C}">
+                <a14:useLocalDpi xmlns:a14="http://schemas.microsoft.com/office/drawing/2010/main" val="0"/>
+              </a:ext>
+            </a:extLst>
+          </a:blip>
+          <a:stretch>
+            <a:fillRect/>
+          </a:stretch>
+        </p:blipFill>
+        <p:spPr>
+          <a:xfrm>
+            <a:off x="3774430" y="2791068"/>
+            <a:ext cx="4493788" cy="3598611"/>
+          </a:xfrm>
+          <a:prstGeom prst="rect">
+            <a:avLst/>
+          </a:prstGeom>
+        </p:spPr>
+      </p:pic>
+    </p:spTree>
+    <p:extLst>
+      <p:ext uri="{BB962C8B-B14F-4D97-AF65-F5344CB8AC3E}">
+        <p14:creationId xmlns:p14="http://schemas.microsoft.com/office/powerpoint/2010/main" val="1248679138"/>
+      </p:ext>
+    </p:extLst>
+  </p:cSld>
+  <p:clrMapOvr>
+    <a:masterClrMapping/>
+  </p:clrMapOvr>
+  <mc:AlternateContent xmlns:mc="http://schemas.openxmlformats.org/markup-compatibility/2006">
+    <mc:Choice xmlns:p14="http://schemas.microsoft.com/office/powerpoint/2010/main" Requires="p14">
+      <p:transition spd="slow" p14:dur="2000"/>
+    </mc:Choice>
+    <mc:Fallback>
+      <p:transition spd="slow"/>
+    </mc:Fallback>
+  </mc:AlternateContent>
+</p:sld>
+</file>
+
+<file path=ppt/slides/slide26.xml><?xml version="1.0" encoding="utf-8"?>
+<p:sld xmlns:a="http://schemas.openxmlformats.org/drawingml/2006/main" xmlns:r="http://schemas.openxmlformats.org/officeDocument/2006/relationships" xmlns:p="http://schemas.openxmlformats.org/presentationml/2006/main">
+  <p:cSld>
+    <p:spTree>
+      <p:nvGrpSpPr>
+        <p:cNvPr id="1" name=""/>
+        <p:cNvGrpSpPr/>
+        <p:nvPr/>
+      </p:nvGrpSpPr>
+      <p:grpSpPr>
+        <a:xfrm>
+          <a:off x="0" y="0"/>
+          <a:ext cx="0" cy="0"/>
+          <a:chOff x="0" y="0"/>
+          <a:chExt cx="0" cy="0"/>
+        </a:xfrm>
+      </p:grpSpPr>
+      <p:sp>
+        <p:nvSpPr>
+          <p:cNvPr id="2" name="Title 1"/>
+          <p:cNvSpPr>
+            <a:spLocks noGrp="1"/>
+          </p:cNvSpPr>
+          <p:nvPr>
+            <p:ph type="title"/>
+          </p:nvPr>
+        </p:nvSpPr>
+        <p:spPr>
+          <a:xfrm>
+            <a:off x="1069848" y="484632"/>
+            <a:ext cx="10058400" cy="724058"/>
+          </a:xfrm>
+        </p:spPr>
+        <p:txBody>
+          <a:bodyPr>
+            <a:normAutofit fontScale="90000"/>
+          </a:bodyPr>
+          <a:lstStyle/>
+          <a:p>
+            <a:r>
+              <a:rPr lang="en-US" dirty="0" smtClean="0"/>
+              <a:t>Future Improvements</a:t>
+            </a:r>
+            <a:endParaRPr lang="en-US" dirty="0"/>
+          </a:p>
+        </p:txBody>
+      </p:sp>
+      <p:sp>
+        <p:nvSpPr>
+          <p:cNvPr id="3" name="Content Placeholder 2"/>
+          <p:cNvSpPr>
+            <a:spLocks noGrp="1"/>
+          </p:cNvSpPr>
+          <p:nvPr>
+            <p:ph idx="1"/>
+          </p:nvPr>
+        </p:nvSpPr>
+        <p:spPr>
+          <a:xfrm>
+            <a:off x="1069848" y="1560382"/>
+            <a:ext cx="10058400" cy="1018695"/>
+          </a:xfrm>
+        </p:spPr>
+        <p:txBody>
+          <a:bodyPr>
+            <a:normAutofit/>
+          </a:bodyPr>
+          <a:lstStyle/>
+          <a:p>
+            <a:r>
+              <a:rPr lang="en-US" sz="3200" dirty="0" smtClean="0"/>
+              <a:t>Connect with current web-based grading system such as Grade Scope or Black Board.</a:t>
+            </a:r>
+          </a:p>
+        </p:txBody>
+      </p:sp>
+      <p:pic>
+        <p:nvPicPr>
+          <p:cNvPr id="4" name="Picture 3"/>
+          <p:cNvPicPr>
+            <a:picLocks noChangeAspect="1"/>
+          </p:cNvPicPr>
+          <p:nvPr/>
+        </p:nvPicPr>
+        <p:blipFill rotWithShape="1">
+          <a:blip r:embed="rId2"/>
+          <a:srcRect r="60955"/>
+          <a:stretch/>
+        </p:blipFill>
+        <p:spPr>
+          <a:xfrm>
+            <a:off x="1847850" y="2751503"/>
+            <a:ext cx="2841380" cy="3746500"/>
+          </a:xfrm>
+          <a:prstGeom prst="rect">
+            <a:avLst/>
+          </a:prstGeom>
+        </p:spPr>
+      </p:pic>
+      <p:pic>
+        <p:nvPicPr>
+          <p:cNvPr id="5" name="Picture 4"/>
+          <p:cNvPicPr>
+            <a:picLocks noChangeAspect="1"/>
+          </p:cNvPicPr>
+          <p:nvPr/>
+        </p:nvPicPr>
+        <p:blipFill>
+          <a:blip r:embed="rId3"/>
+          <a:stretch>
+            <a:fillRect/>
+          </a:stretch>
+        </p:blipFill>
+        <p:spPr>
+          <a:xfrm>
+            <a:off x="6540988" y="2967403"/>
+            <a:ext cx="2603500" cy="3314700"/>
+          </a:xfrm>
+          <a:prstGeom prst="rect">
+            <a:avLst/>
+          </a:prstGeom>
+        </p:spPr>
+      </p:pic>
+    </p:spTree>
+    <p:extLst>
+      <p:ext uri="{BB962C8B-B14F-4D97-AF65-F5344CB8AC3E}">
+        <p14:creationId xmlns:p14="http://schemas.microsoft.com/office/powerpoint/2010/main" val="805334904"/>
+      </p:ext>
+    </p:extLst>
+  </p:cSld>
+  <p:clrMapOvr>
+    <a:masterClrMapping/>
+  </p:clrMapOvr>
+  <mc:AlternateContent xmlns:mc="http://schemas.openxmlformats.org/markup-compatibility/2006">
+    <mc:Choice xmlns:p14="http://schemas.microsoft.com/office/powerpoint/2010/main" Requires="p14">
+      <p:transition spd="slow" p14:dur="2000"/>
+    </mc:Choice>
+    <mc:Fallback>
+      <p:transition spd="slow"/>
+    </mc:Fallback>
+  </mc:AlternateContent>
+</p:sld>
+</file>
+
+<file path=ppt/slides/slide27.xml><?xml version="1.0" encoding="utf-8"?>
+<p:sld xmlns:a="http://schemas.openxmlformats.org/drawingml/2006/main" xmlns:r="http://schemas.openxmlformats.org/officeDocument/2006/relationships" xmlns:p="http://schemas.openxmlformats.org/presentationml/2006/main">
+  <p:cSld>
+    <p:spTree>
+      <p:nvGrpSpPr>
+        <p:cNvPr id="1" name=""/>
+        <p:cNvGrpSpPr/>
+        <p:nvPr/>
+      </p:nvGrpSpPr>
+      <p:grpSpPr>
+        <a:xfrm>
+          <a:off x="0" y="0"/>
+          <a:ext cx="0" cy="0"/>
+          <a:chOff x="0" y="0"/>
+          <a:chExt cx="0" cy="0"/>
+        </a:xfrm>
+      </p:grpSpPr>
+      <p:sp>
+        <p:nvSpPr>
+          <p:cNvPr id="2" name="Title 1"/>
+          <p:cNvSpPr>
+            <a:spLocks noGrp="1"/>
+          </p:cNvSpPr>
+          <p:nvPr>
+            <p:ph type="title"/>
+          </p:nvPr>
+        </p:nvSpPr>
+        <p:spPr>
+          <a:xfrm>
+            <a:off x="1069848" y="484632"/>
+            <a:ext cx="10058400" cy="724058"/>
+          </a:xfrm>
+        </p:spPr>
+        <p:txBody>
+          <a:bodyPr>
+            <a:normAutofit fontScale="90000"/>
+          </a:bodyPr>
+          <a:lstStyle/>
+          <a:p>
+            <a:r>
+              <a:rPr lang="en-US" dirty="0" smtClean="0"/>
+              <a:t>Future Improvements</a:t>
             </a:r>
             <a:endParaRPr lang="en-US" dirty="0"/>
           </a:p>
@@ -6368,10 +8394,18 @@
   <p:clrMapOvr>
     <a:masterClrMapping/>
   </p:clrMapOvr>
+  <mc:AlternateContent xmlns:mc="http://schemas.openxmlformats.org/markup-compatibility/2006">
+    <mc:Choice xmlns:p14="http://schemas.microsoft.com/office/powerpoint/2010/main" Requires="p14">
+      <p:transition spd="slow" p14:dur="2000"/>
+    </mc:Choice>
+    <mc:Fallback>
+      <p:transition spd="slow"/>
+    </mc:Fallback>
+  </mc:AlternateContent>
 </p:sld>
 </file>
 
-<file path=ppt/slides/slide15.xml><?xml version="1.0" encoding="utf-8"?>
+<file path=ppt/slides/slide28.xml><?xml version="1.0" encoding="utf-8"?>
 <p:sld xmlns:a="http://schemas.openxmlformats.org/drawingml/2006/main" xmlns:r="http://schemas.openxmlformats.org/officeDocument/2006/relationships" xmlns:p="http://schemas.openxmlformats.org/presentationml/2006/main">
   <p:cSld>
     <p:spTree>
@@ -6412,7 +8446,7 @@
           <a:p>
             <a:r>
               <a:rPr lang="en-US" dirty="0" smtClean="0"/>
-              <a:t>Future Improvements and conclusion</a:t>
+              <a:t>Future Improvements</a:t>
             </a:r>
             <a:endParaRPr lang="en-US" dirty="0"/>
           </a:p>
@@ -6481,10 +8515,18 @@
   <p:clrMapOvr>
     <a:masterClrMapping/>
   </p:clrMapOvr>
+  <mc:AlternateContent xmlns:mc="http://schemas.openxmlformats.org/markup-compatibility/2006">
+    <mc:Choice xmlns:p14="http://schemas.microsoft.com/office/powerpoint/2010/main" Requires="p14">
+      <p:transition spd="slow" p14:dur="2000"/>
+    </mc:Choice>
+    <mc:Fallback>
+      <p:transition spd="slow"/>
+    </mc:Fallback>
+  </mc:AlternateContent>
 </p:sld>
 </file>
 
-<file path=ppt/slides/slide16.xml><?xml version="1.0" encoding="utf-8"?>
+<file path=ppt/slides/slide29.xml><?xml version="1.0" encoding="utf-8"?>
 <p:sld xmlns:a="http://schemas.openxmlformats.org/drawingml/2006/main" xmlns:r="http://schemas.openxmlformats.org/officeDocument/2006/relationships" xmlns:p="http://schemas.openxmlformats.org/presentationml/2006/main">
   <p:cSld>
     <p:spTree>
@@ -6525,7 +8567,7 @@
           <a:p>
             <a:r>
               <a:rPr lang="en-US" dirty="0" smtClean="0"/>
-              <a:t>Future Improvements and conclusion</a:t>
+              <a:t>Future Improvements</a:t>
             </a:r>
             <a:endParaRPr lang="en-US" dirty="0"/>
           </a:p>
@@ -6561,21 +8603,8 @@
           <a:p>
             <a:r>
               <a:rPr lang="en-US" sz="3200" dirty="0" smtClean="0"/>
-              <a:t>Much </a:t>
-            </a:r>
-            <a:r>
-              <a:rPr lang="en-US" sz="3200" smtClean="0"/>
-              <a:t>more kinds </a:t>
-            </a:r>
-            <a:r>
-              <a:rPr lang="en-US" sz="3200" dirty="0" smtClean="0"/>
-              <a:t>of grade such as letter based grade </a:t>
-            </a:r>
-            <a:r>
-              <a:rPr lang="en-US" sz="3200" smtClean="0"/>
-              <a:t>for assignments or other kind of grade.</a:t>
-            </a:r>
-            <a:endParaRPr lang="en-US" sz="3200" dirty="0" smtClean="0"/>
+              <a:t>Much more kinds of grade such as letter based grade for assignments or other kind of grade.</a:t>
+            </a:r>
           </a:p>
         </p:txBody>
       </p:sp>
@@ -6589,282 +8618,14 @@
   <p:clrMapOvr>
     <a:masterClrMapping/>
   </p:clrMapOvr>
-</p:sld>
-</file>
-
-<file path=ppt/slides/slide17.xml><?xml version="1.0" encoding="utf-8"?>
-<p:sld xmlns:a="http://schemas.openxmlformats.org/drawingml/2006/main" xmlns:r="http://schemas.openxmlformats.org/officeDocument/2006/relationships" xmlns:p="http://schemas.openxmlformats.org/presentationml/2006/main">
-  <p:cSld>
-    <p:spTree>
-      <p:nvGrpSpPr>
-        <p:cNvPr id="1" name=""/>
-        <p:cNvGrpSpPr/>
-        <p:nvPr/>
-      </p:nvGrpSpPr>
-      <p:grpSpPr>
-        <a:xfrm>
-          <a:off x="0" y="0"/>
-          <a:ext cx="0" cy="0"/>
-          <a:chOff x="0" y="0"/>
-          <a:chExt cx="0" cy="0"/>
-        </a:xfrm>
-      </p:grpSpPr>
-      <p:sp>
-        <p:nvSpPr>
-          <p:cNvPr id="2" name="Title 1"/>
-          <p:cNvSpPr>
-            <a:spLocks noGrp="1"/>
-          </p:cNvSpPr>
-          <p:nvPr>
-            <p:ph type="title"/>
-          </p:nvPr>
-        </p:nvSpPr>
-        <p:spPr>
-          <a:xfrm>
-            <a:off x="2404662" y="2513128"/>
-            <a:ext cx="7233324" cy="1609344"/>
-          </a:xfrm>
-        </p:spPr>
-        <p:txBody>
-          <a:bodyPr>
-            <a:noAutofit/>
-          </a:bodyPr>
-          <a:lstStyle/>
-          <a:p>
-            <a:pPr algn="ctr"/>
-            <a:r>
-              <a:rPr lang="en-US" sz="11500" dirty="0" smtClean="0"/>
-              <a:t>Thank you</a:t>
-            </a:r>
-            <a:endParaRPr lang="en-US" sz="11500" dirty="0"/>
-          </a:p>
-        </p:txBody>
-      </p:sp>
-    </p:spTree>
-    <p:extLst>
-      <p:ext uri="{BB962C8B-B14F-4D97-AF65-F5344CB8AC3E}">
-        <p14:creationId xmlns:p14="http://schemas.microsoft.com/office/powerpoint/2010/main" val="481613929"/>
-      </p:ext>
-    </p:extLst>
-  </p:cSld>
-  <p:clrMapOvr>
-    <a:masterClrMapping/>
-  </p:clrMapOvr>
-</p:sld>
-</file>
-
-<file path=ppt/slides/slide18.xml><?xml version="1.0" encoding="utf-8"?>
-<p:sld xmlns:a="http://schemas.openxmlformats.org/drawingml/2006/main" xmlns:r="http://schemas.openxmlformats.org/officeDocument/2006/relationships" xmlns:p="http://schemas.openxmlformats.org/presentationml/2006/main">
-  <p:cSld>
-    <p:spTree>
-      <p:nvGrpSpPr>
-        <p:cNvPr id="1" name=""/>
-        <p:cNvGrpSpPr/>
-        <p:nvPr/>
-      </p:nvGrpSpPr>
-      <p:grpSpPr>
-        <a:xfrm>
-          <a:off x="0" y="0"/>
-          <a:ext cx="0" cy="0"/>
-          <a:chOff x="0" y="0"/>
-          <a:chExt cx="0" cy="0"/>
-        </a:xfrm>
-      </p:grpSpPr>
-      <p:sp>
-        <p:nvSpPr>
-          <p:cNvPr id="2" name="Title 1"/>
-          <p:cNvSpPr>
-            <a:spLocks noGrp="1"/>
-          </p:cNvSpPr>
-          <p:nvPr>
-            <p:ph type="title"/>
-          </p:nvPr>
-        </p:nvSpPr>
-        <p:spPr>
-          <a:xfrm>
-            <a:off x="2404662" y="2513128"/>
-            <a:ext cx="7233324" cy="1609344"/>
-          </a:xfrm>
-        </p:spPr>
-        <p:txBody>
-          <a:bodyPr>
-            <a:noAutofit/>
-          </a:bodyPr>
-          <a:lstStyle/>
-          <a:p>
-            <a:pPr algn="ctr"/>
-            <a:r>
-              <a:rPr lang="en-US" sz="11500" dirty="0" smtClean="0"/>
-              <a:t>Q&amp;A</a:t>
-            </a:r>
-            <a:endParaRPr lang="en-US" sz="11500" dirty="0"/>
-          </a:p>
-        </p:txBody>
-      </p:sp>
-    </p:spTree>
-    <p:extLst>
-      <p:ext uri="{BB962C8B-B14F-4D97-AF65-F5344CB8AC3E}">
-        <p14:creationId xmlns:p14="http://schemas.microsoft.com/office/powerpoint/2010/main" val="872627533"/>
-      </p:ext>
-    </p:extLst>
-  </p:cSld>
-  <p:clrMapOvr>
-    <a:masterClrMapping/>
-  </p:clrMapOvr>
-</p:sld>
-</file>
-
-<file path=ppt/slides/slide2.xml><?xml version="1.0" encoding="utf-8"?>
-<p:sld xmlns:a="http://schemas.openxmlformats.org/drawingml/2006/main" xmlns:r="http://schemas.openxmlformats.org/officeDocument/2006/relationships" xmlns:p="http://schemas.openxmlformats.org/presentationml/2006/main">
-  <p:cSld>
-    <p:spTree>
-      <p:nvGrpSpPr>
-        <p:cNvPr id="1" name=""/>
-        <p:cNvGrpSpPr/>
-        <p:nvPr/>
-      </p:nvGrpSpPr>
-      <p:grpSpPr>
-        <a:xfrm>
-          <a:off x="0" y="0"/>
-          <a:ext cx="0" cy="0"/>
-          <a:chOff x="0" y="0"/>
-          <a:chExt cx="0" cy="0"/>
-        </a:xfrm>
-      </p:grpSpPr>
-      <p:sp>
-        <p:nvSpPr>
-          <p:cNvPr id="2" name="Title 1"/>
-          <p:cNvSpPr>
-            <a:spLocks noGrp="1"/>
-          </p:cNvSpPr>
-          <p:nvPr>
-            <p:ph type="title"/>
-          </p:nvPr>
-        </p:nvSpPr>
-        <p:spPr>
-          <a:xfrm>
-            <a:off x="1069848" y="484632"/>
-            <a:ext cx="10058400" cy="724058"/>
-          </a:xfrm>
-        </p:spPr>
-        <p:txBody>
-          <a:bodyPr>
-            <a:normAutofit fontScale="90000"/>
-          </a:bodyPr>
-          <a:lstStyle/>
-          <a:p>
-            <a:r>
-              <a:rPr lang="en-US" dirty="0" smtClean="0"/>
-              <a:t>Outline </a:t>
-            </a:r>
-            <a:endParaRPr lang="en-US" dirty="0"/>
-          </a:p>
-        </p:txBody>
-      </p:sp>
-      <p:sp>
-        <p:nvSpPr>
-          <p:cNvPr id="3" name="Content Placeholder 2"/>
-          <p:cNvSpPr>
-            <a:spLocks noGrp="1"/>
-          </p:cNvSpPr>
-          <p:nvPr>
-            <p:ph idx="1"/>
-          </p:nvPr>
-        </p:nvSpPr>
-        <p:spPr>
-          <a:xfrm>
-            <a:off x="1069848" y="2070538"/>
-            <a:ext cx="10869904" cy="2984938"/>
-          </a:xfrm>
-        </p:spPr>
-        <p:txBody>
-          <a:bodyPr>
-            <a:normAutofit/>
-          </a:bodyPr>
-          <a:lstStyle/>
-          <a:p>
-            <a:r>
-              <a:rPr lang="en-US" sz="3200" dirty="0" smtClean="0"/>
-              <a:t>Introduction	  				</a:t>
-            </a:r>
-            <a:r>
-              <a:rPr lang="en-US" sz="3200" dirty="0"/>
-              <a:t>	</a:t>
-            </a:r>
-            <a:r>
-              <a:rPr lang="en-US" sz="3200" dirty="0" smtClean="0"/>
-              <a:t>--  	</a:t>
-            </a:r>
-            <a:r>
-              <a:rPr lang="en-US" sz="3200" dirty="0" err="1" smtClean="0"/>
-              <a:t>Qichao</a:t>
-            </a:r>
-            <a:r>
-              <a:rPr lang="en-US" sz="3200" dirty="0" smtClean="0"/>
-              <a:t> Hong</a:t>
-            </a:r>
-          </a:p>
-          <a:p>
-            <a:r>
-              <a:rPr lang="en-US" sz="3200" dirty="0" smtClean="0"/>
-              <a:t>Highlighted features		   		-- 	</a:t>
-            </a:r>
-            <a:r>
-              <a:rPr lang="en-US" sz="3200" dirty="0" err="1" smtClean="0"/>
-              <a:t>Xinyun</a:t>
-            </a:r>
-            <a:r>
-              <a:rPr lang="en-US" sz="3200" dirty="0" smtClean="0"/>
-              <a:t> Cao</a:t>
-            </a:r>
-          </a:p>
-          <a:p>
-            <a:r>
-              <a:rPr lang="en-US" sz="3200" dirty="0" smtClean="0"/>
-              <a:t>Demo time			   			--  	 </a:t>
-            </a:r>
-            <a:r>
-              <a:rPr lang="en-US" sz="3200" dirty="0" err="1" smtClean="0"/>
-              <a:t>Yuang</a:t>
-            </a:r>
-            <a:r>
-              <a:rPr lang="en-US" sz="3200" dirty="0" smtClean="0"/>
-              <a:t> Liu</a:t>
-            </a:r>
-          </a:p>
-          <a:p>
-            <a:r>
-              <a:rPr lang="en-US" sz="3200" dirty="0" smtClean="0"/>
-              <a:t>Future works and conclusion	         --   	</a:t>
-            </a:r>
-            <a:r>
-              <a:rPr lang="en-US" sz="3200" dirty="0" err="1" smtClean="0"/>
-              <a:t>Zhitong</a:t>
-            </a:r>
-            <a:r>
-              <a:rPr lang="en-US" sz="3200" dirty="0" smtClean="0"/>
-              <a:t> Wu</a:t>
-            </a:r>
-          </a:p>
-          <a:p>
-            <a:r>
-              <a:rPr lang="en-US" sz="3200" dirty="0" smtClean="0"/>
-              <a:t>Q&amp;A</a:t>
-            </a:r>
-            <a:endParaRPr lang="en-US" sz="3200" dirty="0"/>
-          </a:p>
-        </p:txBody>
-      </p:sp>
-    </p:spTree>
-    <p:extLst>
-      <p:ext uri="{BB962C8B-B14F-4D97-AF65-F5344CB8AC3E}">
-        <p14:creationId xmlns:p14="http://schemas.microsoft.com/office/powerpoint/2010/main" val="1343370509"/>
-      </p:ext>
-    </p:extLst>
-  </p:cSld>
-  <p:clrMapOvr>
-    <a:masterClrMapping/>
-  </p:clrMapOvr>
+  <mc:AlternateContent xmlns:mc="http://schemas.openxmlformats.org/markup-compatibility/2006">
+    <mc:Choice xmlns:p14="http://schemas.microsoft.com/office/powerpoint/2010/main" Requires="p14">
+      <p:transition spd="slow" p14:dur="2000"/>
+    </mc:Choice>
+    <mc:Fallback>
+      <p:transition spd="slow"/>
+    </mc:Fallback>
+  </mc:AlternateContent>
 </p:sld>
 </file>
 
@@ -6909,7 +8670,7 @@
           <a:p>
             <a:r>
               <a:rPr lang="en-US" dirty="0" smtClean="0"/>
-              <a:t>Introduction</a:t>
+              <a:t>Motivation</a:t>
             </a:r>
             <a:endParaRPr lang="en-US" dirty="0"/>
           </a:p>
@@ -6927,8 +8688,8 @@
         </p:nvSpPr>
         <p:spPr>
           <a:xfrm>
-            <a:off x="1069848" y="1839310"/>
-            <a:ext cx="10058400" cy="4332890"/>
+            <a:off x="436802" y="1208690"/>
+            <a:ext cx="10922860" cy="4963510"/>
           </a:xfrm>
         </p:spPr>
         <p:txBody>
@@ -6938,82 +8699,173 @@
           <a:lstStyle/>
           <a:p>
             <a:r>
-              <a:rPr lang="en-US" sz="2800" dirty="0" smtClean="0"/>
-              <a:t>A grading system that allow you:</a:t>
-            </a:r>
+              <a:rPr lang="en-US" sz="3200" dirty="0" smtClean="0"/>
+              <a:t>Main drawbacks of Microsoft Excel:</a:t>
+            </a:r>
+            <a:endParaRPr lang="en-US" sz="2400" dirty="0" smtClean="0"/>
           </a:p>
           <a:p>
             <a:pPr lvl="1"/>
-            <a:r>
-              <a:rPr lang="en-US" sz="2400" dirty="0" smtClean="0"/>
-              <a:t>Create course</a:t>
-            </a:r>
-          </a:p>
-          <a:p>
-            <a:pPr lvl="1"/>
-            <a:r>
-              <a:rPr lang="en-US" sz="2400" dirty="0" smtClean="0"/>
-              <a:t>Manage criteria of that course</a:t>
-            </a:r>
-          </a:p>
-          <a:p>
-            <a:pPr lvl="1"/>
-            <a:r>
-              <a:rPr lang="en-US" sz="2400" dirty="0" smtClean="0"/>
-              <a:t>Add and modify students</a:t>
-            </a:r>
-          </a:p>
-          <a:p>
-            <a:pPr lvl="1"/>
-            <a:r>
-              <a:rPr lang="en-US" sz="2400" dirty="0" smtClean="0"/>
-              <a:t>Assign and modify assignments with single parts or multi parts</a:t>
-            </a:r>
-          </a:p>
-          <a:p>
-            <a:pPr lvl="1"/>
-            <a:r>
-              <a:rPr lang="en-US" sz="2400" dirty="0" smtClean="0"/>
-              <a:t>Give grade to assignments</a:t>
-            </a:r>
-          </a:p>
-          <a:p>
-            <a:pPr lvl="1"/>
-            <a:r>
-              <a:rPr lang="en-US" sz="2400" dirty="0" smtClean="0"/>
-              <a:t>Get statistical number</a:t>
-            </a:r>
-          </a:p>
-          <a:p>
-            <a:pPr lvl="1"/>
-            <a:r>
-              <a:rPr lang="en-US" sz="2400" dirty="0" smtClean="0"/>
-              <a:t>Give final grade and export csv file</a:t>
-            </a:r>
-          </a:p>
-          <a:p>
-            <a:pPr lvl="1"/>
-            <a:r>
-              <a:rPr lang="en-US" sz="2400" dirty="0" smtClean="0"/>
-              <a:t>Archive a course but still can view and modify the grade.</a:t>
-            </a:r>
-          </a:p>
-          <a:p>
-            <a:pPr lvl="1"/>
-            <a:endParaRPr lang="en-US" sz="2400" dirty="0"/>
+            <a:endParaRPr lang="en-US" sz="2800" dirty="0"/>
           </a:p>
         </p:txBody>
       </p:sp>
     </p:spTree>
     <p:extLst>
       <p:ext uri="{BB962C8B-B14F-4D97-AF65-F5344CB8AC3E}">
-        <p14:creationId xmlns:p14="http://schemas.microsoft.com/office/powerpoint/2010/main" val="1529925769"/>
+        <p14:creationId xmlns:p14="http://schemas.microsoft.com/office/powerpoint/2010/main" val="1955870083"/>
       </p:ext>
     </p:extLst>
   </p:cSld>
   <p:clrMapOvr>
     <a:masterClrMapping/>
   </p:clrMapOvr>
+  <mc:AlternateContent xmlns:mc="http://schemas.openxmlformats.org/markup-compatibility/2006">
+    <mc:Choice xmlns:p14="http://schemas.microsoft.com/office/powerpoint/2010/main" Requires="p14">
+      <p:transition spd="slow" p14:dur="2000"/>
+    </mc:Choice>
+    <mc:Fallback>
+      <p:transition spd="slow"/>
+    </mc:Fallback>
+  </mc:AlternateContent>
+</p:sld>
+</file>
+
+<file path=ppt/slides/slide30.xml><?xml version="1.0" encoding="utf-8"?>
+<p:sld xmlns:a="http://schemas.openxmlformats.org/drawingml/2006/main" xmlns:r="http://schemas.openxmlformats.org/officeDocument/2006/relationships" xmlns:p="http://schemas.openxmlformats.org/presentationml/2006/main">
+  <p:cSld>
+    <p:spTree>
+      <p:nvGrpSpPr>
+        <p:cNvPr id="1" name=""/>
+        <p:cNvGrpSpPr/>
+        <p:nvPr/>
+      </p:nvGrpSpPr>
+      <p:grpSpPr>
+        <a:xfrm>
+          <a:off x="0" y="0"/>
+          <a:ext cx="0" cy="0"/>
+          <a:chOff x="0" y="0"/>
+          <a:chExt cx="0" cy="0"/>
+        </a:xfrm>
+      </p:grpSpPr>
+      <p:sp>
+        <p:nvSpPr>
+          <p:cNvPr id="2" name="Title 1"/>
+          <p:cNvSpPr>
+            <a:spLocks noGrp="1"/>
+          </p:cNvSpPr>
+          <p:nvPr>
+            <p:ph type="title"/>
+          </p:nvPr>
+        </p:nvSpPr>
+        <p:spPr>
+          <a:xfrm>
+            <a:off x="2404662" y="2513128"/>
+            <a:ext cx="7233324" cy="1609344"/>
+          </a:xfrm>
+        </p:spPr>
+        <p:txBody>
+          <a:bodyPr>
+            <a:noAutofit/>
+          </a:bodyPr>
+          <a:lstStyle/>
+          <a:p>
+            <a:pPr algn="ctr"/>
+            <a:r>
+              <a:rPr lang="en-US" sz="11500" dirty="0" smtClean="0"/>
+              <a:t>Thank you</a:t>
+            </a:r>
+            <a:endParaRPr lang="en-US" sz="11500" dirty="0"/>
+          </a:p>
+        </p:txBody>
+      </p:sp>
+    </p:spTree>
+    <p:extLst>
+      <p:ext uri="{BB962C8B-B14F-4D97-AF65-F5344CB8AC3E}">
+        <p14:creationId xmlns:p14="http://schemas.microsoft.com/office/powerpoint/2010/main" val="481613929"/>
+      </p:ext>
+    </p:extLst>
+  </p:cSld>
+  <p:clrMapOvr>
+    <a:masterClrMapping/>
+  </p:clrMapOvr>
+  <mc:AlternateContent xmlns:mc="http://schemas.openxmlformats.org/markup-compatibility/2006">
+    <mc:Choice xmlns:p14="http://schemas.microsoft.com/office/powerpoint/2010/main" Requires="p14">
+      <p:transition spd="slow" p14:dur="2000"/>
+    </mc:Choice>
+    <mc:Fallback>
+      <p:transition spd="slow"/>
+    </mc:Fallback>
+  </mc:AlternateContent>
+</p:sld>
+</file>
+
+<file path=ppt/slides/slide31.xml><?xml version="1.0" encoding="utf-8"?>
+<p:sld xmlns:a="http://schemas.openxmlformats.org/drawingml/2006/main" xmlns:r="http://schemas.openxmlformats.org/officeDocument/2006/relationships" xmlns:p="http://schemas.openxmlformats.org/presentationml/2006/main">
+  <p:cSld>
+    <p:spTree>
+      <p:nvGrpSpPr>
+        <p:cNvPr id="1" name=""/>
+        <p:cNvGrpSpPr/>
+        <p:nvPr/>
+      </p:nvGrpSpPr>
+      <p:grpSpPr>
+        <a:xfrm>
+          <a:off x="0" y="0"/>
+          <a:ext cx="0" cy="0"/>
+          <a:chOff x="0" y="0"/>
+          <a:chExt cx="0" cy="0"/>
+        </a:xfrm>
+      </p:grpSpPr>
+      <p:sp>
+        <p:nvSpPr>
+          <p:cNvPr id="2" name="Title 1"/>
+          <p:cNvSpPr>
+            <a:spLocks noGrp="1"/>
+          </p:cNvSpPr>
+          <p:nvPr>
+            <p:ph type="title"/>
+          </p:nvPr>
+        </p:nvSpPr>
+        <p:spPr>
+          <a:xfrm>
+            <a:off x="2404662" y="2513128"/>
+            <a:ext cx="7233324" cy="1609344"/>
+          </a:xfrm>
+        </p:spPr>
+        <p:txBody>
+          <a:bodyPr>
+            <a:noAutofit/>
+          </a:bodyPr>
+          <a:lstStyle/>
+          <a:p>
+            <a:pPr algn="ctr"/>
+            <a:r>
+              <a:rPr lang="en-US" sz="11500" dirty="0" smtClean="0"/>
+              <a:t>Q&amp;A</a:t>
+            </a:r>
+            <a:endParaRPr lang="en-US" sz="11500" dirty="0"/>
+          </a:p>
+        </p:txBody>
+      </p:sp>
+    </p:spTree>
+    <p:extLst>
+      <p:ext uri="{BB962C8B-B14F-4D97-AF65-F5344CB8AC3E}">
+        <p14:creationId xmlns:p14="http://schemas.microsoft.com/office/powerpoint/2010/main" val="872627533"/>
+      </p:ext>
+    </p:extLst>
+  </p:cSld>
+  <p:clrMapOvr>
+    <a:masterClrMapping/>
+  </p:clrMapOvr>
+  <mc:AlternateContent xmlns:mc="http://schemas.openxmlformats.org/markup-compatibility/2006">
+    <mc:Choice xmlns:p14="http://schemas.microsoft.com/office/powerpoint/2010/main" Requires="p14">
+      <p:transition spd="slow" p14:dur="2000"/>
+    </mc:Choice>
+    <mc:Fallback>
+      <p:transition spd="slow"/>
+    </mc:Fallback>
+  </mc:AlternateContent>
 </p:sld>
 </file>
 
@@ -7058,7 +8910,7 @@
           <a:p>
             <a:r>
               <a:rPr lang="en-US" dirty="0" smtClean="0"/>
-              <a:t>Highlighted features</a:t>
+              <a:t>Motivation</a:t>
             </a:r>
             <a:endParaRPr lang="en-US" dirty="0"/>
           </a:p>
@@ -7076,62 +8928,81 @@
         </p:nvSpPr>
         <p:spPr>
           <a:xfrm>
-            <a:off x="1069848" y="1460939"/>
-            <a:ext cx="9766318" cy="1061544"/>
+            <a:off x="436802" y="1208690"/>
+            <a:ext cx="10922860" cy="4963510"/>
           </a:xfrm>
         </p:spPr>
         <p:txBody>
           <a:bodyPr>
-            <a:normAutofit/>
+            <a:noAutofit/>
           </a:bodyPr>
           <a:lstStyle/>
           <a:p>
             <a:r>
               <a:rPr lang="en-US" sz="3200" dirty="0" smtClean="0"/>
-              <a:t>Highlight the student row when give grade to that </a:t>
-            </a:r>
-            <a:r>
-              <a:rPr lang="en-US" sz="3200" smtClean="0"/>
-              <a:t>student.</a:t>
-            </a:r>
-            <a:endParaRPr lang="en-US" sz="3200" dirty="0" smtClean="0"/>
-          </a:p>
-        </p:txBody>
-      </p:sp>
-      <p:pic>
-        <p:nvPicPr>
-          <p:cNvPr id="5" name="Picture 4"/>
-          <p:cNvPicPr>
-            <a:picLocks noChangeAspect="1"/>
-          </p:cNvPicPr>
-          <p:nvPr/>
-        </p:nvPicPr>
-        <p:blipFill>
-          <a:blip r:embed="rId2"/>
-          <a:stretch>
-            <a:fillRect/>
-          </a:stretch>
-        </p:blipFill>
-        <p:spPr>
-          <a:xfrm>
-            <a:off x="2895600" y="2495550"/>
-            <a:ext cx="6400800" cy="1866900"/>
-          </a:xfrm>
-          <a:prstGeom prst="rect">
-            <a:avLst/>
-          </a:prstGeom>
-        </p:spPr>
-      </p:pic>
+              <a:t>Main drawbacks of Microsoft Excel:</a:t>
+            </a:r>
+          </a:p>
+          <a:p>
+            <a:pPr lvl="1"/>
+            <a:r>
+              <a:rPr lang="en-US" sz="2800" b="1" dirty="0" smtClean="0">
+                <a:solidFill>
+                  <a:srgbClr val="FF0000"/>
+                </a:solidFill>
+              </a:rPr>
+              <a:t>Excel </a:t>
+            </a:r>
+            <a:r>
+              <a:rPr lang="en-US" sz="2800" b="1" dirty="0">
+                <a:solidFill>
+                  <a:srgbClr val="FF0000"/>
+                </a:solidFill>
+              </a:rPr>
+              <a:t>won’t highlight the student under grading, which will make some confusion when give grades to students</a:t>
+            </a:r>
+            <a:r>
+              <a:rPr lang="en-US" sz="2800" b="1" dirty="0" smtClean="0">
+                <a:solidFill>
+                  <a:srgbClr val="FF0000"/>
+                </a:solidFill>
+              </a:rPr>
+              <a:t>.</a:t>
+            </a:r>
+            <a:endParaRPr lang="en-US" sz="2400" b="1" dirty="0" smtClean="0">
+              <a:solidFill>
+                <a:srgbClr val="FF0000"/>
+              </a:solidFill>
+            </a:endParaRPr>
+          </a:p>
+          <a:p>
+            <a:pPr lvl="1"/>
+            <a:endParaRPr lang="en-US" sz="2800" dirty="0">
+              <a:solidFill>
+                <a:srgbClr val="FF0000"/>
+              </a:solidFill>
+            </a:endParaRPr>
+          </a:p>
+        </p:txBody>
+      </p:sp>
     </p:spTree>
     <p:extLst>
       <p:ext uri="{BB962C8B-B14F-4D97-AF65-F5344CB8AC3E}">
-        <p14:creationId xmlns:p14="http://schemas.microsoft.com/office/powerpoint/2010/main" val="280894893"/>
+        <p14:creationId xmlns:p14="http://schemas.microsoft.com/office/powerpoint/2010/main" val="94406733"/>
       </p:ext>
     </p:extLst>
   </p:cSld>
   <p:clrMapOvr>
     <a:masterClrMapping/>
   </p:clrMapOvr>
+  <mc:AlternateContent xmlns:mc="http://schemas.openxmlformats.org/markup-compatibility/2006">
+    <mc:Choice xmlns:p14="http://schemas.microsoft.com/office/powerpoint/2010/main" Requires="p14">
+      <p:transition spd="slow" p14:dur="2000"/>
+    </mc:Choice>
+    <mc:Fallback>
+      <p:transition spd="slow"/>
+    </mc:Fallback>
+  </mc:AlternateContent>
 </p:sld>
 </file>
 
@@ -7176,7 +9047,7 @@
           <a:p>
             <a:r>
               <a:rPr lang="en-US" dirty="0" smtClean="0"/>
-              <a:t>Highlighted features</a:t>
+              <a:t>Motivation</a:t>
             </a:r>
             <a:endParaRPr lang="en-US" dirty="0"/>
           </a:p>
@@ -7194,70 +9065,88 @@
         </p:nvSpPr>
         <p:spPr>
           <a:xfrm>
-            <a:off x="1069848" y="1366345"/>
-            <a:ext cx="9955504" cy="1008992"/>
+            <a:off x="436802" y="1208690"/>
+            <a:ext cx="10922860" cy="4963510"/>
           </a:xfrm>
         </p:spPr>
         <p:txBody>
           <a:bodyPr>
-            <a:normAutofit/>
+            <a:noAutofit/>
           </a:bodyPr>
           <a:lstStyle/>
           <a:p>
             <a:r>
               <a:rPr lang="en-US" sz="3200" dirty="0" smtClean="0"/>
-              <a:t>Can </a:t>
-            </a:r>
-            <a:r>
-              <a:rPr lang="en-US" sz="3200" dirty="0"/>
-              <a:t>deselect students who are not account for the statistical </a:t>
-            </a:r>
-            <a:r>
-              <a:rPr lang="en-US" sz="3200"/>
-              <a:t>number</a:t>
-            </a:r>
-            <a:r>
-              <a:rPr lang="en-US" sz="3200" smtClean="0"/>
+              <a:t>Main drawbacks of Microsoft Excel:</a:t>
+            </a:r>
+          </a:p>
+          <a:p>
+            <a:pPr lvl="1"/>
+            <a:r>
+              <a:rPr lang="en-US" sz="2800" dirty="0" smtClean="0"/>
+              <a:t>Excel </a:t>
+            </a:r>
+            <a:r>
+              <a:rPr lang="en-US" sz="2800" dirty="0"/>
+              <a:t>won’t highlight the student under grading, which will make some confusion when give grades to students.</a:t>
+            </a:r>
+          </a:p>
+          <a:p>
+            <a:pPr lvl="1"/>
+            <a:r>
+              <a:rPr lang="en-US" sz="2800" b="1" dirty="0" smtClean="0">
+                <a:solidFill>
+                  <a:srgbClr val="FF0000"/>
+                </a:solidFill>
+              </a:rPr>
+              <a:t>Excel </a:t>
+            </a:r>
+            <a:r>
+              <a:rPr lang="en-US" sz="2800" b="1" dirty="0">
+                <a:solidFill>
+                  <a:srgbClr val="FF0000"/>
+                </a:solidFill>
+              </a:rPr>
+              <a:t>is inflexible on getting the statistical number, our customer has to write some functions on the table. Besides, our customer cannot deselect some students she is not interested in, for that Excel operates the data based on the column</a:t>
+            </a:r>
+            <a:r>
+              <a:rPr lang="en-US" sz="2800" b="1" dirty="0" smtClean="0">
+                <a:solidFill>
+                  <a:srgbClr val="FF0000"/>
+                </a:solidFill>
+              </a:rPr>
               <a:t>.</a:t>
             </a:r>
-            <a:endParaRPr lang="en-US" sz="3200" dirty="0" smtClean="0"/>
-          </a:p>
-        </p:txBody>
-      </p:sp>
-      <p:pic>
-        <p:nvPicPr>
-          <p:cNvPr id="5" name="Picture 4"/>
-          <p:cNvPicPr>
-            <a:picLocks noChangeAspect="1"/>
-          </p:cNvPicPr>
-          <p:nvPr/>
-        </p:nvPicPr>
-        <p:blipFill>
-          <a:blip r:embed="rId2"/>
-          <a:stretch>
-            <a:fillRect/>
-          </a:stretch>
-        </p:blipFill>
-        <p:spPr>
-          <a:xfrm>
-            <a:off x="1907838" y="2375337"/>
-            <a:ext cx="8285078" cy="4482663"/>
-          </a:xfrm>
-          <a:prstGeom prst="rect">
-            <a:avLst/>
-          </a:prstGeom>
-        </p:spPr>
-      </p:pic>
+            <a:endParaRPr lang="en-US" sz="2400" b="1" dirty="0" smtClean="0">
+              <a:solidFill>
+                <a:srgbClr val="FF0000"/>
+              </a:solidFill>
+            </a:endParaRPr>
+          </a:p>
+          <a:p>
+            <a:pPr lvl="1"/>
+            <a:endParaRPr lang="en-US" sz="2800" dirty="0"/>
+          </a:p>
+        </p:txBody>
+      </p:sp>
     </p:spTree>
     <p:extLst>
       <p:ext uri="{BB962C8B-B14F-4D97-AF65-F5344CB8AC3E}">
-        <p14:creationId xmlns:p14="http://schemas.microsoft.com/office/powerpoint/2010/main" val="881911175"/>
+        <p14:creationId xmlns:p14="http://schemas.microsoft.com/office/powerpoint/2010/main" val="717836329"/>
       </p:ext>
     </p:extLst>
   </p:cSld>
   <p:clrMapOvr>
     <a:masterClrMapping/>
   </p:clrMapOvr>
+  <mc:AlternateContent xmlns:mc="http://schemas.openxmlformats.org/markup-compatibility/2006">
+    <mc:Choice xmlns:p14="http://schemas.microsoft.com/office/powerpoint/2010/main" Requires="p14">
+      <p:transition spd="slow" p14:dur="2000"/>
+    </mc:Choice>
+    <mc:Fallback>
+      <p:transition spd="slow"/>
+    </mc:Fallback>
+  </mc:AlternateContent>
 </p:sld>
 </file>
 
@@ -7302,7 +9191,7 @@
           <a:p>
             <a:r>
               <a:rPr lang="en-US" dirty="0" smtClean="0"/>
-              <a:t>Highlighted features</a:t>
+              <a:t>Motivation</a:t>
             </a:r>
             <a:endParaRPr lang="en-US" dirty="0"/>
           </a:p>
@@ -7320,65 +9209,99 @@
         </p:nvSpPr>
         <p:spPr>
           <a:xfrm>
-            <a:off x="1069848" y="1376856"/>
-            <a:ext cx="9892442" cy="977461"/>
+            <a:off x="436802" y="1208690"/>
+            <a:ext cx="10922860" cy="4963510"/>
           </a:xfrm>
         </p:spPr>
         <p:txBody>
           <a:bodyPr>
-            <a:normAutofit/>
+            <a:noAutofit/>
           </a:bodyPr>
           <a:lstStyle/>
           <a:p>
             <a:r>
-              <a:rPr lang="en-US" sz="3200" smtClean="0"/>
-              <a:t>Easy </a:t>
-            </a:r>
-            <a:r>
-              <a:rPr lang="en-US" sz="3200" dirty="0"/>
-              <a:t>way to give both percentage kind or credits kind grade in one table</a:t>
-            </a:r>
-            <a:r>
               <a:rPr lang="en-US" sz="3200" dirty="0" smtClean="0"/>
+              <a:t>Main drawbacks of Microsoft Excel:</a:t>
+            </a:r>
+          </a:p>
+          <a:p>
+            <a:pPr lvl="1"/>
+            <a:r>
+              <a:rPr lang="en-US" sz="2800" dirty="0" smtClean="0"/>
+              <a:t>Excel </a:t>
+            </a:r>
+            <a:r>
+              <a:rPr lang="en-US" sz="2800" dirty="0"/>
+              <a:t>won’t highlight the student under grading, which will make some confusion when give grades to students.</a:t>
+            </a:r>
+          </a:p>
+          <a:p>
+            <a:pPr lvl="1"/>
+            <a:r>
+              <a:rPr lang="en-US" sz="2800" dirty="0" smtClean="0"/>
+              <a:t>Excel </a:t>
+            </a:r>
+            <a:r>
+              <a:rPr lang="en-US" sz="2800" dirty="0"/>
+              <a:t>is inflexible on getting the statistical number, our customer has to write some functions on the table. Besides, our customer cannot deselect some students she is not interested in, for that Excel operates the data based on the column. </a:t>
+            </a:r>
+          </a:p>
+          <a:p>
+            <a:pPr lvl="1"/>
+            <a:r>
+              <a:rPr lang="en-US" sz="2800" b="1" dirty="0" smtClean="0">
+                <a:solidFill>
+                  <a:srgbClr val="FF0000"/>
+                </a:solidFill>
+              </a:rPr>
+              <a:t>Every </a:t>
+            </a:r>
+            <a:r>
+              <a:rPr lang="en-US" sz="2800" b="1" dirty="0">
+                <a:solidFill>
+                  <a:srgbClr val="FF0000"/>
+                </a:solidFill>
+              </a:rPr>
+              <a:t>time start a new course, our customer has to create a new break down by herself even if the break down is totally the same with the last year</a:t>
+            </a:r>
+            <a:r>
+              <a:rPr lang="en-US" sz="2800" b="1" dirty="0" smtClean="0">
+                <a:solidFill>
+                  <a:srgbClr val="FF0000"/>
+                </a:solidFill>
+              </a:rPr>
               <a:t>.</a:t>
             </a:r>
-          </a:p>
-        </p:txBody>
-      </p:sp>
-      <p:pic>
-        <p:nvPicPr>
-          <p:cNvPr id="5" name="Picture 4"/>
-          <p:cNvPicPr>
-            <a:picLocks noChangeAspect="1"/>
-          </p:cNvPicPr>
-          <p:nvPr/>
-        </p:nvPicPr>
-        <p:blipFill>
-          <a:blip r:embed="rId2"/>
-          <a:stretch>
-            <a:fillRect/>
-          </a:stretch>
-        </p:blipFill>
-        <p:spPr>
-          <a:xfrm>
-            <a:off x="2825750" y="2692400"/>
-            <a:ext cx="6540500" cy="1473200"/>
-          </a:xfrm>
-          <a:prstGeom prst="rect">
-            <a:avLst/>
-          </a:prstGeom>
-        </p:spPr>
-      </p:pic>
+            <a:endParaRPr lang="en-US" sz="2400" b="1" dirty="0" smtClean="0">
+              <a:solidFill>
+                <a:srgbClr val="FF0000"/>
+              </a:solidFill>
+            </a:endParaRPr>
+          </a:p>
+          <a:p>
+            <a:pPr lvl="1"/>
+            <a:endParaRPr lang="en-US" sz="2800" dirty="0"/>
+          </a:p>
+        </p:txBody>
+      </p:sp>
     </p:spTree>
     <p:extLst>
       <p:ext uri="{BB962C8B-B14F-4D97-AF65-F5344CB8AC3E}">
-        <p14:creationId xmlns:p14="http://schemas.microsoft.com/office/powerpoint/2010/main" val="884084781"/>
+        <p14:creationId xmlns:p14="http://schemas.microsoft.com/office/powerpoint/2010/main" val="505567719"/>
       </p:ext>
     </p:extLst>
   </p:cSld>
   <p:clrMapOvr>
     <a:masterClrMapping/>
   </p:clrMapOvr>
+  <mc:AlternateContent xmlns:mc="http://schemas.openxmlformats.org/markup-compatibility/2006">
+    <mc:Choice xmlns:p14="http://schemas.microsoft.com/office/powerpoint/2010/main" Requires="p14">
+      <p:transition spd="slow" p14:dur="2000"/>
+    </mc:Choice>
+    <mc:Fallback>
+      <p:transition spd="slow"/>
+    </mc:Fallback>
+  </mc:AlternateContent>
 </p:sld>
 </file>
 
@@ -7423,7 +9346,7 @@
           <a:p>
             <a:r>
               <a:rPr lang="en-US" dirty="0" smtClean="0"/>
-              <a:t>Highlighted features</a:t>
+              <a:t>Motivation</a:t>
             </a:r>
             <a:endParaRPr lang="en-US" dirty="0"/>
           </a:p>
@@ -7441,62 +9364,101 @@
         </p:nvSpPr>
         <p:spPr>
           <a:xfrm>
-            <a:off x="1069848" y="1429407"/>
-            <a:ext cx="10058400" cy="1093076"/>
+            <a:off x="436802" y="1208690"/>
+            <a:ext cx="10922860" cy="4963510"/>
           </a:xfrm>
         </p:spPr>
         <p:txBody>
           <a:bodyPr>
-            <a:normAutofit/>
+            <a:noAutofit/>
           </a:bodyPr>
           <a:lstStyle/>
           <a:p>
             <a:r>
               <a:rPr lang="en-US" sz="3200" dirty="0" smtClean="0"/>
-              <a:t>Clicking the assignment name under the ‘Assignment’ tab will redirect to the grading </a:t>
-            </a:r>
-            <a:r>
-              <a:rPr lang="en-US" sz="3200" smtClean="0"/>
-              <a:t>page.</a:t>
-            </a:r>
-            <a:endParaRPr lang="en-US" sz="3200" dirty="0" smtClean="0"/>
-          </a:p>
-        </p:txBody>
-      </p:sp>
-      <p:pic>
-        <p:nvPicPr>
-          <p:cNvPr id="4" name="Picture 3"/>
-          <p:cNvPicPr>
-            <a:picLocks noChangeAspect="1"/>
-          </p:cNvPicPr>
-          <p:nvPr/>
-        </p:nvPicPr>
-        <p:blipFill>
-          <a:blip r:embed="rId2"/>
-          <a:stretch>
-            <a:fillRect/>
-          </a:stretch>
-        </p:blipFill>
-        <p:spPr>
-          <a:xfrm>
-            <a:off x="898398" y="2743200"/>
-            <a:ext cx="10401300" cy="3429000"/>
-          </a:xfrm>
-          <a:prstGeom prst="rect">
-            <a:avLst/>
-          </a:prstGeom>
-        </p:spPr>
-      </p:pic>
+              <a:t>Main drawbacks of Microsoft Excel:</a:t>
+            </a:r>
+          </a:p>
+          <a:p>
+            <a:pPr lvl="1"/>
+            <a:r>
+              <a:rPr lang="en-US" sz="2800" dirty="0" smtClean="0"/>
+              <a:t>Excel </a:t>
+            </a:r>
+            <a:r>
+              <a:rPr lang="en-US" sz="2800" dirty="0"/>
+              <a:t>won’t highlight the student under grading, which will make some confusion when give grades to students.</a:t>
+            </a:r>
+          </a:p>
+          <a:p>
+            <a:pPr lvl="1"/>
+            <a:r>
+              <a:rPr lang="en-US" sz="2800" dirty="0" smtClean="0"/>
+              <a:t>Excel </a:t>
+            </a:r>
+            <a:r>
+              <a:rPr lang="en-US" sz="2800" dirty="0"/>
+              <a:t>is inflexible on getting the statistical number, our customer has to write some functions on the table. Besides, our customer cannot deselect some students she is not interested in, for that Excel operates the data based on the column. </a:t>
+            </a:r>
+          </a:p>
+          <a:p>
+            <a:pPr lvl="1"/>
+            <a:r>
+              <a:rPr lang="en-US" sz="2800" dirty="0" smtClean="0"/>
+              <a:t>Every </a:t>
+            </a:r>
+            <a:r>
+              <a:rPr lang="en-US" sz="2800" dirty="0"/>
+              <a:t>time start a new course, our customer has to create a new break down by herself even if the break down is totally the same with the last year.</a:t>
+            </a:r>
+          </a:p>
+          <a:p>
+            <a:pPr lvl="1"/>
+            <a:r>
+              <a:rPr lang="en-US" sz="2800" b="1" dirty="0" smtClean="0">
+                <a:solidFill>
+                  <a:srgbClr val="FF0000"/>
+                </a:solidFill>
+              </a:rPr>
+              <a:t>Hard </a:t>
+            </a:r>
+            <a:r>
+              <a:rPr lang="en-US" sz="2800" b="1" dirty="0">
+                <a:solidFill>
+                  <a:srgbClr val="FF0000"/>
+                </a:solidFill>
+              </a:rPr>
+              <a:t>to give multi kinds of grades in one table.</a:t>
+            </a:r>
+          </a:p>
+          <a:p>
+            <a:pPr lvl="1"/>
+            <a:endParaRPr lang="en-US" sz="2400" dirty="0" smtClean="0"/>
+          </a:p>
+          <a:p>
+            <a:pPr lvl="1"/>
+            <a:endParaRPr lang="en-US" sz="2800" dirty="0"/>
+          </a:p>
+        </p:txBody>
+      </p:sp>
     </p:spTree>
     <p:extLst>
       <p:ext uri="{BB962C8B-B14F-4D97-AF65-F5344CB8AC3E}">
-        <p14:creationId xmlns:p14="http://schemas.microsoft.com/office/powerpoint/2010/main" val="333095757"/>
+        <p14:creationId xmlns:p14="http://schemas.microsoft.com/office/powerpoint/2010/main" val="1999315161"/>
       </p:ext>
     </p:extLst>
   </p:cSld>
   <p:clrMapOvr>
     <a:masterClrMapping/>
   </p:clrMapOvr>
+  <mc:AlternateContent xmlns:mc="http://schemas.openxmlformats.org/markup-compatibility/2006">
+    <mc:Choice xmlns:p14="http://schemas.microsoft.com/office/powerpoint/2010/main" Requires="p14">
+      <p:transition spd="slow" p14:dur="2000"/>
+    </mc:Choice>
+    <mc:Fallback>
+      <p:transition spd="slow"/>
+    </mc:Fallback>
+  </mc:AlternateContent>
 </p:sld>
 </file>
 
@@ -7541,7 +9503,7 @@
           <a:p>
             <a:r>
               <a:rPr lang="en-US" dirty="0" smtClean="0"/>
-              <a:t>Highlighted features</a:t>
+              <a:t>Introduction To our system</a:t>
             </a:r>
             <a:endParaRPr lang="en-US" dirty="0"/>
           </a:p>
@@ -7559,62 +9521,42 @@
         </p:nvSpPr>
         <p:spPr>
           <a:xfrm>
-            <a:off x="1069848" y="1429407"/>
-            <a:ext cx="10058400" cy="1093076"/>
+            <a:off x="1069848" y="1839310"/>
+            <a:ext cx="10058400" cy="4332890"/>
           </a:xfrm>
         </p:spPr>
         <p:txBody>
           <a:bodyPr>
-            <a:normAutofit/>
+            <a:noAutofit/>
           </a:bodyPr>
           <a:lstStyle/>
           <a:p>
             <a:r>
-              <a:rPr lang="en-US" sz="3200" dirty="0" smtClean="0"/>
-              <a:t>Clicking the assignment name under the ‘Assignment’ tab will redirect to the grading </a:t>
-            </a:r>
-            <a:r>
-              <a:rPr lang="en-US" sz="3200" smtClean="0"/>
-              <a:t>page.</a:t>
-            </a:r>
-            <a:endParaRPr lang="en-US" sz="3200" dirty="0" smtClean="0"/>
-          </a:p>
-        </p:txBody>
-      </p:sp>
-      <p:pic>
-        <p:nvPicPr>
-          <p:cNvPr id="6" name="Picture 5"/>
-          <p:cNvPicPr>
-            <a:picLocks noChangeAspect="1"/>
-          </p:cNvPicPr>
-          <p:nvPr/>
-        </p:nvPicPr>
-        <p:blipFill>
-          <a:blip r:embed="rId2"/>
-          <a:stretch>
-            <a:fillRect/>
-          </a:stretch>
-        </p:blipFill>
-        <p:spPr>
-          <a:xfrm>
-            <a:off x="1535722" y="2901963"/>
-            <a:ext cx="9136399" cy="2288535"/>
-          </a:xfrm>
-          <a:prstGeom prst="rect">
-            <a:avLst/>
-          </a:prstGeom>
-        </p:spPr>
-      </p:pic>
+              <a:rPr lang="en-US" sz="2800" dirty="0" smtClean="0"/>
+              <a:t>A grading system that allow you:</a:t>
+            </a:r>
+            <a:endParaRPr lang="en-US" sz="2400" dirty="0"/>
+          </a:p>
+        </p:txBody>
+      </p:sp>
     </p:spTree>
     <p:extLst>
       <p:ext uri="{BB962C8B-B14F-4D97-AF65-F5344CB8AC3E}">
-        <p14:creationId xmlns:p14="http://schemas.microsoft.com/office/powerpoint/2010/main" val="1793697120"/>
+        <p14:creationId xmlns:p14="http://schemas.microsoft.com/office/powerpoint/2010/main" val="1529925769"/>
       </p:ext>
     </p:extLst>
   </p:cSld>
   <p:clrMapOvr>
     <a:masterClrMapping/>
   </p:clrMapOvr>
+  <mc:AlternateContent xmlns:mc="http://schemas.openxmlformats.org/markup-compatibility/2006">
+    <mc:Choice xmlns:p14="http://schemas.microsoft.com/office/powerpoint/2010/main" Requires="p14">
+      <p:transition spd="slow" p14:dur="2000"/>
+    </mc:Choice>
+    <mc:Fallback>
+      <p:transition spd="slow"/>
+    </mc:Fallback>
+  </mc:AlternateContent>
 </p:sld>
 </file>
 
@@ -7659,7 +9601,7 @@
           <a:p>
             <a:r>
               <a:rPr lang="en-US" dirty="0" smtClean="0"/>
-              <a:t>Highlighted features</a:t>
+              <a:t>Introduction To our system</a:t>
             </a:r>
             <a:endParaRPr lang="en-US" dirty="0"/>
           </a:p>
@@ -7677,62 +9619,62 @@
         </p:nvSpPr>
         <p:spPr>
           <a:xfrm>
-            <a:off x="1069848" y="1471448"/>
-            <a:ext cx="10058400" cy="1502979"/>
+            <a:off x="1069848" y="1839310"/>
+            <a:ext cx="10058400" cy="4332890"/>
           </a:xfrm>
         </p:spPr>
         <p:txBody>
           <a:bodyPr>
-            <a:normAutofit/>
+            <a:noAutofit/>
           </a:bodyPr>
           <a:lstStyle/>
           <a:p>
             <a:r>
-              <a:rPr lang="en-US" sz="3200" dirty="0" smtClean="0"/>
-              <a:t>Clicking the students’ name under the ‘Students’ tab will redirect to the detail score distribution for that </a:t>
-            </a:r>
-            <a:r>
-              <a:rPr lang="en-US" sz="3200" smtClean="0"/>
-              <a:t>student.</a:t>
-            </a:r>
-            <a:endParaRPr lang="en-US" sz="3200" dirty="0" smtClean="0"/>
-          </a:p>
-        </p:txBody>
-      </p:sp>
-      <p:pic>
-        <p:nvPicPr>
-          <p:cNvPr id="4" name="Picture 3"/>
-          <p:cNvPicPr>
-            <a:picLocks noChangeAspect="1"/>
-          </p:cNvPicPr>
-          <p:nvPr/>
-        </p:nvPicPr>
-        <p:blipFill>
-          <a:blip r:embed="rId2"/>
-          <a:stretch>
-            <a:fillRect/>
-          </a:stretch>
-        </p:blipFill>
-        <p:spPr>
-          <a:xfrm>
-            <a:off x="1694101" y="3237185"/>
-            <a:ext cx="8802992" cy="2510090"/>
-          </a:xfrm>
-          <a:prstGeom prst="rect">
-            <a:avLst/>
-          </a:prstGeom>
-        </p:spPr>
-      </p:pic>
+              <a:rPr lang="en-US" sz="2800" dirty="0" smtClean="0"/>
+              <a:t>A grading system that allow you:</a:t>
+            </a:r>
+            <a:endParaRPr lang="en-US" sz="2800" b="1" dirty="0" smtClean="0">
+              <a:solidFill>
+                <a:srgbClr val="FF0000"/>
+              </a:solidFill>
+            </a:endParaRPr>
+          </a:p>
+          <a:p>
+            <a:pPr lvl="1"/>
+            <a:r>
+              <a:rPr lang="en-US" sz="2400" b="1" dirty="0" smtClean="0">
+                <a:solidFill>
+                  <a:srgbClr val="FF0000"/>
+                </a:solidFill>
+              </a:rPr>
+              <a:t>Create course based or not based on a template</a:t>
+            </a:r>
+            <a:endParaRPr lang="en-US" sz="2400" b="1" dirty="0">
+              <a:solidFill>
+                <a:srgbClr val="FF0000"/>
+              </a:solidFill>
+            </a:endParaRPr>
+          </a:p>
+        </p:txBody>
+      </p:sp>
     </p:spTree>
     <p:extLst>
       <p:ext uri="{BB962C8B-B14F-4D97-AF65-F5344CB8AC3E}">
-        <p14:creationId xmlns:p14="http://schemas.microsoft.com/office/powerpoint/2010/main" val="522335557"/>
+        <p14:creationId xmlns:p14="http://schemas.microsoft.com/office/powerpoint/2010/main" val="659713248"/>
       </p:ext>
     </p:extLst>
   </p:cSld>
   <p:clrMapOvr>
     <a:masterClrMapping/>
   </p:clrMapOvr>
+  <mc:AlternateContent xmlns:mc="http://schemas.openxmlformats.org/markup-compatibility/2006">
+    <mc:Choice xmlns:p14="http://schemas.microsoft.com/office/powerpoint/2010/main" Requires="p14">
+      <p:transition spd="slow" p14:dur="2000"/>
+    </mc:Choice>
+    <mc:Fallback>
+      <p:transition spd="slow"/>
+    </mc:Fallback>
+  </mc:AlternateContent>
 </p:sld>
 </file>
 

--- a/final_pre.pptx
+++ b/final_pre.pptx
@@ -5,40 +5,22 @@
     <p:sldMasterId id="2147483851" r:id="rId1"/>
   </p:sldMasterIdLst>
   <p:notesMasterIdLst>
-    <p:notesMasterId r:id="rId33"/>
+    <p:notesMasterId r:id="rId15"/>
   </p:notesMasterIdLst>
   <p:sldIdLst>
     <p:sldId id="256" r:id="rId2"/>
     <p:sldId id="260" r:id="rId3"/>
-    <p:sldId id="279" r:id="rId4"/>
-    <p:sldId id="275" r:id="rId5"/>
-    <p:sldId id="276" r:id="rId6"/>
-    <p:sldId id="277" r:id="rId7"/>
-    <p:sldId id="278" r:id="rId8"/>
-    <p:sldId id="261" r:id="rId9"/>
-    <p:sldId id="280" r:id="rId10"/>
-    <p:sldId id="281" r:id="rId11"/>
-    <p:sldId id="282" r:id="rId12"/>
-    <p:sldId id="283" r:id="rId13"/>
-    <p:sldId id="284" r:id="rId14"/>
-    <p:sldId id="285" r:id="rId15"/>
-    <p:sldId id="286" r:id="rId16"/>
-    <p:sldId id="287" r:id="rId17"/>
-    <p:sldId id="265" r:id="rId18"/>
-    <p:sldId id="266" r:id="rId19"/>
-    <p:sldId id="269" r:id="rId20"/>
-    <p:sldId id="267" r:id="rId21"/>
-    <p:sldId id="258" r:id="rId22"/>
-    <p:sldId id="270" r:id="rId23"/>
-    <p:sldId id="268" r:id="rId24"/>
-    <p:sldId id="271" r:id="rId25"/>
-    <p:sldId id="257" r:id="rId26"/>
-    <p:sldId id="262" r:id="rId27"/>
-    <p:sldId id="273" r:id="rId28"/>
-    <p:sldId id="274" r:id="rId29"/>
-    <p:sldId id="272" r:id="rId30"/>
-    <p:sldId id="264" r:id="rId31"/>
-    <p:sldId id="263" r:id="rId32"/>
+    <p:sldId id="278" r:id="rId4"/>
+    <p:sldId id="287" r:id="rId5"/>
+    <p:sldId id="265" r:id="rId6"/>
+    <p:sldId id="266" r:id="rId7"/>
+    <p:sldId id="269" r:id="rId8"/>
+    <p:sldId id="267" r:id="rId9"/>
+    <p:sldId id="257" r:id="rId10"/>
+    <p:sldId id="262" r:id="rId11"/>
+    <p:sldId id="273" r:id="rId12"/>
+    <p:sldId id="274" r:id="rId13"/>
+    <p:sldId id="264" r:id="rId14"/>
   </p:sldIdLst>
   <p:sldSz cx="12192000" cy="6858000"/>
   <p:notesSz cx="6858000" cy="9144000"/>
@@ -1464,6 +1446,197 @@
 </p:notesMaster>
 </file>
 
+<file path=ppt/notesSlides/notesSlide1.xml><?xml version="1.0" encoding="utf-8"?>
+<p:notes xmlns:a="http://schemas.openxmlformats.org/drawingml/2006/main" xmlns:r="http://schemas.openxmlformats.org/officeDocument/2006/relationships" xmlns:p="http://schemas.openxmlformats.org/presentationml/2006/main">
+  <p:cSld>
+    <p:spTree>
+      <p:nvGrpSpPr>
+        <p:cNvPr id="1" name=""/>
+        <p:cNvGrpSpPr/>
+        <p:nvPr/>
+      </p:nvGrpSpPr>
+      <p:grpSpPr>
+        <a:xfrm>
+          <a:off x="0" y="0"/>
+          <a:ext cx="0" cy="0"/>
+          <a:chOff x="0" y="0"/>
+          <a:chExt cx="0" cy="0"/>
+        </a:xfrm>
+      </p:grpSpPr>
+      <p:sp>
+        <p:nvSpPr>
+          <p:cNvPr id="2" name="Slide Image Placeholder 1"/>
+          <p:cNvSpPr>
+            <a:spLocks noGrp="1" noRot="1" noChangeAspect="1"/>
+          </p:cNvSpPr>
+          <p:nvPr>
+            <p:ph type="sldImg"/>
+          </p:nvPr>
+        </p:nvSpPr>
+        <p:spPr/>
+      </p:sp>
+      <p:sp>
+        <p:nvSpPr>
+          <p:cNvPr id="3" name="Notes Placeholder 2"/>
+          <p:cNvSpPr>
+            <a:spLocks noGrp="1"/>
+          </p:cNvSpPr>
+          <p:nvPr>
+            <p:ph type="body" idx="1"/>
+          </p:nvPr>
+        </p:nvSpPr>
+        <p:spPr/>
+        <p:txBody>
+          <a:bodyPr/>
+          <a:lstStyle/>
+          <a:p>
+            <a:endParaRPr lang="en-US" dirty="0"/>
+          </a:p>
+        </p:txBody>
+      </p:sp>
+      <p:sp>
+        <p:nvSpPr>
+          <p:cNvPr id="4" name="Slide Number Placeholder 3"/>
+          <p:cNvSpPr>
+            <a:spLocks noGrp="1"/>
+          </p:cNvSpPr>
+          <p:nvPr>
+            <p:ph type="sldNum" sz="quarter" idx="10"/>
+          </p:nvPr>
+        </p:nvSpPr>
+        <p:spPr/>
+        <p:txBody>
+          <a:bodyPr/>
+          <a:lstStyle/>
+          <a:p>
+            <a:fld id="{976D8F9F-F5A5-8445-9565-BE6786141EFF}" type="slidenum">
+              <a:rPr lang="en-US" smtClean="0"/>
+              <a:t>5</a:t>
+            </a:fld>
+            <a:endParaRPr lang="en-US"/>
+          </a:p>
+        </p:txBody>
+      </p:sp>
+    </p:spTree>
+    <p:extLst>
+      <p:ext uri="{BB962C8B-B14F-4D97-AF65-F5344CB8AC3E}">
+        <p14:creationId xmlns:p14="http://schemas.microsoft.com/office/powerpoint/2010/main" val="2039584520"/>
+      </p:ext>
+    </p:extLst>
+  </p:cSld>
+  <p:clrMapOvr>
+    <a:masterClrMapping/>
+  </p:clrMapOvr>
+</p:notes>
+</file>
+
+<file path=ppt/notesSlides/notesSlide2.xml><?xml version="1.0" encoding="utf-8"?>
+<p:notes xmlns:a="http://schemas.openxmlformats.org/drawingml/2006/main" xmlns:r="http://schemas.openxmlformats.org/officeDocument/2006/relationships" xmlns:p="http://schemas.openxmlformats.org/presentationml/2006/main">
+  <p:cSld>
+    <p:spTree>
+      <p:nvGrpSpPr>
+        <p:cNvPr id="1" name=""/>
+        <p:cNvGrpSpPr/>
+        <p:nvPr/>
+      </p:nvGrpSpPr>
+      <p:grpSpPr>
+        <a:xfrm>
+          <a:off x="0" y="0"/>
+          <a:ext cx="0" cy="0"/>
+          <a:chOff x="0" y="0"/>
+          <a:chExt cx="0" cy="0"/>
+        </a:xfrm>
+      </p:grpSpPr>
+      <p:sp>
+        <p:nvSpPr>
+          <p:cNvPr id="2" name="Slide Image Placeholder 1"/>
+          <p:cNvSpPr>
+            <a:spLocks noGrp="1" noRot="1" noChangeAspect="1"/>
+          </p:cNvSpPr>
+          <p:nvPr>
+            <p:ph type="sldImg"/>
+          </p:nvPr>
+        </p:nvSpPr>
+        <p:spPr/>
+      </p:sp>
+      <p:sp>
+        <p:nvSpPr>
+          <p:cNvPr id="3" name="Notes Placeholder 2"/>
+          <p:cNvSpPr>
+            <a:spLocks noGrp="1"/>
+          </p:cNvSpPr>
+          <p:nvPr>
+            <p:ph type="body" idx="1"/>
+          </p:nvPr>
+        </p:nvSpPr>
+        <p:spPr/>
+        <p:txBody>
+          <a:bodyPr/>
+          <a:lstStyle/>
+          <a:p>
+            <a:pPr marL="0" marR="0" indent="0" algn="l" defTabSz="914400" rtl="0" eaLnBrk="1" fontAlgn="auto" latinLnBrk="0" hangingPunct="1">
+              <a:lnSpc>
+                <a:spcPct val="100000"/>
+              </a:lnSpc>
+              <a:spcBef>
+                <a:spcPts val="0"/>
+              </a:spcBef>
+              <a:spcAft>
+                <a:spcPts val="0"/>
+              </a:spcAft>
+              <a:buClrTx/>
+              <a:buSzTx/>
+              <a:buFontTx/>
+              <a:buNone/>
+              <a:tabLst/>
+              <a:defRPr/>
+            </a:pPr>
+            <a:r>
+              <a:rPr lang="en-US" sz="1200" dirty="0" smtClean="0"/>
+              <a:t>Make the UI much more user friendly.</a:t>
+            </a:r>
+          </a:p>
+          <a:p>
+            <a:endParaRPr lang="en-US" dirty="0"/>
+          </a:p>
+        </p:txBody>
+      </p:sp>
+      <p:sp>
+        <p:nvSpPr>
+          <p:cNvPr id="4" name="Slide Number Placeholder 3"/>
+          <p:cNvSpPr>
+            <a:spLocks noGrp="1"/>
+          </p:cNvSpPr>
+          <p:nvPr>
+            <p:ph type="sldNum" sz="quarter" idx="10"/>
+          </p:nvPr>
+        </p:nvSpPr>
+        <p:spPr/>
+        <p:txBody>
+          <a:bodyPr/>
+          <a:lstStyle/>
+          <a:p>
+            <a:fld id="{976D8F9F-F5A5-8445-9565-BE6786141EFF}" type="slidenum">
+              <a:rPr lang="en-US" smtClean="0"/>
+              <a:t>12</a:t>
+            </a:fld>
+            <a:endParaRPr lang="en-US"/>
+          </a:p>
+        </p:txBody>
+      </p:sp>
+    </p:spTree>
+    <p:extLst>
+      <p:ext uri="{BB962C8B-B14F-4D97-AF65-F5344CB8AC3E}">
+        <p14:creationId xmlns:p14="http://schemas.microsoft.com/office/powerpoint/2010/main" val="762144984"/>
+      </p:ext>
+    </p:extLst>
+  </p:cSld>
+  <p:clrMapOvr>
+    <a:masterClrMapping/>
+  </p:clrMapOvr>
+</p:notes>
+</file>
+
 <file path=ppt/slideLayouts/slideLayout1.xml><?xml version="1.0" encoding="utf-8"?>
 <p:sldLayout xmlns:a="http://schemas.openxmlformats.org/drawingml/2006/main" xmlns:r="http://schemas.openxmlformats.org/officeDocument/2006/relationships" xmlns:p="http://schemas.openxmlformats.org/presentationml/2006/main" showMasterSp="0" type="title" preserve="1">
   <p:cSld name="Title Slide">
@@ -5784,10 +5957,18 @@
           <a:lstStyle/>
           <a:p>
             <a:r>
-              <a:rPr lang="en-US" dirty="0" smtClean="0"/>
+              <a:rPr lang="en-US" sz="11500" dirty="0" smtClean="0">
+                <a:solidFill>
+                  <a:srgbClr val="FF0000"/>
+                </a:solidFill>
+              </a:rPr>
               <a:t>Grading System</a:t>
             </a:r>
-            <a:endParaRPr lang="en-US" dirty="0"/>
+            <a:endParaRPr lang="en-US" sz="11500" dirty="0">
+              <a:solidFill>
+                <a:srgbClr val="FF0000"/>
+              </a:solidFill>
+            </a:endParaRPr>
           </a:p>
         </p:txBody>
       </p:sp>
@@ -5866,2279 +6047,17 @@
       <p:transition spd="slow"/>
     </mc:Fallback>
   </mc:AlternateContent>
+  <p:timing>
+    <p:tnLst>
+      <p:par>
+        <p:cTn id="1" dur="indefinite" restart="never" nodeType="tmRoot"/>
+      </p:par>
+    </p:tnLst>
+  </p:timing>
 </p:sld>
 </file>
 
 <file path=ppt/slides/slide10.xml><?xml version="1.0" encoding="utf-8"?>
-<p:sld xmlns:a="http://schemas.openxmlformats.org/drawingml/2006/main" xmlns:r="http://schemas.openxmlformats.org/officeDocument/2006/relationships" xmlns:p="http://schemas.openxmlformats.org/presentationml/2006/main">
-  <p:cSld>
-    <p:spTree>
-      <p:nvGrpSpPr>
-        <p:cNvPr id="1" name=""/>
-        <p:cNvGrpSpPr/>
-        <p:nvPr/>
-      </p:nvGrpSpPr>
-      <p:grpSpPr>
-        <a:xfrm>
-          <a:off x="0" y="0"/>
-          <a:ext cx="0" cy="0"/>
-          <a:chOff x="0" y="0"/>
-          <a:chExt cx="0" cy="0"/>
-        </a:xfrm>
-      </p:grpSpPr>
-      <p:sp>
-        <p:nvSpPr>
-          <p:cNvPr id="2" name="Title 1"/>
-          <p:cNvSpPr>
-            <a:spLocks noGrp="1"/>
-          </p:cNvSpPr>
-          <p:nvPr>
-            <p:ph type="title"/>
-          </p:nvPr>
-        </p:nvSpPr>
-        <p:spPr>
-          <a:xfrm>
-            <a:off x="1069848" y="484632"/>
-            <a:ext cx="10058400" cy="724058"/>
-          </a:xfrm>
-        </p:spPr>
-        <p:txBody>
-          <a:bodyPr>
-            <a:normAutofit fontScale="90000"/>
-          </a:bodyPr>
-          <a:lstStyle/>
-          <a:p>
-            <a:r>
-              <a:rPr lang="en-US" dirty="0" smtClean="0"/>
-              <a:t>Introduction To our system</a:t>
-            </a:r>
-            <a:endParaRPr lang="en-US" dirty="0"/>
-          </a:p>
-        </p:txBody>
-      </p:sp>
-      <p:sp>
-        <p:nvSpPr>
-          <p:cNvPr id="3" name="Content Placeholder 2"/>
-          <p:cNvSpPr>
-            <a:spLocks noGrp="1"/>
-          </p:cNvSpPr>
-          <p:nvPr>
-            <p:ph idx="1"/>
-          </p:nvPr>
-        </p:nvSpPr>
-        <p:spPr>
-          <a:xfrm>
-            <a:off x="1069848" y="1839310"/>
-            <a:ext cx="10058400" cy="4332890"/>
-          </a:xfrm>
-        </p:spPr>
-        <p:txBody>
-          <a:bodyPr>
-            <a:noAutofit/>
-          </a:bodyPr>
-          <a:lstStyle/>
-          <a:p>
-            <a:r>
-              <a:rPr lang="en-US" sz="2800" dirty="0" smtClean="0"/>
-              <a:t>A grading system that allow you:</a:t>
-            </a:r>
-          </a:p>
-          <a:p>
-            <a:pPr lvl="1"/>
-            <a:r>
-              <a:rPr lang="en-US" sz="2400" dirty="0" smtClean="0"/>
-              <a:t>Create course based or not based on a template</a:t>
-            </a:r>
-            <a:endParaRPr lang="en-US" sz="2400" b="1" dirty="0" smtClean="0">
-              <a:solidFill>
-                <a:srgbClr val="FF0000"/>
-              </a:solidFill>
-            </a:endParaRPr>
-          </a:p>
-          <a:p>
-            <a:pPr lvl="1"/>
-            <a:r>
-              <a:rPr lang="en-US" sz="2400" b="1" dirty="0" smtClean="0">
-                <a:solidFill>
-                  <a:srgbClr val="FF0000"/>
-                </a:solidFill>
-              </a:rPr>
-              <a:t>Manage criteria of that course</a:t>
-            </a:r>
-            <a:endParaRPr lang="en-US" sz="2400" b="1" dirty="0">
-              <a:solidFill>
-                <a:srgbClr val="FF0000"/>
-              </a:solidFill>
-            </a:endParaRPr>
-          </a:p>
-        </p:txBody>
-      </p:sp>
-    </p:spTree>
-    <p:extLst>
-      <p:ext uri="{BB962C8B-B14F-4D97-AF65-F5344CB8AC3E}">
-        <p14:creationId xmlns:p14="http://schemas.microsoft.com/office/powerpoint/2010/main" val="912738835"/>
-      </p:ext>
-    </p:extLst>
-  </p:cSld>
-  <p:clrMapOvr>
-    <a:masterClrMapping/>
-  </p:clrMapOvr>
-  <mc:AlternateContent xmlns:mc="http://schemas.openxmlformats.org/markup-compatibility/2006">
-    <mc:Choice xmlns:p14="http://schemas.microsoft.com/office/powerpoint/2010/main" Requires="p14">
-      <p:transition spd="slow" p14:dur="2000"/>
-    </mc:Choice>
-    <mc:Fallback>
-      <p:transition spd="slow"/>
-    </mc:Fallback>
-  </mc:AlternateContent>
-</p:sld>
-</file>
-
-<file path=ppt/slides/slide11.xml><?xml version="1.0" encoding="utf-8"?>
-<p:sld xmlns:a="http://schemas.openxmlformats.org/drawingml/2006/main" xmlns:r="http://schemas.openxmlformats.org/officeDocument/2006/relationships" xmlns:p="http://schemas.openxmlformats.org/presentationml/2006/main">
-  <p:cSld>
-    <p:spTree>
-      <p:nvGrpSpPr>
-        <p:cNvPr id="1" name=""/>
-        <p:cNvGrpSpPr/>
-        <p:nvPr/>
-      </p:nvGrpSpPr>
-      <p:grpSpPr>
-        <a:xfrm>
-          <a:off x="0" y="0"/>
-          <a:ext cx="0" cy="0"/>
-          <a:chOff x="0" y="0"/>
-          <a:chExt cx="0" cy="0"/>
-        </a:xfrm>
-      </p:grpSpPr>
-      <p:sp>
-        <p:nvSpPr>
-          <p:cNvPr id="2" name="Title 1"/>
-          <p:cNvSpPr>
-            <a:spLocks noGrp="1"/>
-          </p:cNvSpPr>
-          <p:nvPr>
-            <p:ph type="title"/>
-          </p:nvPr>
-        </p:nvSpPr>
-        <p:spPr>
-          <a:xfrm>
-            <a:off x="1069848" y="484632"/>
-            <a:ext cx="10058400" cy="724058"/>
-          </a:xfrm>
-        </p:spPr>
-        <p:txBody>
-          <a:bodyPr>
-            <a:normAutofit fontScale="90000"/>
-          </a:bodyPr>
-          <a:lstStyle/>
-          <a:p>
-            <a:r>
-              <a:rPr lang="en-US" dirty="0" smtClean="0"/>
-              <a:t>Introduction To our system</a:t>
-            </a:r>
-            <a:endParaRPr lang="en-US" dirty="0"/>
-          </a:p>
-        </p:txBody>
-      </p:sp>
-      <p:sp>
-        <p:nvSpPr>
-          <p:cNvPr id="3" name="Content Placeholder 2"/>
-          <p:cNvSpPr>
-            <a:spLocks noGrp="1"/>
-          </p:cNvSpPr>
-          <p:nvPr>
-            <p:ph idx="1"/>
-          </p:nvPr>
-        </p:nvSpPr>
-        <p:spPr>
-          <a:xfrm>
-            <a:off x="1069848" y="1839310"/>
-            <a:ext cx="10058400" cy="4332890"/>
-          </a:xfrm>
-        </p:spPr>
-        <p:txBody>
-          <a:bodyPr>
-            <a:noAutofit/>
-          </a:bodyPr>
-          <a:lstStyle/>
-          <a:p>
-            <a:r>
-              <a:rPr lang="en-US" sz="2800" dirty="0" smtClean="0"/>
-              <a:t>A grading system that allow you:</a:t>
-            </a:r>
-          </a:p>
-          <a:p>
-            <a:pPr lvl="1"/>
-            <a:r>
-              <a:rPr lang="en-US" sz="2400" dirty="0" smtClean="0"/>
-              <a:t>Create course based or not based on a template</a:t>
-            </a:r>
-          </a:p>
-          <a:p>
-            <a:pPr lvl="1"/>
-            <a:r>
-              <a:rPr lang="en-US" sz="2400" dirty="0" smtClean="0"/>
-              <a:t>Manage criteria of that course</a:t>
-            </a:r>
-            <a:endParaRPr lang="en-US" sz="2400" b="1" dirty="0" smtClean="0">
-              <a:solidFill>
-                <a:srgbClr val="FF0000"/>
-              </a:solidFill>
-            </a:endParaRPr>
-          </a:p>
-          <a:p>
-            <a:pPr lvl="1"/>
-            <a:r>
-              <a:rPr lang="en-US" sz="2400" b="1" dirty="0" smtClean="0">
-                <a:solidFill>
-                  <a:srgbClr val="FF0000"/>
-                </a:solidFill>
-              </a:rPr>
-              <a:t>Add and modify students</a:t>
-            </a:r>
-            <a:endParaRPr lang="en-US" sz="2400" b="1" dirty="0">
-              <a:solidFill>
-                <a:srgbClr val="FF0000"/>
-              </a:solidFill>
-            </a:endParaRPr>
-          </a:p>
-        </p:txBody>
-      </p:sp>
-    </p:spTree>
-    <p:extLst>
-      <p:ext uri="{BB962C8B-B14F-4D97-AF65-F5344CB8AC3E}">
-        <p14:creationId xmlns:p14="http://schemas.microsoft.com/office/powerpoint/2010/main" val="2030162457"/>
-      </p:ext>
-    </p:extLst>
-  </p:cSld>
-  <p:clrMapOvr>
-    <a:masterClrMapping/>
-  </p:clrMapOvr>
-  <mc:AlternateContent xmlns:mc="http://schemas.openxmlformats.org/markup-compatibility/2006">
-    <mc:Choice xmlns:p14="http://schemas.microsoft.com/office/powerpoint/2010/main" Requires="p14">
-      <p:transition spd="slow" p14:dur="2000"/>
-    </mc:Choice>
-    <mc:Fallback>
-      <p:transition spd="slow"/>
-    </mc:Fallback>
-  </mc:AlternateContent>
-</p:sld>
-</file>
-
-<file path=ppt/slides/slide12.xml><?xml version="1.0" encoding="utf-8"?>
-<p:sld xmlns:a="http://schemas.openxmlformats.org/drawingml/2006/main" xmlns:r="http://schemas.openxmlformats.org/officeDocument/2006/relationships" xmlns:p="http://schemas.openxmlformats.org/presentationml/2006/main">
-  <p:cSld>
-    <p:spTree>
-      <p:nvGrpSpPr>
-        <p:cNvPr id="1" name=""/>
-        <p:cNvGrpSpPr/>
-        <p:nvPr/>
-      </p:nvGrpSpPr>
-      <p:grpSpPr>
-        <a:xfrm>
-          <a:off x="0" y="0"/>
-          <a:ext cx="0" cy="0"/>
-          <a:chOff x="0" y="0"/>
-          <a:chExt cx="0" cy="0"/>
-        </a:xfrm>
-      </p:grpSpPr>
-      <p:sp>
-        <p:nvSpPr>
-          <p:cNvPr id="2" name="Title 1"/>
-          <p:cNvSpPr>
-            <a:spLocks noGrp="1"/>
-          </p:cNvSpPr>
-          <p:nvPr>
-            <p:ph type="title"/>
-          </p:nvPr>
-        </p:nvSpPr>
-        <p:spPr>
-          <a:xfrm>
-            <a:off x="1069848" y="484632"/>
-            <a:ext cx="10058400" cy="724058"/>
-          </a:xfrm>
-        </p:spPr>
-        <p:txBody>
-          <a:bodyPr>
-            <a:normAutofit fontScale="90000"/>
-          </a:bodyPr>
-          <a:lstStyle/>
-          <a:p>
-            <a:r>
-              <a:rPr lang="en-US" dirty="0" smtClean="0"/>
-              <a:t>Introduction To our system</a:t>
-            </a:r>
-            <a:endParaRPr lang="en-US" dirty="0"/>
-          </a:p>
-        </p:txBody>
-      </p:sp>
-      <p:sp>
-        <p:nvSpPr>
-          <p:cNvPr id="3" name="Content Placeholder 2"/>
-          <p:cNvSpPr>
-            <a:spLocks noGrp="1"/>
-          </p:cNvSpPr>
-          <p:nvPr>
-            <p:ph idx="1"/>
-          </p:nvPr>
-        </p:nvSpPr>
-        <p:spPr>
-          <a:xfrm>
-            <a:off x="1069848" y="1839310"/>
-            <a:ext cx="10058400" cy="4332890"/>
-          </a:xfrm>
-        </p:spPr>
-        <p:txBody>
-          <a:bodyPr>
-            <a:noAutofit/>
-          </a:bodyPr>
-          <a:lstStyle/>
-          <a:p>
-            <a:r>
-              <a:rPr lang="en-US" sz="2800" dirty="0" smtClean="0"/>
-              <a:t>A grading system that allow you:</a:t>
-            </a:r>
-          </a:p>
-          <a:p>
-            <a:pPr lvl="1"/>
-            <a:r>
-              <a:rPr lang="en-US" sz="2400" dirty="0" smtClean="0"/>
-              <a:t>Create course based or not based on a template</a:t>
-            </a:r>
-          </a:p>
-          <a:p>
-            <a:pPr lvl="1"/>
-            <a:r>
-              <a:rPr lang="en-US" sz="2400" dirty="0" smtClean="0"/>
-              <a:t>Manage criteria of that course</a:t>
-            </a:r>
-          </a:p>
-          <a:p>
-            <a:pPr lvl="1"/>
-            <a:r>
-              <a:rPr lang="en-US" sz="2400" dirty="0" smtClean="0"/>
-              <a:t>Add and modify students</a:t>
-            </a:r>
-            <a:endParaRPr lang="en-US" sz="2400" b="1" dirty="0" smtClean="0">
-              <a:solidFill>
-                <a:srgbClr val="FF0000"/>
-              </a:solidFill>
-            </a:endParaRPr>
-          </a:p>
-          <a:p>
-            <a:pPr lvl="1"/>
-            <a:r>
-              <a:rPr lang="en-US" sz="2400" b="1" dirty="0" smtClean="0">
-                <a:solidFill>
-                  <a:srgbClr val="FF0000"/>
-                </a:solidFill>
-              </a:rPr>
-              <a:t>Assign and modify assignments with single parts or multi parts</a:t>
-            </a:r>
-            <a:endParaRPr lang="en-US" sz="2400" b="1" dirty="0">
-              <a:solidFill>
-                <a:srgbClr val="FF0000"/>
-              </a:solidFill>
-            </a:endParaRPr>
-          </a:p>
-        </p:txBody>
-      </p:sp>
-    </p:spTree>
-    <p:extLst>
-      <p:ext uri="{BB962C8B-B14F-4D97-AF65-F5344CB8AC3E}">
-        <p14:creationId xmlns:p14="http://schemas.microsoft.com/office/powerpoint/2010/main" val="1651514588"/>
-      </p:ext>
-    </p:extLst>
-  </p:cSld>
-  <p:clrMapOvr>
-    <a:masterClrMapping/>
-  </p:clrMapOvr>
-  <mc:AlternateContent xmlns:mc="http://schemas.openxmlformats.org/markup-compatibility/2006">
-    <mc:Choice xmlns:p14="http://schemas.microsoft.com/office/powerpoint/2010/main" Requires="p14">
-      <p:transition spd="slow" p14:dur="2000"/>
-    </mc:Choice>
-    <mc:Fallback>
-      <p:transition spd="slow"/>
-    </mc:Fallback>
-  </mc:AlternateContent>
-</p:sld>
-</file>
-
-<file path=ppt/slides/slide13.xml><?xml version="1.0" encoding="utf-8"?>
-<p:sld xmlns:a="http://schemas.openxmlformats.org/drawingml/2006/main" xmlns:r="http://schemas.openxmlformats.org/officeDocument/2006/relationships" xmlns:p="http://schemas.openxmlformats.org/presentationml/2006/main">
-  <p:cSld>
-    <p:spTree>
-      <p:nvGrpSpPr>
-        <p:cNvPr id="1" name=""/>
-        <p:cNvGrpSpPr/>
-        <p:nvPr/>
-      </p:nvGrpSpPr>
-      <p:grpSpPr>
-        <a:xfrm>
-          <a:off x="0" y="0"/>
-          <a:ext cx="0" cy="0"/>
-          <a:chOff x="0" y="0"/>
-          <a:chExt cx="0" cy="0"/>
-        </a:xfrm>
-      </p:grpSpPr>
-      <p:sp>
-        <p:nvSpPr>
-          <p:cNvPr id="2" name="Title 1"/>
-          <p:cNvSpPr>
-            <a:spLocks noGrp="1"/>
-          </p:cNvSpPr>
-          <p:nvPr>
-            <p:ph type="title"/>
-          </p:nvPr>
-        </p:nvSpPr>
-        <p:spPr>
-          <a:xfrm>
-            <a:off x="1069848" y="484632"/>
-            <a:ext cx="10058400" cy="724058"/>
-          </a:xfrm>
-        </p:spPr>
-        <p:txBody>
-          <a:bodyPr>
-            <a:normAutofit fontScale="90000"/>
-          </a:bodyPr>
-          <a:lstStyle/>
-          <a:p>
-            <a:r>
-              <a:rPr lang="en-US" dirty="0" smtClean="0"/>
-              <a:t>Introduction To our system</a:t>
-            </a:r>
-            <a:endParaRPr lang="en-US" dirty="0"/>
-          </a:p>
-        </p:txBody>
-      </p:sp>
-      <p:sp>
-        <p:nvSpPr>
-          <p:cNvPr id="3" name="Content Placeholder 2"/>
-          <p:cNvSpPr>
-            <a:spLocks noGrp="1"/>
-          </p:cNvSpPr>
-          <p:nvPr>
-            <p:ph idx="1"/>
-          </p:nvPr>
-        </p:nvSpPr>
-        <p:spPr>
-          <a:xfrm>
-            <a:off x="1069848" y="1839310"/>
-            <a:ext cx="10058400" cy="4332890"/>
-          </a:xfrm>
-        </p:spPr>
-        <p:txBody>
-          <a:bodyPr>
-            <a:noAutofit/>
-          </a:bodyPr>
-          <a:lstStyle/>
-          <a:p>
-            <a:r>
-              <a:rPr lang="en-US" sz="2800" dirty="0" smtClean="0"/>
-              <a:t>A grading system that allow you:</a:t>
-            </a:r>
-          </a:p>
-          <a:p>
-            <a:pPr lvl="1"/>
-            <a:r>
-              <a:rPr lang="en-US" sz="2400" dirty="0" smtClean="0"/>
-              <a:t>Create course based or not based on a template</a:t>
-            </a:r>
-          </a:p>
-          <a:p>
-            <a:pPr lvl="1"/>
-            <a:r>
-              <a:rPr lang="en-US" sz="2400" dirty="0" smtClean="0"/>
-              <a:t>Manage criteria of that course</a:t>
-            </a:r>
-          </a:p>
-          <a:p>
-            <a:pPr lvl="1"/>
-            <a:r>
-              <a:rPr lang="en-US" sz="2400" dirty="0" smtClean="0"/>
-              <a:t>Add and modify students</a:t>
-            </a:r>
-          </a:p>
-          <a:p>
-            <a:pPr lvl="1"/>
-            <a:r>
-              <a:rPr lang="en-US" sz="2400" dirty="0" smtClean="0"/>
-              <a:t>Assign and modify assignments with single parts or multi parts</a:t>
-            </a:r>
-            <a:endParaRPr lang="en-US" sz="2400" b="1" dirty="0" smtClean="0">
-              <a:solidFill>
-                <a:srgbClr val="FF0000"/>
-              </a:solidFill>
-            </a:endParaRPr>
-          </a:p>
-          <a:p>
-            <a:pPr lvl="1"/>
-            <a:r>
-              <a:rPr lang="en-US" sz="2400" b="1" dirty="0" smtClean="0">
-                <a:solidFill>
-                  <a:srgbClr val="FF0000"/>
-                </a:solidFill>
-              </a:rPr>
-              <a:t>Give grade to assignments</a:t>
-            </a:r>
-            <a:endParaRPr lang="en-US" sz="2400" b="1" dirty="0">
-              <a:solidFill>
-                <a:srgbClr val="FF0000"/>
-              </a:solidFill>
-            </a:endParaRPr>
-          </a:p>
-        </p:txBody>
-      </p:sp>
-    </p:spTree>
-    <p:extLst>
-      <p:ext uri="{BB962C8B-B14F-4D97-AF65-F5344CB8AC3E}">
-        <p14:creationId xmlns:p14="http://schemas.microsoft.com/office/powerpoint/2010/main" val="1719105604"/>
-      </p:ext>
-    </p:extLst>
-  </p:cSld>
-  <p:clrMapOvr>
-    <a:masterClrMapping/>
-  </p:clrMapOvr>
-  <mc:AlternateContent xmlns:mc="http://schemas.openxmlformats.org/markup-compatibility/2006">
-    <mc:Choice xmlns:p14="http://schemas.microsoft.com/office/powerpoint/2010/main" Requires="p14">
-      <p:transition spd="slow" p14:dur="2000"/>
-    </mc:Choice>
-    <mc:Fallback>
-      <p:transition spd="slow"/>
-    </mc:Fallback>
-  </mc:AlternateContent>
-</p:sld>
-</file>
-
-<file path=ppt/slides/slide14.xml><?xml version="1.0" encoding="utf-8"?>
-<p:sld xmlns:a="http://schemas.openxmlformats.org/drawingml/2006/main" xmlns:r="http://schemas.openxmlformats.org/officeDocument/2006/relationships" xmlns:p="http://schemas.openxmlformats.org/presentationml/2006/main">
-  <p:cSld>
-    <p:spTree>
-      <p:nvGrpSpPr>
-        <p:cNvPr id="1" name=""/>
-        <p:cNvGrpSpPr/>
-        <p:nvPr/>
-      </p:nvGrpSpPr>
-      <p:grpSpPr>
-        <a:xfrm>
-          <a:off x="0" y="0"/>
-          <a:ext cx="0" cy="0"/>
-          <a:chOff x="0" y="0"/>
-          <a:chExt cx="0" cy="0"/>
-        </a:xfrm>
-      </p:grpSpPr>
-      <p:sp>
-        <p:nvSpPr>
-          <p:cNvPr id="2" name="Title 1"/>
-          <p:cNvSpPr>
-            <a:spLocks noGrp="1"/>
-          </p:cNvSpPr>
-          <p:nvPr>
-            <p:ph type="title"/>
-          </p:nvPr>
-        </p:nvSpPr>
-        <p:spPr>
-          <a:xfrm>
-            <a:off x="1069848" y="484632"/>
-            <a:ext cx="10058400" cy="724058"/>
-          </a:xfrm>
-        </p:spPr>
-        <p:txBody>
-          <a:bodyPr>
-            <a:normAutofit fontScale="90000"/>
-          </a:bodyPr>
-          <a:lstStyle/>
-          <a:p>
-            <a:r>
-              <a:rPr lang="en-US" dirty="0" smtClean="0"/>
-              <a:t>Introduction To our system</a:t>
-            </a:r>
-            <a:endParaRPr lang="en-US" dirty="0"/>
-          </a:p>
-        </p:txBody>
-      </p:sp>
-      <p:sp>
-        <p:nvSpPr>
-          <p:cNvPr id="3" name="Content Placeholder 2"/>
-          <p:cNvSpPr>
-            <a:spLocks noGrp="1"/>
-          </p:cNvSpPr>
-          <p:nvPr>
-            <p:ph idx="1"/>
-          </p:nvPr>
-        </p:nvSpPr>
-        <p:spPr>
-          <a:xfrm>
-            <a:off x="1069848" y="1839310"/>
-            <a:ext cx="10058400" cy="4332890"/>
-          </a:xfrm>
-        </p:spPr>
-        <p:txBody>
-          <a:bodyPr>
-            <a:noAutofit/>
-          </a:bodyPr>
-          <a:lstStyle/>
-          <a:p>
-            <a:r>
-              <a:rPr lang="en-US" sz="2800" dirty="0" smtClean="0"/>
-              <a:t>A grading system that allow you:</a:t>
-            </a:r>
-          </a:p>
-          <a:p>
-            <a:pPr lvl="1"/>
-            <a:r>
-              <a:rPr lang="en-US" sz="2400" dirty="0" smtClean="0"/>
-              <a:t>Create course based or not based on a template</a:t>
-            </a:r>
-          </a:p>
-          <a:p>
-            <a:pPr lvl="1"/>
-            <a:r>
-              <a:rPr lang="en-US" sz="2400" dirty="0" smtClean="0"/>
-              <a:t>Manage criteria of that course</a:t>
-            </a:r>
-          </a:p>
-          <a:p>
-            <a:pPr lvl="1"/>
-            <a:r>
-              <a:rPr lang="en-US" sz="2400" dirty="0" smtClean="0"/>
-              <a:t>Add and modify students</a:t>
-            </a:r>
-          </a:p>
-          <a:p>
-            <a:pPr lvl="1"/>
-            <a:r>
-              <a:rPr lang="en-US" sz="2400" dirty="0" smtClean="0"/>
-              <a:t>Assign and modify assignments with single parts or multi parts</a:t>
-            </a:r>
-          </a:p>
-          <a:p>
-            <a:pPr lvl="1"/>
-            <a:r>
-              <a:rPr lang="en-US" sz="2400" dirty="0" smtClean="0"/>
-              <a:t>Give grade to assignments</a:t>
-            </a:r>
-            <a:endParaRPr lang="en-US" sz="2400" b="1" dirty="0" smtClean="0">
-              <a:solidFill>
-                <a:srgbClr val="FF0000"/>
-              </a:solidFill>
-            </a:endParaRPr>
-          </a:p>
-          <a:p>
-            <a:pPr lvl="1"/>
-            <a:r>
-              <a:rPr lang="en-US" sz="2400" b="1" dirty="0" smtClean="0">
-                <a:solidFill>
-                  <a:srgbClr val="FF0000"/>
-                </a:solidFill>
-              </a:rPr>
-              <a:t>Get statistical number in a flexible way</a:t>
-            </a:r>
-            <a:endParaRPr lang="en-US" sz="2400" b="1" dirty="0">
-              <a:solidFill>
-                <a:srgbClr val="FF0000"/>
-              </a:solidFill>
-            </a:endParaRPr>
-          </a:p>
-        </p:txBody>
-      </p:sp>
-    </p:spTree>
-    <p:extLst>
-      <p:ext uri="{BB962C8B-B14F-4D97-AF65-F5344CB8AC3E}">
-        <p14:creationId xmlns:p14="http://schemas.microsoft.com/office/powerpoint/2010/main" val="1395490368"/>
-      </p:ext>
-    </p:extLst>
-  </p:cSld>
-  <p:clrMapOvr>
-    <a:masterClrMapping/>
-  </p:clrMapOvr>
-  <mc:AlternateContent xmlns:mc="http://schemas.openxmlformats.org/markup-compatibility/2006">
-    <mc:Choice xmlns:p14="http://schemas.microsoft.com/office/powerpoint/2010/main" Requires="p14">
-      <p:transition spd="slow" p14:dur="2000"/>
-    </mc:Choice>
-    <mc:Fallback>
-      <p:transition spd="slow"/>
-    </mc:Fallback>
-  </mc:AlternateContent>
-</p:sld>
-</file>
-
-<file path=ppt/slides/slide15.xml><?xml version="1.0" encoding="utf-8"?>
-<p:sld xmlns:a="http://schemas.openxmlformats.org/drawingml/2006/main" xmlns:r="http://schemas.openxmlformats.org/officeDocument/2006/relationships" xmlns:p="http://schemas.openxmlformats.org/presentationml/2006/main">
-  <p:cSld>
-    <p:spTree>
-      <p:nvGrpSpPr>
-        <p:cNvPr id="1" name=""/>
-        <p:cNvGrpSpPr/>
-        <p:nvPr/>
-      </p:nvGrpSpPr>
-      <p:grpSpPr>
-        <a:xfrm>
-          <a:off x="0" y="0"/>
-          <a:ext cx="0" cy="0"/>
-          <a:chOff x="0" y="0"/>
-          <a:chExt cx="0" cy="0"/>
-        </a:xfrm>
-      </p:grpSpPr>
-      <p:sp>
-        <p:nvSpPr>
-          <p:cNvPr id="2" name="Title 1"/>
-          <p:cNvSpPr>
-            <a:spLocks noGrp="1"/>
-          </p:cNvSpPr>
-          <p:nvPr>
-            <p:ph type="title"/>
-          </p:nvPr>
-        </p:nvSpPr>
-        <p:spPr>
-          <a:xfrm>
-            <a:off x="1069848" y="484632"/>
-            <a:ext cx="10058400" cy="724058"/>
-          </a:xfrm>
-        </p:spPr>
-        <p:txBody>
-          <a:bodyPr>
-            <a:normAutofit fontScale="90000"/>
-          </a:bodyPr>
-          <a:lstStyle/>
-          <a:p>
-            <a:r>
-              <a:rPr lang="en-US" dirty="0" smtClean="0"/>
-              <a:t>Introduction To our system</a:t>
-            </a:r>
-            <a:endParaRPr lang="en-US" dirty="0"/>
-          </a:p>
-        </p:txBody>
-      </p:sp>
-      <p:sp>
-        <p:nvSpPr>
-          <p:cNvPr id="3" name="Content Placeholder 2"/>
-          <p:cNvSpPr>
-            <a:spLocks noGrp="1"/>
-          </p:cNvSpPr>
-          <p:nvPr>
-            <p:ph idx="1"/>
-          </p:nvPr>
-        </p:nvSpPr>
-        <p:spPr>
-          <a:xfrm>
-            <a:off x="1069848" y="1839310"/>
-            <a:ext cx="10058400" cy="4332890"/>
-          </a:xfrm>
-        </p:spPr>
-        <p:txBody>
-          <a:bodyPr>
-            <a:noAutofit/>
-          </a:bodyPr>
-          <a:lstStyle/>
-          <a:p>
-            <a:r>
-              <a:rPr lang="en-US" sz="2800" dirty="0" smtClean="0"/>
-              <a:t>A grading system that allow you:</a:t>
-            </a:r>
-          </a:p>
-          <a:p>
-            <a:pPr lvl="1"/>
-            <a:r>
-              <a:rPr lang="en-US" sz="2400" dirty="0" smtClean="0"/>
-              <a:t>Create course based or not based on a template</a:t>
-            </a:r>
-          </a:p>
-          <a:p>
-            <a:pPr lvl="1"/>
-            <a:r>
-              <a:rPr lang="en-US" sz="2400" dirty="0" smtClean="0"/>
-              <a:t>Manage criteria of that course</a:t>
-            </a:r>
-          </a:p>
-          <a:p>
-            <a:pPr lvl="1"/>
-            <a:r>
-              <a:rPr lang="en-US" sz="2400" dirty="0" smtClean="0"/>
-              <a:t>Add and modify students</a:t>
-            </a:r>
-          </a:p>
-          <a:p>
-            <a:pPr lvl="1"/>
-            <a:r>
-              <a:rPr lang="en-US" sz="2400" dirty="0" smtClean="0"/>
-              <a:t>Assign and modify assignments with single parts or multi parts</a:t>
-            </a:r>
-          </a:p>
-          <a:p>
-            <a:pPr lvl="1"/>
-            <a:r>
-              <a:rPr lang="en-US" sz="2400" dirty="0" smtClean="0"/>
-              <a:t>Give grade to assignments</a:t>
-            </a:r>
-          </a:p>
-          <a:p>
-            <a:pPr lvl="1"/>
-            <a:r>
-              <a:rPr lang="en-US" sz="2400" dirty="0" smtClean="0"/>
-              <a:t>Get statistical number in a flexible way</a:t>
-            </a:r>
-            <a:endParaRPr lang="en-US" sz="2400" b="1" dirty="0" smtClean="0">
-              <a:solidFill>
-                <a:srgbClr val="FF0000"/>
-              </a:solidFill>
-            </a:endParaRPr>
-          </a:p>
-          <a:p>
-            <a:pPr lvl="1"/>
-            <a:r>
-              <a:rPr lang="en-US" sz="2400" b="1" dirty="0" smtClean="0">
-                <a:solidFill>
-                  <a:srgbClr val="FF0000"/>
-                </a:solidFill>
-              </a:rPr>
-              <a:t>Give final grade and export csv file</a:t>
-            </a:r>
-            <a:endParaRPr lang="en-US" sz="2400" b="1" dirty="0">
-              <a:solidFill>
-                <a:srgbClr val="FF0000"/>
-              </a:solidFill>
-            </a:endParaRPr>
-          </a:p>
-        </p:txBody>
-      </p:sp>
-    </p:spTree>
-    <p:extLst>
-      <p:ext uri="{BB962C8B-B14F-4D97-AF65-F5344CB8AC3E}">
-        <p14:creationId xmlns:p14="http://schemas.microsoft.com/office/powerpoint/2010/main" val="918928916"/>
-      </p:ext>
-    </p:extLst>
-  </p:cSld>
-  <p:clrMapOvr>
-    <a:masterClrMapping/>
-  </p:clrMapOvr>
-  <mc:AlternateContent xmlns:mc="http://schemas.openxmlformats.org/markup-compatibility/2006">
-    <mc:Choice xmlns:p14="http://schemas.microsoft.com/office/powerpoint/2010/main" Requires="p14">
-      <p:transition spd="slow" p14:dur="2000"/>
-    </mc:Choice>
-    <mc:Fallback>
-      <p:transition spd="slow"/>
-    </mc:Fallback>
-  </mc:AlternateContent>
-</p:sld>
-</file>
-
-<file path=ppt/slides/slide16.xml><?xml version="1.0" encoding="utf-8"?>
-<p:sld xmlns:a="http://schemas.openxmlformats.org/drawingml/2006/main" xmlns:r="http://schemas.openxmlformats.org/officeDocument/2006/relationships" xmlns:p="http://schemas.openxmlformats.org/presentationml/2006/main">
-  <p:cSld>
-    <p:spTree>
-      <p:nvGrpSpPr>
-        <p:cNvPr id="1" name=""/>
-        <p:cNvGrpSpPr/>
-        <p:nvPr/>
-      </p:nvGrpSpPr>
-      <p:grpSpPr>
-        <a:xfrm>
-          <a:off x="0" y="0"/>
-          <a:ext cx="0" cy="0"/>
-          <a:chOff x="0" y="0"/>
-          <a:chExt cx="0" cy="0"/>
-        </a:xfrm>
-      </p:grpSpPr>
-      <p:sp>
-        <p:nvSpPr>
-          <p:cNvPr id="2" name="Title 1"/>
-          <p:cNvSpPr>
-            <a:spLocks noGrp="1"/>
-          </p:cNvSpPr>
-          <p:nvPr>
-            <p:ph type="title"/>
-          </p:nvPr>
-        </p:nvSpPr>
-        <p:spPr>
-          <a:xfrm>
-            <a:off x="1069848" y="484632"/>
-            <a:ext cx="10058400" cy="724058"/>
-          </a:xfrm>
-        </p:spPr>
-        <p:txBody>
-          <a:bodyPr>
-            <a:normAutofit fontScale="90000"/>
-          </a:bodyPr>
-          <a:lstStyle/>
-          <a:p>
-            <a:r>
-              <a:rPr lang="en-US" dirty="0" smtClean="0"/>
-              <a:t>Introduction To our system</a:t>
-            </a:r>
-            <a:endParaRPr lang="en-US" dirty="0"/>
-          </a:p>
-        </p:txBody>
-      </p:sp>
-      <p:sp>
-        <p:nvSpPr>
-          <p:cNvPr id="3" name="Content Placeholder 2"/>
-          <p:cNvSpPr>
-            <a:spLocks noGrp="1"/>
-          </p:cNvSpPr>
-          <p:nvPr>
-            <p:ph idx="1"/>
-          </p:nvPr>
-        </p:nvSpPr>
-        <p:spPr>
-          <a:xfrm>
-            <a:off x="1069848" y="1839310"/>
-            <a:ext cx="10058400" cy="4332890"/>
-          </a:xfrm>
-        </p:spPr>
-        <p:txBody>
-          <a:bodyPr>
-            <a:noAutofit/>
-          </a:bodyPr>
-          <a:lstStyle/>
-          <a:p>
-            <a:r>
-              <a:rPr lang="en-US" sz="2800" dirty="0" smtClean="0"/>
-              <a:t>A grading system that allow you:</a:t>
-            </a:r>
-          </a:p>
-          <a:p>
-            <a:pPr lvl="1"/>
-            <a:r>
-              <a:rPr lang="en-US" sz="2400" dirty="0" smtClean="0"/>
-              <a:t>Create course based or not based on a template</a:t>
-            </a:r>
-          </a:p>
-          <a:p>
-            <a:pPr lvl="1"/>
-            <a:r>
-              <a:rPr lang="en-US" sz="2400" dirty="0" smtClean="0"/>
-              <a:t>Manage criteria of that course</a:t>
-            </a:r>
-          </a:p>
-          <a:p>
-            <a:pPr lvl="1"/>
-            <a:r>
-              <a:rPr lang="en-US" sz="2400" dirty="0" smtClean="0"/>
-              <a:t>Add and modify students</a:t>
-            </a:r>
-          </a:p>
-          <a:p>
-            <a:pPr lvl="1"/>
-            <a:r>
-              <a:rPr lang="en-US" sz="2400" dirty="0" smtClean="0"/>
-              <a:t>Assign and modify assignments with single parts or multi parts</a:t>
-            </a:r>
-          </a:p>
-          <a:p>
-            <a:pPr lvl="1"/>
-            <a:r>
-              <a:rPr lang="en-US" sz="2400" dirty="0" smtClean="0"/>
-              <a:t>Give grade to assignments</a:t>
-            </a:r>
-          </a:p>
-          <a:p>
-            <a:pPr lvl="1"/>
-            <a:r>
-              <a:rPr lang="en-US" sz="2400" dirty="0" smtClean="0"/>
-              <a:t>Get statistical number in a flexible way</a:t>
-            </a:r>
-          </a:p>
-          <a:p>
-            <a:pPr lvl="1"/>
-            <a:r>
-              <a:rPr lang="en-US" sz="2400" dirty="0" smtClean="0"/>
-              <a:t>Give final grade and export csv file</a:t>
-            </a:r>
-          </a:p>
-          <a:p>
-            <a:pPr lvl="1"/>
-            <a:r>
-              <a:rPr lang="en-US" sz="2400" b="1" dirty="0" smtClean="0">
-                <a:solidFill>
-                  <a:srgbClr val="FF0000"/>
-                </a:solidFill>
-              </a:rPr>
-              <a:t>Archive a course but still can view and modify the grade.</a:t>
-            </a:r>
-          </a:p>
-          <a:p>
-            <a:pPr lvl="1"/>
-            <a:endParaRPr lang="en-US" sz="2400" dirty="0"/>
-          </a:p>
-        </p:txBody>
-      </p:sp>
-    </p:spTree>
-    <p:extLst>
-      <p:ext uri="{BB962C8B-B14F-4D97-AF65-F5344CB8AC3E}">
-        <p14:creationId xmlns:p14="http://schemas.microsoft.com/office/powerpoint/2010/main" val="1424271323"/>
-      </p:ext>
-    </p:extLst>
-  </p:cSld>
-  <p:clrMapOvr>
-    <a:masterClrMapping/>
-  </p:clrMapOvr>
-  <mc:AlternateContent xmlns:mc="http://schemas.openxmlformats.org/markup-compatibility/2006">
-    <mc:Choice xmlns:p14="http://schemas.microsoft.com/office/powerpoint/2010/main" Requires="p14">
-      <p:transition spd="slow" p14:dur="2000"/>
-    </mc:Choice>
-    <mc:Fallback>
-      <p:transition spd="slow"/>
-    </mc:Fallback>
-  </mc:AlternateContent>
-</p:sld>
-</file>
-
-<file path=ppt/slides/slide17.xml><?xml version="1.0" encoding="utf-8"?>
-<p:sld xmlns:a="http://schemas.openxmlformats.org/drawingml/2006/main" xmlns:r="http://schemas.openxmlformats.org/officeDocument/2006/relationships" xmlns:p="http://schemas.openxmlformats.org/presentationml/2006/main">
-  <p:cSld>
-    <p:spTree>
-      <p:nvGrpSpPr>
-        <p:cNvPr id="1" name=""/>
-        <p:cNvGrpSpPr/>
-        <p:nvPr/>
-      </p:nvGrpSpPr>
-      <p:grpSpPr>
-        <a:xfrm>
-          <a:off x="0" y="0"/>
-          <a:ext cx="0" cy="0"/>
-          <a:chOff x="0" y="0"/>
-          <a:chExt cx="0" cy="0"/>
-        </a:xfrm>
-      </p:grpSpPr>
-      <p:sp>
-        <p:nvSpPr>
-          <p:cNvPr id="2" name="Title 1"/>
-          <p:cNvSpPr>
-            <a:spLocks noGrp="1"/>
-          </p:cNvSpPr>
-          <p:nvPr>
-            <p:ph type="title"/>
-          </p:nvPr>
-        </p:nvSpPr>
-        <p:spPr>
-          <a:xfrm>
-            <a:off x="1069848" y="484632"/>
-            <a:ext cx="10058400" cy="724058"/>
-          </a:xfrm>
-        </p:spPr>
-        <p:txBody>
-          <a:bodyPr>
-            <a:normAutofit fontScale="90000"/>
-          </a:bodyPr>
-          <a:lstStyle/>
-          <a:p>
-            <a:r>
-              <a:rPr lang="en-US" dirty="0" smtClean="0"/>
-              <a:t>Highlighted features</a:t>
-            </a:r>
-            <a:endParaRPr lang="en-US" dirty="0"/>
-          </a:p>
-        </p:txBody>
-      </p:sp>
-      <p:sp>
-        <p:nvSpPr>
-          <p:cNvPr id="3" name="Content Placeholder 2"/>
-          <p:cNvSpPr>
-            <a:spLocks noGrp="1"/>
-          </p:cNvSpPr>
-          <p:nvPr>
-            <p:ph idx="1"/>
-          </p:nvPr>
-        </p:nvSpPr>
-        <p:spPr>
-          <a:xfrm>
-            <a:off x="1069848" y="1460939"/>
-            <a:ext cx="9766318" cy="1061544"/>
-          </a:xfrm>
-        </p:spPr>
-        <p:txBody>
-          <a:bodyPr>
-            <a:normAutofit/>
-          </a:bodyPr>
-          <a:lstStyle/>
-          <a:p>
-            <a:r>
-              <a:rPr lang="en-US" sz="3200" dirty="0" smtClean="0"/>
-              <a:t>Highlight the student row when give grade to that student.</a:t>
-            </a:r>
-          </a:p>
-        </p:txBody>
-      </p:sp>
-      <p:pic>
-        <p:nvPicPr>
-          <p:cNvPr id="5" name="Picture 4"/>
-          <p:cNvPicPr>
-            <a:picLocks noChangeAspect="1"/>
-          </p:cNvPicPr>
-          <p:nvPr/>
-        </p:nvPicPr>
-        <p:blipFill>
-          <a:blip r:embed="rId2"/>
-          <a:stretch>
-            <a:fillRect/>
-          </a:stretch>
-        </p:blipFill>
-        <p:spPr>
-          <a:xfrm>
-            <a:off x="659539" y="2774732"/>
-            <a:ext cx="10583335" cy="3086806"/>
-          </a:xfrm>
-          <a:prstGeom prst="rect">
-            <a:avLst/>
-          </a:prstGeom>
-        </p:spPr>
-      </p:pic>
-    </p:spTree>
-    <p:extLst>
-      <p:ext uri="{BB962C8B-B14F-4D97-AF65-F5344CB8AC3E}">
-        <p14:creationId xmlns:p14="http://schemas.microsoft.com/office/powerpoint/2010/main" val="280894893"/>
-      </p:ext>
-    </p:extLst>
-  </p:cSld>
-  <p:clrMapOvr>
-    <a:masterClrMapping/>
-  </p:clrMapOvr>
-  <mc:AlternateContent xmlns:mc="http://schemas.openxmlformats.org/markup-compatibility/2006">
-    <mc:Choice xmlns:p14="http://schemas.microsoft.com/office/powerpoint/2010/main" Requires="p14">
-      <p:transition spd="slow" p14:dur="2000"/>
-    </mc:Choice>
-    <mc:Fallback>
-      <p:transition spd="slow"/>
-    </mc:Fallback>
-  </mc:AlternateContent>
-</p:sld>
-</file>
-
-<file path=ppt/slides/slide18.xml><?xml version="1.0" encoding="utf-8"?>
-<p:sld xmlns:a="http://schemas.openxmlformats.org/drawingml/2006/main" xmlns:r="http://schemas.openxmlformats.org/officeDocument/2006/relationships" xmlns:p="http://schemas.openxmlformats.org/presentationml/2006/main">
-  <p:cSld>
-    <p:spTree>
-      <p:nvGrpSpPr>
-        <p:cNvPr id="1" name=""/>
-        <p:cNvGrpSpPr/>
-        <p:nvPr/>
-      </p:nvGrpSpPr>
-      <p:grpSpPr>
-        <a:xfrm>
-          <a:off x="0" y="0"/>
-          <a:ext cx="0" cy="0"/>
-          <a:chOff x="0" y="0"/>
-          <a:chExt cx="0" cy="0"/>
-        </a:xfrm>
-      </p:grpSpPr>
-      <p:sp>
-        <p:nvSpPr>
-          <p:cNvPr id="2" name="Title 1"/>
-          <p:cNvSpPr>
-            <a:spLocks noGrp="1"/>
-          </p:cNvSpPr>
-          <p:nvPr>
-            <p:ph type="title"/>
-          </p:nvPr>
-        </p:nvSpPr>
-        <p:spPr>
-          <a:xfrm>
-            <a:off x="1069848" y="484632"/>
-            <a:ext cx="10058400" cy="724058"/>
-          </a:xfrm>
-        </p:spPr>
-        <p:txBody>
-          <a:bodyPr>
-            <a:normAutofit fontScale="90000"/>
-          </a:bodyPr>
-          <a:lstStyle/>
-          <a:p>
-            <a:r>
-              <a:rPr lang="en-US" dirty="0" smtClean="0"/>
-              <a:t>Highlighted features</a:t>
-            </a:r>
-            <a:endParaRPr lang="en-US" dirty="0"/>
-          </a:p>
-        </p:txBody>
-      </p:sp>
-      <p:sp>
-        <p:nvSpPr>
-          <p:cNvPr id="3" name="Content Placeholder 2"/>
-          <p:cNvSpPr>
-            <a:spLocks noGrp="1"/>
-          </p:cNvSpPr>
-          <p:nvPr>
-            <p:ph idx="1"/>
-          </p:nvPr>
-        </p:nvSpPr>
-        <p:spPr>
-          <a:xfrm>
-            <a:off x="1069848" y="1366345"/>
-            <a:ext cx="9955504" cy="1008992"/>
-          </a:xfrm>
-        </p:spPr>
-        <p:txBody>
-          <a:bodyPr>
-            <a:normAutofit/>
-          </a:bodyPr>
-          <a:lstStyle/>
-          <a:p>
-            <a:r>
-              <a:rPr lang="en-US" sz="3200" dirty="0" smtClean="0"/>
-              <a:t>Can </a:t>
-            </a:r>
-            <a:r>
-              <a:rPr lang="en-US" sz="3200" dirty="0"/>
-              <a:t>deselect students who are not account for the statistical number</a:t>
-            </a:r>
-            <a:r>
-              <a:rPr lang="en-US" sz="3200" dirty="0" smtClean="0"/>
-              <a:t>.</a:t>
-            </a:r>
-          </a:p>
-        </p:txBody>
-      </p:sp>
-      <p:pic>
-        <p:nvPicPr>
-          <p:cNvPr id="5" name="Picture 4"/>
-          <p:cNvPicPr>
-            <a:picLocks noChangeAspect="1"/>
-          </p:cNvPicPr>
-          <p:nvPr/>
-        </p:nvPicPr>
-        <p:blipFill>
-          <a:blip r:embed="rId2"/>
-          <a:stretch>
-            <a:fillRect/>
-          </a:stretch>
-        </p:blipFill>
-        <p:spPr>
-          <a:xfrm>
-            <a:off x="1907838" y="2375337"/>
-            <a:ext cx="8285078" cy="4482663"/>
-          </a:xfrm>
-          <a:prstGeom prst="rect">
-            <a:avLst/>
-          </a:prstGeom>
-        </p:spPr>
-      </p:pic>
-    </p:spTree>
-    <p:extLst>
-      <p:ext uri="{BB962C8B-B14F-4D97-AF65-F5344CB8AC3E}">
-        <p14:creationId xmlns:p14="http://schemas.microsoft.com/office/powerpoint/2010/main" val="881911175"/>
-      </p:ext>
-    </p:extLst>
-  </p:cSld>
-  <p:clrMapOvr>
-    <a:masterClrMapping/>
-  </p:clrMapOvr>
-  <mc:AlternateContent xmlns:mc="http://schemas.openxmlformats.org/markup-compatibility/2006">
-    <mc:Choice xmlns:p14="http://schemas.microsoft.com/office/powerpoint/2010/main" Requires="p14">
-      <p:transition spd="slow" p14:dur="2000"/>
-    </mc:Choice>
-    <mc:Fallback>
-      <p:transition spd="slow"/>
-    </mc:Fallback>
-  </mc:AlternateContent>
-</p:sld>
-</file>
-
-<file path=ppt/slides/slide19.xml><?xml version="1.0" encoding="utf-8"?>
-<p:sld xmlns:a="http://schemas.openxmlformats.org/drawingml/2006/main" xmlns:r="http://schemas.openxmlformats.org/officeDocument/2006/relationships" xmlns:p="http://schemas.openxmlformats.org/presentationml/2006/main">
-  <p:cSld>
-    <p:spTree>
-      <p:nvGrpSpPr>
-        <p:cNvPr id="1" name=""/>
-        <p:cNvGrpSpPr/>
-        <p:nvPr/>
-      </p:nvGrpSpPr>
-      <p:grpSpPr>
-        <a:xfrm>
-          <a:off x="0" y="0"/>
-          <a:ext cx="0" cy="0"/>
-          <a:chOff x="0" y="0"/>
-          <a:chExt cx="0" cy="0"/>
-        </a:xfrm>
-      </p:grpSpPr>
-      <p:sp>
-        <p:nvSpPr>
-          <p:cNvPr id="2" name="Title 1"/>
-          <p:cNvSpPr>
-            <a:spLocks noGrp="1"/>
-          </p:cNvSpPr>
-          <p:nvPr>
-            <p:ph type="title"/>
-          </p:nvPr>
-        </p:nvSpPr>
-        <p:spPr>
-          <a:xfrm>
-            <a:off x="1069848" y="484632"/>
-            <a:ext cx="10058400" cy="724058"/>
-          </a:xfrm>
-        </p:spPr>
-        <p:txBody>
-          <a:bodyPr>
-            <a:normAutofit fontScale="90000"/>
-          </a:bodyPr>
-          <a:lstStyle/>
-          <a:p>
-            <a:r>
-              <a:rPr lang="en-US" dirty="0" smtClean="0"/>
-              <a:t>Highlighted features</a:t>
-            </a:r>
-            <a:endParaRPr lang="en-US" dirty="0"/>
-          </a:p>
-        </p:txBody>
-      </p:sp>
-      <p:sp>
-        <p:nvSpPr>
-          <p:cNvPr id="3" name="Content Placeholder 2"/>
-          <p:cNvSpPr>
-            <a:spLocks noGrp="1"/>
-          </p:cNvSpPr>
-          <p:nvPr>
-            <p:ph idx="1"/>
-          </p:nvPr>
-        </p:nvSpPr>
-        <p:spPr>
-          <a:xfrm>
-            <a:off x="996276" y="1376856"/>
-            <a:ext cx="9976524" cy="609600"/>
-          </a:xfrm>
-        </p:spPr>
-        <p:txBody>
-          <a:bodyPr>
-            <a:normAutofit/>
-          </a:bodyPr>
-          <a:lstStyle/>
-          <a:p>
-            <a:r>
-              <a:rPr lang="en-US" sz="3200" dirty="0" smtClean="0"/>
-              <a:t>Creating courses based on a template.</a:t>
-            </a:r>
-          </a:p>
-        </p:txBody>
-      </p:sp>
-      <p:pic>
-        <p:nvPicPr>
-          <p:cNvPr id="4" name="Picture 3"/>
-          <p:cNvPicPr>
-            <a:picLocks noChangeAspect="1"/>
-          </p:cNvPicPr>
-          <p:nvPr/>
-        </p:nvPicPr>
-        <p:blipFill>
-          <a:blip r:embed="rId2"/>
-          <a:stretch>
-            <a:fillRect/>
-          </a:stretch>
-        </p:blipFill>
-        <p:spPr>
-          <a:xfrm>
-            <a:off x="2365248" y="2154622"/>
-            <a:ext cx="7467600" cy="3695700"/>
-          </a:xfrm>
-          <a:prstGeom prst="rect">
-            <a:avLst/>
-          </a:prstGeom>
-        </p:spPr>
-      </p:pic>
-    </p:spTree>
-    <p:extLst>
-      <p:ext uri="{BB962C8B-B14F-4D97-AF65-F5344CB8AC3E}">
-        <p14:creationId xmlns:p14="http://schemas.microsoft.com/office/powerpoint/2010/main" val="64776007"/>
-      </p:ext>
-    </p:extLst>
-  </p:cSld>
-  <p:clrMapOvr>
-    <a:masterClrMapping/>
-  </p:clrMapOvr>
-  <mc:AlternateContent xmlns:mc="http://schemas.openxmlformats.org/markup-compatibility/2006">
-    <mc:Choice xmlns:p14="http://schemas.microsoft.com/office/powerpoint/2010/main" Requires="p14">
-      <p:transition spd="slow" p14:dur="2000"/>
-    </mc:Choice>
-    <mc:Fallback>
-      <p:transition spd="slow"/>
-    </mc:Fallback>
-  </mc:AlternateContent>
-</p:sld>
-</file>
-
-<file path=ppt/slides/slide2.xml><?xml version="1.0" encoding="utf-8"?>
-<p:sld xmlns:a="http://schemas.openxmlformats.org/drawingml/2006/main" xmlns:r="http://schemas.openxmlformats.org/officeDocument/2006/relationships" xmlns:p="http://schemas.openxmlformats.org/presentationml/2006/main">
-  <p:cSld>
-    <p:spTree>
-      <p:nvGrpSpPr>
-        <p:cNvPr id="1" name=""/>
-        <p:cNvGrpSpPr/>
-        <p:nvPr/>
-      </p:nvGrpSpPr>
-      <p:grpSpPr>
-        <a:xfrm>
-          <a:off x="0" y="0"/>
-          <a:ext cx="0" cy="0"/>
-          <a:chOff x="0" y="0"/>
-          <a:chExt cx="0" cy="0"/>
-        </a:xfrm>
-      </p:grpSpPr>
-      <p:sp>
-        <p:nvSpPr>
-          <p:cNvPr id="2" name="Title 1"/>
-          <p:cNvSpPr>
-            <a:spLocks noGrp="1"/>
-          </p:cNvSpPr>
-          <p:nvPr>
-            <p:ph type="title"/>
-          </p:nvPr>
-        </p:nvSpPr>
-        <p:spPr>
-          <a:xfrm>
-            <a:off x="1069848" y="484632"/>
-            <a:ext cx="10058400" cy="724058"/>
-          </a:xfrm>
-        </p:spPr>
-        <p:txBody>
-          <a:bodyPr>
-            <a:normAutofit fontScale="90000"/>
-          </a:bodyPr>
-          <a:lstStyle/>
-          <a:p>
-            <a:r>
-              <a:rPr lang="en-US" dirty="0" smtClean="0"/>
-              <a:t>Outline </a:t>
-            </a:r>
-            <a:endParaRPr lang="en-US" dirty="0"/>
-          </a:p>
-        </p:txBody>
-      </p:sp>
-      <p:sp>
-        <p:nvSpPr>
-          <p:cNvPr id="3" name="Content Placeholder 2"/>
-          <p:cNvSpPr>
-            <a:spLocks noGrp="1"/>
-          </p:cNvSpPr>
-          <p:nvPr>
-            <p:ph idx="1"/>
-          </p:nvPr>
-        </p:nvSpPr>
-        <p:spPr>
-          <a:xfrm>
-            <a:off x="1069848" y="2070538"/>
-            <a:ext cx="10869904" cy="2984938"/>
-          </a:xfrm>
-        </p:spPr>
-        <p:txBody>
-          <a:bodyPr>
-            <a:normAutofit/>
-          </a:bodyPr>
-          <a:lstStyle/>
-          <a:p>
-            <a:r>
-              <a:rPr lang="en-US" sz="3200" dirty="0" smtClean="0"/>
-              <a:t>Motivation and introduction	  	</a:t>
-            </a:r>
-            <a:r>
-              <a:rPr lang="en-US" sz="3200" dirty="0"/>
-              <a:t>	</a:t>
-            </a:r>
-            <a:r>
-              <a:rPr lang="en-US" sz="3200" dirty="0" smtClean="0"/>
-              <a:t>--  	</a:t>
-            </a:r>
-            <a:r>
-              <a:rPr lang="en-US" sz="3200" dirty="0" err="1" smtClean="0"/>
-              <a:t>Qichao</a:t>
-            </a:r>
-            <a:r>
-              <a:rPr lang="en-US" sz="3200" dirty="0" smtClean="0"/>
-              <a:t> Hong</a:t>
-            </a:r>
-          </a:p>
-          <a:p>
-            <a:r>
-              <a:rPr lang="en-US" sz="3200" dirty="0" smtClean="0"/>
-              <a:t>Highlighted features		   		-- 	</a:t>
-            </a:r>
-            <a:r>
-              <a:rPr lang="en-US" sz="3200" dirty="0" err="1" smtClean="0"/>
-              <a:t>Xinyun</a:t>
-            </a:r>
-            <a:r>
-              <a:rPr lang="en-US" sz="3200" dirty="0" smtClean="0"/>
-              <a:t> Cao</a:t>
-            </a:r>
-          </a:p>
-          <a:p>
-            <a:r>
-              <a:rPr lang="en-US" sz="3200" dirty="0" smtClean="0"/>
-              <a:t>Demo time			   			--  	 </a:t>
-            </a:r>
-            <a:r>
-              <a:rPr lang="en-US" sz="3200" dirty="0" err="1" smtClean="0"/>
-              <a:t>Yuang</a:t>
-            </a:r>
-            <a:r>
-              <a:rPr lang="en-US" sz="3200" dirty="0" smtClean="0"/>
-              <a:t> Liu</a:t>
-            </a:r>
-          </a:p>
-          <a:p>
-            <a:r>
-              <a:rPr lang="en-US" sz="3200" dirty="0" smtClean="0"/>
-              <a:t>Future improvements			         --   	</a:t>
-            </a:r>
-            <a:r>
-              <a:rPr lang="en-US" sz="3200" dirty="0" err="1" smtClean="0"/>
-              <a:t>Zhitong</a:t>
-            </a:r>
-            <a:r>
-              <a:rPr lang="en-US" sz="3200" dirty="0" smtClean="0"/>
-              <a:t> Wu</a:t>
-            </a:r>
-          </a:p>
-          <a:p>
-            <a:r>
-              <a:rPr lang="en-US" sz="3200" dirty="0" smtClean="0"/>
-              <a:t>Q&amp;A</a:t>
-            </a:r>
-            <a:endParaRPr lang="en-US" sz="3200" dirty="0"/>
-          </a:p>
-        </p:txBody>
-      </p:sp>
-    </p:spTree>
-    <p:extLst>
-      <p:ext uri="{BB962C8B-B14F-4D97-AF65-F5344CB8AC3E}">
-        <p14:creationId xmlns:p14="http://schemas.microsoft.com/office/powerpoint/2010/main" val="1343370509"/>
-      </p:ext>
-    </p:extLst>
-  </p:cSld>
-  <p:clrMapOvr>
-    <a:masterClrMapping/>
-  </p:clrMapOvr>
-  <mc:AlternateContent xmlns:mc="http://schemas.openxmlformats.org/markup-compatibility/2006">
-    <mc:Choice xmlns:p14="http://schemas.microsoft.com/office/powerpoint/2010/main" Requires="p14">
-      <p:transition spd="slow" p14:dur="2000"/>
-    </mc:Choice>
-    <mc:Fallback>
-      <p:transition spd="slow"/>
-    </mc:Fallback>
-  </mc:AlternateContent>
-</p:sld>
-</file>
-
-<file path=ppt/slides/slide20.xml><?xml version="1.0" encoding="utf-8"?>
-<p:sld xmlns:a="http://schemas.openxmlformats.org/drawingml/2006/main" xmlns:r="http://schemas.openxmlformats.org/officeDocument/2006/relationships" xmlns:p="http://schemas.openxmlformats.org/presentationml/2006/main">
-  <p:cSld>
-    <p:spTree>
-      <p:nvGrpSpPr>
-        <p:cNvPr id="1" name=""/>
-        <p:cNvGrpSpPr/>
-        <p:nvPr/>
-      </p:nvGrpSpPr>
-      <p:grpSpPr>
-        <a:xfrm>
-          <a:off x="0" y="0"/>
-          <a:ext cx="0" cy="0"/>
-          <a:chOff x="0" y="0"/>
-          <a:chExt cx="0" cy="0"/>
-        </a:xfrm>
-      </p:grpSpPr>
-      <p:sp>
-        <p:nvSpPr>
-          <p:cNvPr id="2" name="Title 1"/>
-          <p:cNvSpPr>
-            <a:spLocks noGrp="1"/>
-          </p:cNvSpPr>
-          <p:nvPr>
-            <p:ph type="title"/>
-          </p:nvPr>
-        </p:nvSpPr>
-        <p:spPr>
-          <a:xfrm>
-            <a:off x="1069848" y="484632"/>
-            <a:ext cx="10058400" cy="724058"/>
-          </a:xfrm>
-        </p:spPr>
-        <p:txBody>
-          <a:bodyPr>
-            <a:normAutofit fontScale="90000"/>
-          </a:bodyPr>
-          <a:lstStyle/>
-          <a:p>
-            <a:r>
-              <a:rPr lang="en-US" dirty="0" smtClean="0"/>
-              <a:t>Highlighted features</a:t>
-            </a:r>
-            <a:endParaRPr lang="en-US" dirty="0"/>
-          </a:p>
-        </p:txBody>
-      </p:sp>
-      <p:sp>
-        <p:nvSpPr>
-          <p:cNvPr id="3" name="Content Placeholder 2"/>
-          <p:cNvSpPr>
-            <a:spLocks noGrp="1"/>
-          </p:cNvSpPr>
-          <p:nvPr>
-            <p:ph idx="1"/>
-          </p:nvPr>
-        </p:nvSpPr>
-        <p:spPr>
-          <a:xfrm>
-            <a:off x="1069848" y="1376856"/>
-            <a:ext cx="9892442" cy="977461"/>
-          </a:xfrm>
-        </p:spPr>
-        <p:txBody>
-          <a:bodyPr>
-            <a:normAutofit/>
-          </a:bodyPr>
-          <a:lstStyle/>
-          <a:p>
-            <a:r>
-              <a:rPr lang="en-US" sz="3200" dirty="0" smtClean="0"/>
-              <a:t>Easy </a:t>
-            </a:r>
-            <a:r>
-              <a:rPr lang="en-US" sz="3200" dirty="0"/>
-              <a:t>way to give both percentage kind or credits kind grade in one table</a:t>
-            </a:r>
-            <a:r>
-              <a:rPr lang="en-US" sz="3200" dirty="0" smtClean="0"/>
-              <a:t>.</a:t>
-            </a:r>
-          </a:p>
-        </p:txBody>
-      </p:sp>
-      <p:pic>
-        <p:nvPicPr>
-          <p:cNvPr id="5" name="Picture 4"/>
-          <p:cNvPicPr>
-            <a:picLocks noChangeAspect="1"/>
-          </p:cNvPicPr>
-          <p:nvPr/>
-        </p:nvPicPr>
-        <p:blipFill>
-          <a:blip r:embed="rId2"/>
-          <a:stretch>
-            <a:fillRect/>
-          </a:stretch>
-        </p:blipFill>
-        <p:spPr>
-          <a:xfrm>
-            <a:off x="2825750" y="2692400"/>
-            <a:ext cx="6540500" cy="1473200"/>
-          </a:xfrm>
-          <a:prstGeom prst="rect">
-            <a:avLst/>
-          </a:prstGeom>
-        </p:spPr>
-      </p:pic>
-    </p:spTree>
-    <p:extLst>
-      <p:ext uri="{BB962C8B-B14F-4D97-AF65-F5344CB8AC3E}">
-        <p14:creationId xmlns:p14="http://schemas.microsoft.com/office/powerpoint/2010/main" val="884084781"/>
-      </p:ext>
-    </p:extLst>
-  </p:cSld>
-  <p:clrMapOvr>
-    <a:masterClrMapping/>
-  </p:clrMapOvr>
-  <mc:AlternateContent xmlns:mc="http://schemas.openxmlformats.org/markup-compatibility/2006">
-    <mc:Choice xmlns:p14="http://schemas.microsoft.com/office/powerpoint/2010/main" Requires="p14">
-      <p:transition spd="slow" p14:dur="2000"/>
-    </mc:Choice>
-    <mc:Fallback>
-      <p:transition spd="slow"/>
-    </mc:Fallback>
-  </mc:AlternateContent>
-</p:sld>
-</file>
-
-<file path=ppt/slides/slide21.xml><?xml version="1.0" encoding="utf-8"?>
-<p:sld xmlns:a="http://schemas.openxmlformats.org/drawingml/2006/main" xmlns:r="http://schemas.openxmlformats.org/officeDocument/2006/relationships" xmlns:p="http://schemas.openxmlformats.org/presentationml/2006/main">
-  <p:cSld>
-    <p:spTree>
-      <p:nvGrpSpPr>
-        <p:cNvPr id="1" name=""/>
-        <p:cNvGrpSpPr/>
-        <p:nvPr/>
-      </p:nvGrpSpPr>
-      <p:grpSpPr>
-        <a:xfrm>
-          <a:off x="0" y="0"/>
-          <a:ext cx="0" cy="0"/>
-          <a:chOff x="0" y="0"/>
-          <a:chExt cx="0" cy="0"/>
-        </a:xfrm>
-      </p:grpSpPr>
-      <p:sp>
-        <p:nvSpPr>
-          <p:cNvPr id="2" name="Title 1"/>
-          <p:cNvSpPr>
-            <a:spLocks noGrp="1"/>
-          </p:cNvSpPr>
-          <p:nvPr>
-            <p:ph type="title"/>
-          </p:nvPr>
-        </p:nvSpPr>
-        <p:spPr>
-          <a:xfrm>
-            <a:off x="1069848" y="484632"/>
-            <a:ext cx="10058400" cy="724058"/>
-          </a:xfrm>
-        </p:spPr>
-        <p:txBody>
-          <a:bodyPr>
-            <a:normAutofit fontScale="90000"/>
-          </a:bodyPr>
-          <a:lstStyle/>
-          <a:p>
-            <a:r>
-              <a:rPr lang="en-US" dirty="0" smtClean="0"/>
-              <a:t>Highlighted features</a:t>
-            </a:r>
-            <a:endParaRPr lang="en-US" dirty="0"/>
-          </a:p>
-        </p:txBody>
-      </p:sp>
-      <p:sp>
-        <p:nvSpPr>
-          <p:cNvPr id="3" name="Content Placeholder 2"/>
-          <p:cNvSpPr>
-            <a:spLocks noGrp="1"/>
-          </p:cNvSpPr>
-          <p:nvPr>
-            <p:ph idx="1"/>
-          </p:nvPr>
-        </p:nvSpPr>
-        <p:spPr>
-          <a:xfrm>
-            <a:off x="1069848" y="1429407"/>
-            <a:ext cx="10058400" cy="1093076"/>
-          </a:xfrm>
-        </p:spPr>
-        <p:txBody>
-          <a:bodyPr>
-            <a:normAutofit/>
-          </a:bodyPr>
-          <a:lstStyle/>
-          <a:p>
-            <a:r>
-              <a:rPr lang="en-US" sz="3200" dirty="0" smtClean="0"/>
-              <a:t>Clicking the assignment name under the ‘Assignment’ tab will redirect to the grading page.</a:t>
-            </a:r>
-          </a:p>
-        </p:txBody>
-      </p:sp>
-      <p:pic>
-        <p:nvPicPr>
-          <p:cNvPr id="4" name="Picture 3"/>
-          <p:cNvPicPr>
-            <a:picLocks noChangeAspect="1"/>
-          </p:cNvPicPr>
-          <p:nvPr/>
-        </p:nvPicPr>
-        <p:blipFill>
-          <a:blip r:embed="rId2"/>
-          <a:stretch>
-            <a:fillRect/>
-          </a:stretch>
-        </p:blipFill>
-        <p:spPr>
-          <a:xfrm>
-            <a:off x="898398" y="2743200"/>
-            <a:ext cx="10401300" cy="3429000"/>
-          </a:xfrm>
-          <a:prstGeom prst="rect">
-            <a:avLst/>
-          </a:prstGeom>
-        </p:spPr>
-      </p:pic>
-    </p:spTree>
-    <p:extLst>
-      <p:ext uri="{BB962C8B-B14F-4D97-AF65-F5344CB8AC3E}">
-        <p14:creationId xmlns:p14="http://schemas.microsoft.com/office/powerpoint/2010/main" val="333095757"/>
-      </p:ext>
-    </p:extLst>
-  </p:cSld>
-  <p:clrMapOvr>
-    <a:masterClrMapping/>
-  </p:clrMapOvr>
-  <mc:AlternateContent xmlns:mc="http://schemas.openxmlformats.org/markup-compatibility/2006">
-    <mc:Choice xmlns:p14="http://schemas.microsoft.com/office/powerpoint/2010/main" Requires="p14">
-      <p:transition spd="slow" p14:dur="2000"/>
-    </mc:Choice>
-    <mc:Fallback>
-      <p:transition spd="slow"/>
-    </mc:Fallback>
-  </mc:AlternateContent>
-</p:sld>
-</file>
-
-<file path=ppt/slides/slide22.xml><?xml version="1.0" encoding="utf-8"?>
-<p:sld xmlns:a="http://schemas.openxmlformats.org/drawingml/2006/main" xmlns:r="http://schemas.openxmlformats.org/officeDocument/2006/relationships" xmlns:p="http://schemas.openxmlformats.org/presentationml/2006/main">
-  <p:cSld>
-    <p:spTree>
-      <p:nvGrpSpPr>
-        <p:cNvPr id="1" name=""/>
-        <p:cNvGrpSpPr/>
-        <p:nvPr/>
-      </p:nvGrpSpPr>
-      <p:grpSpPr>
-        <a:xfrm>
-          <a:off x="0" y="0"/>
-          <a:ext cx="0" cy="0"/>
-          <a:chOff x="0" y="0"/>
-          <a:chExt cx="0" cy="0"/>
-        </a:xfrm>
-      </p:grpSpPr>
-      <p:sp>
-        <p:nvSpPr>
-          <p:cNvPr id="2" name="Title 1"/>
-          <p:cNvSpPr>
-            <a:spLocks noGrp="1"/>
-          </p:cNvSpPr>
-          <p:nvPr>
-            <p:ph type="title"/>
-          </p:nvPr>
-        </p:nvSpPr>
-        <p:spPr>
-          <a:xfrm>
-            <a:off x="1069848" y="484632"/>
-            <a:ext cx="10058400" cy="724058"/>
-          </a:xfrm>
-        </p:spPr>
-        <p:txBody>
-          <a:bodyPr>
-            <a:normAutofit fontScale="90000"/>
-          </a:bodyPr>
-          <a:lstStyle/>
-          <a:p>
-            <a:r>
-              <a:rPr lang="en-US" dirty="0" smtClean="0"/>
-              <a:t>Highlighted features</a:t>
-            </a:r>
-            <a:endParaRPr lang="en-US" dirty="0"/>
-          </a:p>
-        </p:txBody>
-      </p:sp>
-      <p:sp>
-        <p:nvSpPr>
-          <p:cNvPr id="3" name="Content Placeholder 2"/>
-          <p:cNvSpPr>
-            <a:spLocks noGrp="1"/>
-          </p:cNvSpPr>
-          <p:nvPr>
-            <p:ph idx="1"/>
-          </p:nvPr>
-        </p:nvSpPr>
-        <p:spPr>
-          <a:xfrm>
-            <a:off x="1069848" y="1429407"/>
-            <a:ext cx="10058400" cy="1093076"/>
-          </a:xfrm>
-        </p:spPr>
-        <p:txBody>
-          <a:bodyPr>
-            <a:normAutofit/>
-          </a:bodyPr>
-          <a:lstStyle/>
-          <a:p>
-            <a:r>
-              <a:rPr lang="en-US" sz="3200" dirty="0" smtClean="0"/>
-              <a:t>Clicking the assignment name under the ‘Assignment’ tab will redirect to the grading page.</a:t>
-            </a:r>
-          </a:p>
-        </p:txBody>
-      </p:sp>
-      <p:pic>
-        <p:nvPicPr>
-          <p:cNvPr id="6" name="Picture 5"/>
-          <p:cNvPicPr>
-            <a:picLocks noChangeAspect="1"/>
-          </p:cNvPicPr>
-          <p:nvPr/>
-        </p:nvPicPr>
-        <p:blipFill>
-          <a:blip r:embed="rId2"/>
-          <a:stretch>
-            <a:fillRect/>
-          </a:stretch>
-        </p:blipFill>
-        <p:spPr>
-          <a:xfrm>
-            <a:off x="1535722" y="2901963"/>
-            <a:ext cx="9136399" cy="2288535"/>
-          </a:xfrm>
-          <a:prstGeom prst="rect">
-            <a:avLst/>
-          </a:prstGeom>
-        </p:spPr>
-      </p:pic>
-    </p:spTree>
-    <p:extLst>
-      <p:ext uri="{BB962C8B-B14F-4D97-AF65-F5344CB8AC3E}">
-        <p14:creationId xmlns:p14="http://schemas.microsoft.com/office/powerpoint/2010/main" val="1793697120"/>
-      </p:ext>
-    </p:extLst>
-  </p:cSld>
-  <p:clrMapOvr>
-    <a:masterClrMapping/>
-  </p:clrMapOvr>
-  <mc:AlternateContent xmlns:mc="http://schemas.openxmlformats.org/markup-compatibility/2006">
-    <mc:Choice xmlns:p14="http://schemas.microsoft.com/office/powerpoint/2010/main" Requires="p14">
-      <p:transition spd="slow" p14:dur="2000"/>
-    </mc:Choice>
-    <mc:Fallback>
-      <p:transition spd="slow"/>
-    </mc:Fallback>
-  </mc:AlternateContent>
-</p:sld>
-</file>
-
-<file path=ppt/slides/slide23.xml><?xml version="1.0" encoding="utf-8"?>
-<p:sld xmlns:a="http://schemas.openxmlformats.org/drawingml/2006/main" xmlns:r="http://schemas.openxmlformats.org/officeDocument/2006/relationships" xmlns:p="http://schemas.openxmlformats.org/presentationml/2006/main">
-  <p:cSld>
-    <p:spTree>
-      <p:nvGrpSpPr>
-        <p:cNvPr id="1" name=""/>
-        <p:cNvGrpSpPr/>
-        <p:nvPr/>
-      </p:nvGrpSpPr>
-      <p:grpSpPr>
-        <a:xfrm>
-          <a:off x="0" y="0"/>
-          <a:ext cx="0" cy="0"/>
-          <a:chOff x="0" y="0"/>
-          <a:chExt cx="0" cy="0"/>
-        </a:xfrm>
-      </p:grpSpPr>
-      <p:sp>
-        <p:nvSpPr>
-          <p:cNvPr id="2" name="Title 1"/>
-          <p:cNvSpPr>
-            <a:spLocks noGrp="1"/>
-          </p:cNvSpPr>
-          <p:nvPr>
-            <p:ph type="title"/>
-          </p:nvPr>
-        </p:nvSpPr>
-        <p:spPr>
-          <a:xfrm>
-            <a:off x="1069848" y="484632"/>
-            <a:ext cx="10058400" cy="724058"/>
-          </a:xfrm>
-        </p:spPr>
-        <p:txBody>
-          <a:bodyPr>
-            <a:normAutofit fontScale="90000"/>
-          </a:bodyPr>
-          <a:lstStyle/>
-          <a:p>
-            <a:r>
-              <a:rPr lang="en-US" dirty="0" smtClean="0"/>
-              <a:t>Highlighted features</a:t>
-            </a:r>
-            <a:endParaRPr lang="en-US" dirty="0"/>
-          </a:p>
-        </p:txBody>
-      </p:sp>
-      <p:sp>
-        <p:nvSpPr>
-          <p:cNvPr id="3" name="Content Placeholder 2"/>
-          <p:cNvSpPr>
-            <a:spLocks noGrp="1"/>
-          </p:cNvSpPr>
-          <p:nvPr>
-            <p:ph idx="1"/>
-          </p:nvPr>
-        </p:nvSpPr>
-        <p:spPr>
-          <a:xfrm>
-            <a:off x="1069848" y="1471448"/>
-            <a:ext cx="10058400" cy="1502979"/>
-          </a:xfrm>
-        </p:spPr>
-        <p:txBody>
-          <a:bodyPr>
-            <a:normAutofit/>
-          </a:bodyPr>
-          <a:lstStyle/>
-          <a:p>
-            <a:r>
-              <a:rPr lang="en-US" sz="3200" dirty="0" smtClean="0"/>
-              <a:t>Clicking the students’ name under the ‘Students’ tab and ‘Statistical’ tab will redirect to the detail score distribution for that student.</a:t>
-            </a:r>
-          </a:p>
-        </p:txBody>
-      </p:sp>
-      <p:pic>
-        <p:nvPicPr>
-          <p:cNvPr id="4" name="Picture 3"/>
-          <p:cNvPicPr>
-            <a:picLocks noChangeAspect="1"/>
-          </p:cNvPicPr>
-          <p:nvPr/>
-        </p:nvPicPr>
-        <p:blipFill>
-          <a:blip r:embed="rId2"/>
-          <a:stretch>
-            <a:fillRect/>
-          </a:stretch>
-        </p:blipFill>
-        <p:spPr>
-          <a:xfrm>
-            <a:off x="1694101" y="3237185"/>
-            <a:ext cx="8802992" cy="2510090"/>
-          </a:xfrm>
-          <a:prstGeom prst="rect">
-            <a:avLst/>
-          </a:prstGeom>
-        </p:spPr>
-      </p:pic>
-    </p:spTree>
-    <p:extLst>
-      <p:ext uri="{BB962C8B-B14F-4D97-AF65-F5344CB8AC3E}">
-        <p14:creationId xmlns:p14="http://schemas.microsoft.com/office/powerpoint/2010/main" val="522335557"/>
-      </p:ext>
-    </p:extLst>
-  </p:cSld>
-  <p:clrMapOvr>
-    <a:masterClrMapping/>
-  </p:clrMapOvr>
-  <mc:AlternateContent xmlns:mc="http://schemas.openxmlformats.org/markup-compatibility/2006">
-    <mc:Choice xmlns:p14="http://schemas.microsoft.com/office/powerpoint/2010/main" Requires="p14">
-      <p:transition spd="slow" p14:dur="2000"/>
-    </mc:Choice>
-    <mc:Fallback>
-      <p:transition spd="slow"/>
-    </mc:Fallback>
-  </mc:AlternateContent>
-</p:sld>
-</file>
-
-<file path=ppt/slides/slide24.xml><?xml version="1.0" encoding="utf-8"?>
-<p:sld xmlns:a="http://schemas.openxmlformats.org/drawingml/2006/main" xmlns:r="http://schemas.openxmlformats.org/officeDocument/2006/relationships" xmlns:p="http://schemas.openxmlformats.org/presentationml/2006/main">
-  <p:cSld>
-    <p:spTree>
-      <p:nvGrpSpPr>
-        <p:cNvPr id="1" name=""/>
-        <p:cNvGrpSpPr/>
-        <p:nvPr/>
-      </p:nvGrpSpPr>
-      <p:grpSpPr>
-        <a:xfrm>
-          <a:off x="0" y="0"/>
-          <a:ext cx="0" cy="0"/>
-          <a:chOff x="0" y="0"/>
-          <a:chExt cx="0" cy="0"/>
-        </a:xfrm>
-      </p:grpSpPr>
-      <p:sp>
-        <p:nvSpPr>
-          <p:cNvPr id="2" name="Title 1"/>
-          <p:cNvSpPr>
-            <a:spLocks noGrp="1"/>
-          </p:cNvSpPr>
-          <p:nvPr>
-            <p:ph type="title"/>
-          </p:nvPr>
-        </p:nvSpPr>
-        <p:spPr>
-          <a:xfrm>
-            <a:off x="1069848" y="484632"/>
-            <a:ext cx="10058400" cy="724058"/>
-          </a:xfrm>
-        </p:spPr>
-        <p:txBody>
-          <a:bodyPr>
-            <a:normAutofit fontScale="90000"/>
-          </a:bodyPr>
-          <a:lstStyle/>
-          <a:p>
-            <a:r>
-              <a:rPr lang="en-US" dirty="0" smtClean="0"/>
-              <a:t>Highlighted features</a:t>
-            </a:r>
-            <a:endParaRPr lang="en-US" dirty="0"/>
-          </a:p>
-        </p:txBody>
-      </p:sp>
-      <p:sp>
-        <p:nvSpPr>
-          <p:cNvPr id="3" name="Content Placeholder 2"/>
-          <p:cNvSpPr>
-            <a:spLocks noGrp="1"/>
-          </p:cNvSpPr>
-          <p:nvPr>
-            <p:ph idx="1"/>
-          </p:nvPr>
-        </p:nvSpPr>
-        <p:spPr>
-          <a:xfrm>
-            <a:off x="1069848" y="1471448"/>
-            <a:ext cx="10058400" cy="1502979"/>
-          </a:xfrm>
-        </p:spPr>
-        <p:txBody>
-          <a:bodyPr>
-            <a:normAutofit/>
-          </a:bodyPr>
-          <a:lstStyle/>
-          <a:p>
-            <a:r>
-              <a:rPr lang="en-US" sz="3200" dirty="0" smtClean="0"/>
-              <a:t>Clicking the students’ name under the ‘Students’ tab </a:t>
-            </a:r>
-            <a:r>
-              <a:rPr lang="en-US" sz="3200" dirty="0"/>
-              <a:t>and ‘Statistical’ tab </a:t>
-            </a:r>
-            <a:r>
-              <a:rPr lang="en-US" sz="3200" dirty="0" smtClean="0"/>
-              <a:t>will redirect to the detail score distribution for that student.</a:t>
-            </a:r>
-          </a:p>
-        </p:txBody>
-      </p:sp>
-      <p:pic>
-        <p:nvPicPr>
-          <p:cNvPr id="6" name="Picture 5"/>
-          <p:cNvPicPr>
-            <a:picLocks noChangeAspect="1"/>
-          </p:cNvPicPr>
-          <p:nvPr/>
-        </p:nvPicPr>
-        <p:blipFill>
-          <a:blip r:embed="rId2"/>
-          <a:stretch>
-            <a:fillRect/>
-          </a:stretch>
-        </p:blipFill>
-        <p:spPr>
-          <a:xfrm>
-            <a:off x="1683000" y="3644899"/>
-            <a:ext cx="8832096" cy="1958731"/>
-          </a:xfrm>
-          <a:prstGeom prst="rect">
-            <a:avLst/>
-          </a:prstGeom>
-        </p:spPr>
-      </p:pic>
-    </p:spTree>
-    <p:extLst>
-      <p:ext uri="{BB962C8B-B14F-4D97-AF65-F5344CB8AC3E}">
-        <p14:creationId xmlns:p14="http://schemas.microsoft.com/office/powerpoint/2010/main" val="196053611"/>
-      </p:ext>
-    </p:extLst>
-  </p:cSld>
-  <p:clrMapOvr>
-    <a:masterClrMapping/>
-  </p:clrMapOvr>
-  <mc:AlternateContent xmlns:mc="http://schemas.openxmlformats.org/markup-compatibility/2006">
-    <mc:Choice xmlns:p14="http://schemas.microsoft.com/office/powerpoint/2010/main" Requires="p14">
-      <p:transition spd="slow" p14:dur="2000"/>
-    </mc:Choice>
-    <mc:Fallback>
-      <p:transition spd="slow"/>
-    </mc:Fallback>
-  </mc:AlternateContent>
-</p:sld>
-</file>
-
-<file path=ppt/slides/slide25.xml><?xml version="1.0" encoding="utf-8"?>
-<p:sld xmlns:a="http://schemas.openxmlformats.org/drawingml/2006/main" xmlns:r="http://schemas.openxmlformats.org/officeDocument/2006/relationships" xmlns:p="http://schemas.openxmlformats.org/presentationml/2006/main">
-  <p:cSld>
-    <p:spTree>
-      <p:nvGrpSpPr>
-        <p:cNvPr id="1" name=""/>
-        <p:cNvGrpSpPr/>
-        <p:nvPr/>
-      </p:nvGrpSpPr>
-      <p:grpSpPr>
-        <a:xfrm>
-          <a:off x="0" y="0"/>
-          <a:ext cx="0" cy="0"/>
-          <a:chOff x="0" y="0"/>
-          <a:chExt cx="0" cy="0"/>
-        </a:xfrm>
-      </p:grpSpPr>
-      <p:sp>
-        <p:nvSpPr>
-          <p:cNvPr id="2" name="Title 1"/>
-          <p:cNvSpPr>
-            <a:spLocks noGrp="1"/>
-          </p:cNvSpPr>
-          <p:nvPr>
-            <p:ph type="title"/>
-          </p:nvPr>
-        </p:nvSpPr>
-        <p:spPr>
-          <a:xfrm>
-            <a:off x="2404662" y="801559"/>
-            <a:ext cx="7233324" cy="1609344"/>
-          </a:xfrm>
-        </p:spPr>
-        <p:txBody>
-          <a:bodyPr>
-            <a:noAutofit/>
-          </a:bodyPr>
-          <a:lstStyle/>
-          <a:p>
-            <a:pPr algn="ctr"/>
-            <a:r>
-              <a:rPr lang="en-US" sz="11500" smtClean="0"/>
-              <a:t>Demo Time !!!</a:t>
-            </a:r>
-            <a:endParaRPr lang="en-US" sz="11500" dirty="0"/>
-          </a:p>
-        </p:txBody>
-      </p:sp>
-      <p:pic>
-        <p:nvPicPr>
-          <p:cNvPr id="5" name="Picture 4"/>
-          <p:cNvPicPr>
-            <a:picLocks noChangeAspect="1"/>
-          </p:cNvPicPr>
-          <p:nvPr/>
-        </p:nvPicPr>
-        <p:blipFill>
-          <a:blip r:embed="rId2">
-            <a:extLst>
-              <a:ext uri="{28A0092B-C50C-407E-A947-70E740481C1C}">
-                <a14:useLocalDpi xmlns:a14="http://schemas.microsoft.com/office/drawing/2010/main" val="0"/>
-              </a:ext>
-            </a:extLst>
-          </a:blip>
-          <a:stretch>
-            <a:fillRect/>
-          </a:stretch>
-        </p:blipFill>
-        <p:spPr>
-          <a:xfrm>
-            <a:off x="3774430" y="2791068"/>
-            <a:ext cx="4493788" cy="3598611"/>
-          </a:xfrm>
-          <a:prstGeom prst="rect">
-            <a:avLst/>
-          </a:prstGeom>
-        </p:spPr>
-      </p:pic>
-    </p:spTree>
-    <p:extLst>
-      <p:ext uri="{BB962C8B-B14F-4D97-AF65-F5344CB8AC3E}">
-        <p14:creationId xmlns:p14="http://schemas.microsoft.com/office/powerpoint/2010/main" val="1248679138"/>
-      </p:ext>
-    </p:extLst>
-  </p:cSld>
-  <p:clrMapOvr>
-    <a:masterClrMapping/>
-  </p:clrMapOvr>
-  <mc:AlternateContent xmlns:mc="http://schemas.openxmlformats.org/markup-compatibility/2006">
-    <mc:Choice xmlns:p14="http://schemas.microsoft.com/office/powerpoint/2010/main" Requires="p14">
-      <p:transition spd="slow" p14:dur="2000"/>
-    </mc:Choice>
-    <mc:Fallback>
-      <p:transition spd="slow"/>
-    </mc:Fallback>
-  </mc:AlternateContent>
-</p:sld>
-</file>
-
-<file path=ppt/slides/slide26.xml><?xml version="1.0" encoding="utf-8"?>
 <p:sld xmlns:a="http://schemas.openxmlformats.org/drawingml/2006/main" xmlns:r="http://schemas.openxmlformats.org/officeDocument/2006/relationships" xmlns:p="http://schemas.openxmlformats.org/presentationml/2006/main">
   <p:cSld>
     <p:spTree>
@@ -8279,10 +6198,17 @@
       <p:transition spd="slow"/>
     </mc:Fallback>
   </mc:AlternateContent>
+  <p:timing>
+    <p:tnLst>
+      <p:par>
+        <p:cTn id="1" dur="indefinite" restart="never" nodeType="tmRoot"/>
+      </p:par>
+    </p:tnLst>
+  </p:timing>
 </p:sld>
 </file>
 
-<file path=ppt/slides/slide27.xml><?xml version="1.0" encoding="utf-8"?>
+<file path=ppt/slides/slide11.xml><?xml version="1.0" encoding="utf-8"?>
 <p:sld xmlns:a="http://schemas.openxmlformats.org/drawingml/2006/main" xmlns:r="http://schemas.openxmlformats.org/officeDocument/2006/relationships" xmlns:p="http://schemas.openxmlformats.org/presentationml/2006/main">
   <p:cSld>
     <p:spTree>
@@ -8402,10 +6328,17 @@
       <p:transition spd="slow"/>
     </mc:Fallback>
   </mc:AlternateContent>
+  <p:timing>
+    <p:tnLst>
+      <p:par>
+        <p:cTn id="1" dur="indefinite" restart="never" nodeType="tmRoot"/>
+      </p:par>
+    </p:tnLst>
+  </p:timing>
 </p:sld>
 </file>
 
-<file path=ppt/slides/slide28.xml><?xml version="1.0" encoding="utf-8"?>
+<file path=ppt/slides/slide12.xml><?xml version="1.0" encoding="utf-8"?>
 <p:sld xmlns:a="http://schemas.openxmlformats.org/drawingml/2006/main" xmlns:r="http://schemas.openxmlformats.org/officeDocument/2006/relationships" xmlns:p="http://schemas.openxmlformats.org/presentationml/2006/main">
   <p:cSld>
     <p:spTree>
@@ -8490,7 +6423,7 @@
           <p:nvPr/>
         </p:nvPicPr>
         <p:blipFill>
-          <a:blip r:embed="rId2"/>
+          <a:blip r:embed="rId3"/>
           <a:stretch>
             <a:fillRect/>
           </a:stretch>
@@ -8523,10 +6456,17 @@
       <p:transition spd="slow"/>
     </mc:Fallback>
   </mc:AlternateContent>
+  <p:timing>
+    <p:tnLst>
+      <p:par>
+        <p:cTn id="1" dur="indefinite" restart="never" nodeType="tmRoot"/>
+      </p:par>
+    </p:tnLst>
+  </p:timing>
 </p:sld>
 </file>
 
-<file path=ppt/slides/slide29.xml><?xml version="1.0" encoding="utf-8"?>
+<file path=ppt/slides/slide13.xml><?xml version="1.0" encoding="utf-8"?>
 <p:sld xmlns:a="http://schemas.openxmlformats.org/drawingml/2006/main" xmlns:r="http://schemas.openxmlformats.org/officeDocument/2006/relationships" xmlns:p="http://schemas.openxmlformats.org/presentationml/2006/main">
   <p:cSld>
     <p:spTree>
@@ -8555,63 +6495,86 @@
         </p:nvSpPr>
         <p:spPr>
           <a:xfrm>
-            <a:off x="1069848" y="484632"/>
-            <a:ext cx="10058400" cy="724058"/>
+            <a:off x="2181923" y="1340821"/>
+            <a:ext cx="7233324" cy="1609344"/>
           </a:xfrm>
         </p:spPr>
         <p:txBody>
           <a:bodyPr>
-            <a:normAutofit fontScale="90000"/>
+            <a:noAutofit/>
           </a:bodyPr>
           <a:lstStyle/>
           <a:p>
-            <a:r>
-              <a:rPr lang="en-US" dirty="0" smtClean="0"/>
-              <a:t>Future Improvements</a:t>
-            </a:r>
-            <a:endParaRPr lang="en-US" dirty="0"/>
-          </a:p>
-        </p:txBody>
-      </p:sp>
-      <p:sp>
-        <p:nvSpPr>
-          <p:cNvPr id="3" name="Content Placeholder 2"/>
-          <p:cNvSpPr>
-            <a:spLocks noGrp="1"/>
-          </p:cNvSpPr>
-          <p:nvPr>
-            <p:ph idx="1"/>
-          </p:nvPr>
+            <a:pPr algn="ctr"/>
+            <a:r>
+              <a:rPr lang="en-US" sz="11500" dirty="0" smtClean="0"/>
+              <a:t>Thank you</a:t>
+            </a:r>
+            <a:endParaRPr lang="en-US" sz="11500" dirty="0"/>
+          </a:p>
+        </p:txBody>
+      </p:sp>
+      <p:sp>
+        <p:nvSpPr>
+          <p:cNvPr id="3" name="Title 1"/>
+          <p:cNvSpPr txBox="1">
+            <a:spLocks/>
+          </p:cNvSpPr>
+          <p:nvPr/>
         </p:nvSpPr>
         <p:spPr>
           <a:xfrm>
-            <a:off x="1069848" y="1560382"/>
-            <a:ext cx="10058400" cy="2097218"/>
+            <a:off x="2181923" y="3146175"/>
+            <a:ext cx="7233324" cy="1609344"/>
           </a:xfrm>
+          <a:prstGeom prst="rect">
+            <a:avLst/>
+          </a:prstGeom>
         </p:spPr>
         <p:txBody>
-          <a:bodyPr>
-            <a:normAutofit/>
+          <a:bodyPr vert="horz" lIns="91440" tIns="45720" rIns="91440" bIns="45720" rtlCol="0" anchor="ctr">
+            <a:noAutofit/>
           </a:bodyPr>
-          <a:lstStyle/>
-          <a:p>
-            <a:r>
-              <a:rPr lang="en-US" sz="3200" dirty="0" smtClean="0"/>
-              <a:t>Expand the row under grading and shrink other instead of highlight.</a:t>
-            </a:r>
-          </a:p>
-          <a:p>
-            <a:r>
-              <a:rPr lang="en-US" sz="3200" dirty="0" smtClean="0"/>
-              <a:t>Much more kinds of grade such as letter based grade for assignments or other kind of grade.</a:t>
-            </a:r>
+          <a:lstStyle>
+            <a:lvl1pPr algn="l" defTabSz="914400" rtl="0" eaLnBrk="1" latinLnBrk="0" hangingPunct="1">
+              <a:lnSpc>
+                <a:spcPct val="90000"/>
+              </a:lnSpc>
+              <a:spcBef>
+                <a:spcPct val="0"/>
+              </a:spcBef>
+              <a:buNone/>
+              <a:defRPr sz="5400" kern="1200" cap="all" baseline="0">
+                <a:blipFill>
+                  <a:blip r:embed="rId2">
+                    <a:extLst>
+                      <a:ext uri="{28A0092B-C50C-407E-A947-70E740481C1C}">
+                        <a14:useLocalDpi xmlns:a14="http://schemas.microsoft.com/office/drawing/2010/main" val="0"/>
+                      </a:ext>
+                    </a:extLst>
+                  </a:blip>
+                  <a:tile tx="6350" ty="-127000" sx="65000" sy="64000" flip="none" algn="tl"/>
+                </a:blipFill>
+                <a:latin typeface="+mj-lt"/>
+                <a:ea typeface="+mj-ea"/>
+                <a:cs typeface="+mj-cs"/>
+              </a:defRPr>
+            </a:lvl1pPr>
+          </a:lstStyle>
+          <a:p>
+            <a:pPr algn="ctr"/>
+            <a:r>
+              <a:rPr lang="en-US" sz="11500" dirty="0" smtClean="0"/>
+              <a:t>Q&amp;A</a:t>
+            </a:r>
+            <a:endParaRPr lang="en-US" sz="11500" dirty="0"/>
           </a:p>
         </p:txBody>
       </p:sp>
     </p:spTree>
     <p:extLst>
       <p:ext uri="{BB962C8B-B14F-4D97-AF65-F5344CB8AC3E}">
-        <p14:creationId xmlns:p14="http://schemas.microsoft.com/office/powerpoint/2010/main" val="1824915562"/>
+        <p14:creationId xmlns:p14="http://schemas.microsoft.com/office/powerpoint/2010/main" val="481613929"/>
       </p:ext>
     </p:extLst>
   </p:cSld>
@@ -8626,6 +6589,182 @@
       <p:transition spd="slow"/>
     </mc:Fallback>
   </mc:AlternateContent>
+  <p:timing>
+    <p:tnLst>
+      <p:par>
+        <p:cTn id="1" dur="indefinite" restart="never" nodeType="tmRoot"/>
+      </p:par>
+    </p:tnLst>
+  </p:timing>
+</p:sld>
+</file>
+
+<file path=ppt/slides/slide2.xml><?xml version="1.0" encoding="utf-8"?>
+<p:sld xmlns:a="http://schemas.openxmlformats.org/drawingml/2006/main" xmlns:r="http://schemas.openxmlformats.org/officeDocument/2006/relationships" xmlns:p="http://schemas.openxmlformats.org/presentationml/2006/main">
+  <p:cSld>
+    <p:spTree>
+      <p:nvGrpSpPr>
+        <p:cNvPr id="1" name=""/>
+        <p:cNvGrpSpPr/>
+        <p:nvPr/>
+      </p:nvGrpSpPr>
+      <p:grpSpPr>
+        <a:xfrm>
+          <a:off x="0" y="0"/>
+          <a:ext cx="0" cy="0"/>
+          <a:chOff x="0" y="0"/>
+          <a:chExt cx="0" cy="0"/>
+        </a:xfrm>
+      </p:grpSpPr>
+      <p:sp>
+        <p:nvSpPr>
+          <p:cNvPr id="2" name="Title 1"/>
+          <p:cNvSpPr>
+            <a:spLocks noGrp="1"/>
+          </p:cNvSpPr>
+          <p:nvPr>
+            <p:ph type="title"/>
+          </p:nvPr>
+        </p:nvSpPr>
+        <p:spPr>
+          <a:xfrm>
+            <a:off x="1069848" y="484632"/>
+            <a:ext cx="10058400" cy="724058"/>
+          </a:xfrm>
+        </p:spPr>
+        <p:txBody>
+          <a:bodyPr>
+            <a:normAutofit fontScale="90000"/>
+          </a:bodyPr>
+          <a:lstStyle/>
+          <a:p>
+            <a:r>
+              <a:rPr lang="en-US" dirty="0" smtClean="0"/>
+              <a:t>Outline </a:t>
+            </a:r>
+            <a:endParaRPr lang="en-US" dirty="0"/>
+          </a:p>
+        </p:txBody>
+      </p:sp>
+      <p:sp>
+        <p:nvSpPr>
+          <p:cNvPr id="3" name="Content Placeholder 2"/>
+          <p:cNvSpPr>
+            <a:spLocks noGrp="1"/>
+          </p:cNvSpPr>
+          <p:nvPr>
+            <p:ph idx="1"/>
+          </p:nvPr>
+        </p:nvSpPr>
+        <p:spPr>
+          <a:xfrm>
+            <a:off x="1069848" y="2070538"/>
+            <a:ext cx="10869904" cy="2984938"/>
+          </a:xfrm>
+        </p:spPr>
+        <p:txBody>
+          <a:bodyPr>
+            <a:normAutofit fontScale="92500"/>
+          </a:bodyPr>
+          <a:lstStyle/>
+          <a:p>
+            <a:r>
+              <a:rPr lang="en-US" sz="3200" dirty="0" smtClean="0"/>
+              <a:t>Motivation and introduction	  	</a:t>
+            </a:r>
+            <a:r>
+              <a:rPr lang="en-US" sz="3200" dirty="0"/>
+              <a:t>	</a:t>
+            </a:r>
+            <a:r>
+              <a:rPr lang="en-US" sz="3200" dirty="0" smtClean="0"/>
+              <a:t>--	</a:t>
+            </a:r>
+            <a:r>
+              <a:rPr lang="en-US" sz="3200" dirty="0" err="1" smtClean="0"/>
+              <a:t>Qichao</a:t>
+            </a:r>
+            <a:r>
+              <a:rPr lang="en-US" sz="3200" dirty="0" smtClean="0"/>
+              <a:t> Hong</a:t>
+            </a:r>
+          </a:p>
+          <a:p>
+            <a:r>
+              <a:rPr lang="en-US" sz="3200" dirty="0" smtClean="0"/>
+              <a:t>Our Enhancements			   		--	</a:t>
+            </a:r>
+            <a:r>
+              <a:rPr lang="en-US" sz="3200" dirty="0" err="1" smtClean="0"/>
+              <a:t>Xinyun</a:t>
+            </a:r>
+            <a:r>
+              <a:rPr lang="en-US" sz="3200" dirty="0" smtClean="0"/>
+              <a:t> Cao</a:t>
+            </a:r>
+          </a:p>
+          <a:p>
+            <a:r>
+              <a:rPr lang="en-US" sz="3200" dirty="0" smtClean="0"/>
+              <a:t>Demo time			   			--	</a:t>
+            </a:r>
+            <a:r>
+              <a:rPr lang="en-US" sz="3200" dirty="0" err="1" smtClean="0"/>
+              <a:t>Yuang</a:t>
+            </a:r>
+            <a:r>
+              <a:rPr lang="en-US" sz="3200" dirty="0" smtClean="0"/>
+              <a:t> Liu</a:t>
+            </a:r>
+          </a:p>
+          <a:p>
+            <a:r>
+              <a:rPr lang="en-US" sz="3200" dirty="0" smtClean="0"/>
+              <a:t>Future improvements			         --	</a:t>
+            </a:r>
+            <a:r>
+              <a:rPr lang="en-US" sz="3200" dirty="0" err="1" smtClean="0"/>
+              <a:t>Zhitong</a:t>
+            </a:r>
+            <a:r>
+              <a:rPr lang="en-US" sz="3200" dirty="0" smtClean="0"/>
+              <a:t> Wu</a:t>
+            </a:r>
+          </a:p>
+          <a:p>
+            <a:r>
+              <a:rPr lang="en-US" sz="3200" dirty="0" smtClean="0"/>
+              <a:t>Q&amp;A</a:t>
+            </a:r>
+            <a:endParaRPr lang="en-US" sz="3200" dirty="0"/>
+          </a:p>
+        </p:txBody>
+      </p:sp>
+    </p:spTree>
+    <p:extLst>
+      <p:ext uri="{BB962C8B-B14F-4D97-AF65-F5344CB8AC3E}">
+        <p14:creationId xmlns:p14="http://schemas.microsoft.com/office/powerpoint/2010/main" val="1343370509"/>
+      </p:ext>
+    </p:extLst>
+  </p:cSld>
+  <p:clrMapOvr>
+    <a:masterClrMapping/>
+  </p:clrMapOvr>
+  <mc:AlternateContent xmlns:mc="http://schemas.openxmlformats.org/markup-compatibility/2006">
+    <mc:Choice xmlns:p14="http://schemas.microsoft.com/office/powerpoint/2010/main" Requires="p14">
+      <p:transition spd="slow" p14:dur="2000"/>
+    </mc:Choice>
+    <mc:Fallback>
+      <p:transition spd="slow"/>
+    </mc:Fallback>
+  </mc:AlternateContent>
+  <p:timing>
+    <p:tnLst>
+      <p:par>
+        <p:cTn id="1" dur="indefinite" restart="never" nodeType="tmRoot"/>
+      </p:par>
+    </p:tnLst>
+  </p:timing>
 </p:sld>
 </file>
 
@@ -8670,7 +6809,15 @@
           <a:p>
             <a:r>
               <a:rPr lang="en-US" dirty="0" smtClean="0"/>
-              <a:t>Motivation</a:t>
+              <a:t>Motivation </a:t>
+            </a:r>
+            <a:r>
+              <a:rPr lang="en-US" dirty="0"/>
+              <a:t>and </a:t>
+            </a:r>
+            <a:r>
+              <a:rPr lang="en-US" dirty="0" smtClean="0"/>
+              <a:t>introduction</a:t>
             </a:r>
             <a:endParaRPr lang="en-US" dirty="0"/>
           </a:p>
@@ -8688,8 +6835,8 @@
         </p:nvSpPr>
         <p:spPr>
           <a:xfrm>
-            <a:off x="436802" y="1208690"/>
-            <a:ext cx="10922860" cy="4963510"/>
+            <a:off x="1069848" y="2169982"/>
+            <a:ext cx="10922860" cy="2800602"/>
           </a:xfrm>
         </p:spPr>
         <p:txBody>
@@ -8702,6 +6849,81 @@
               <a:rPr lang="en-US" sz="3200" dirty="0" smtClean="0"/>
               <a:t>Main drawbacks of Microsoft Excel:</a:t>
             </a:r>
+          </a:p>
+          <a:p>
+            <a:pPr lvl="1"/>
+            <a:r>
+              <a:rPr lang="en-US" sz="2800" dirty="0" smtClean="0"/>
+              <a:t>Table does not highlight the row of the selected cell</a:t>
+            </a:r>
+            <a:endParaRPr lang="en-US" sz="2800" dirty="0"/>
+          </a:p>
+          <a:p>
+            <a:pPr lvl="1"/>
+            <a:r>
+              <a:rPr lang="en-US" sz="2800" dirty="0" smtClean="0"/>
+              <a:t>Inconvenient statistical calculations</a:t>
+            </a:r>
+            <a:endParaRPr lang="en-US" sz="2800" dirty="0"/>
+          </a:p>
+          <a:p>
+            <a:pPr lvl="1"/>
+            <a:r>
+              <a:rPr lang="en-US" sz="2800" dirty="0" smtClean="0"/>
+              <a:t>No inherent way to reuse grading criteria within Excel</a:t>
+            </a:r>
+            <a:endParaRPr lang="en-US" sz="2800" dirty="0"/>
+          </a:p>
+          <a:p>
+            <a:pPr lvl="1"/>
+            <a:r>
+              <a:rPr lang="en-US" sz="2800" b="1" dirty="0" smtClean="0">
+                <a:solidFill>
+                  <a:srgbClr val="FF0000"/>
+                </a:solidFill>
+              </a:rPr>
+              <a:t>Difficult to </a:t>
+            </a:r>
+            <a:r>
+              <a:rPr lang="en-US" sz="2800" b="1" dirty="0">
+                <a:solidFill>
+                  <a:srgbClr val="FF0000"/>
+                </a:solidFill>
+              </a:rPr>
+              <a:t>give </a:t>
+            </a:r>
+            <a:r>
+              <a:rPr lang="en-US" sz="2800" b="1" dirty="0" smtClean="0">
+                <a:solidFill>
+                  <a:srgbClr val="FF0000"/>
+                </a:solidFill>
+              </a:rPr>
+              <a:t>multiple </a:t>
+            </a:r>
+            <a:r>
+              <a:rPr lang="en-US" sz="2800" b="1" dirty="0">
+                <a:solidFill>
+                  <a:srgbClr val="FF0000"/>
+                </a:solidFill>
+              </a:rPr>
+              <a:t>kinds of grades in one </a:t>
+            </a:r>
+            <a:r>
+              <a:rPr lang="en-US" sz="2800" b="1" dirty="0" smtClean="0">
+                <a:solidFill>
+                  <a:srgbClr val="FF0000"/>
+                </a:solidFill>
+              </a:rPr>
+              <a:t>table</a:t>
+            </a:r>
+            <a:endParaRPr lang="en-US" sz="2800" b="1" dirty="0">
+              <a:solidFill>
+                <a:srgbClr val="FF0000"/>
+              </a:solidFill>
+            </a:endParaRPr>
+          </a:p>
+          <a:p>
+            <a:pPr lvl="1"/>
             <a:endParaRPr lang="en-US" sz="2400" dirty="0" smtClean="0"/>
           </a:p>
           <a:p>
@@ -8713,7 +6935,7 @@
     </p:spTree>
     <p:extLst>
       <p:ext uri="{BB962C8B-B14F-4D97-AF65-F5344CB8AC3E}">
-        <p14:creationId xmlns:p14="http://schemas.microsoft.com/office/powerpoint/2010/main" val="1955870083"/>
+        <p14:creationId xmlns:p14="http://schemas.microsoft.com/office/powerpoint/2010/main" val="1999315161"/>
       </p:ext>
     </p:extLst>
   </p:cSld>
@@ -8728,144 +6950,13 @@
       <p:transition spd="slow"/>
     </mc:Fallback>
   </mc:AlternateContent>
-</p:sld>
-</file>
-
-<file path=ppt/slides/slide30.xml><?xml version="1.0" encoding="utf-8"?>
-<p:sld xmlns:a="http://schemas.openxmlformats.org/drawingml/2006/main" xmlns:r="http://schemas.openxmlformats.org/officeDocument/2006/relationships" xmlns:p="http://schemas.openxmlformats.org/presentationml/2006/main">
-  <p:cSld>
-    <p:spTree>
-      <p:nvGrpSpPr>
-        <p:cNvPr id="1" name=""/>
-        <p:cNvGrpSpPr/>
-        <p:nvPr/>
-      </p:nvGrpSpPr>
-      <p:grpSpPr>
-        <a:xfrm>
-          <a:off x="0" y="0"/>
-          <a:ext cx="0" cy="0"/>
-          <a:chOff x="0" y="0"/>
-          <a:chExt cx="0" cy="0"/>
-        </a:xfrm>
-      </p:grpSpPr>
-      <p:sp>
-        <p:nvSpPr>
-          <p:cNvPr id="2" name="Title 1"/>
-          <p:cNvSpPr>
-            <a:spLocks noGrp="1"/>
-          </p:cNvSpPr>
-          <p:nvPr>
-            <p:ph type="title"/>
-          </p:nvPr>
-        </p:nvSpPr>
-        <p:spPr>
-          <a:xfrm>
-            <a:off x="2404662" y="2513128"/>
-            <a:ext cx="7233324" cy="1609344"/>
-          </a:xfrm>
-        </p:spPr>
-        <p:txBody>
-          <a:bodyPr>
-            <a:noAutofit/>
-          </a:bodyPr>
-          <a:lstStyle/>
-          <a:p>
-            <a:pPr algn="ctr"/>
-            <a:r>
-              <a:rPr lang="en-US" sz="11500" dirty="0" smtClean="0"/>
-              <a:t>Thank you</a:t>
-            </a:r>
-            <a:endParaRPr lang="en-US" sz="11500" dirty="0"/>
-          </a:p>
-        </p:txBody>
-      </p:sp>
-    </p:spTree>
-    <p:extLst>
-      <p:ext uri="{BB962C8B-B14F-4D97-AF65-F5344CB8AC3E}">
-        <p14:creationId xmlns:p14="http://schemas.microsoft.com/office/powerpoint/2010/main" val="481613929"/>
-      </p:ext>
-    </p:extLst>
-  </p:cSld>
-  <p:clrMapOvr>
-    <a:masterClrMapping/>
-  </p:clrMapOvr>
-  <mc:AlternateContent xmlns:mc="http://schemas.openxmlformats.org/markup-compatibility/2006">
-    <mc:Choice xmlns:p14="http://schemas.microsoft.com/office/powerpoint/2010/main" Requires="p14">
-      <p:transition spd="slow" p14:dur="2000"/>
-    </mc:Choice>
-    <mc:Fallback>
-      <p:transition spd="slow"/>
-    </mc:Fallback>
-  </mc:AlternateContent>
-</p:sld>
-</file>
-
-<file path=ppt/slides/slide31.xml><?xml version="1.0" encoding="utf-8"?>
-<p:sld xmlns:a="http://schemas.openxmlformats.org/drawingml/2006/main" xmlns:r="http://schemas.openxmlformats.org/officeDocument/2006/relationships" xmlns:p="http://schemas.openxmlformats.org/presentationml/2006/main">
-  <p:cSld>
-    <p:spTree>
-      <p:nvGrpSpPr>
-        <p:cNvPr id="1" name=""/>
-        <p:cNvGrpSpPr/>
-        <p:nvPr/>
-      </p:nvGrpSpPr>
-      <p:grpSpPr>
-        <a:xfrm>
-          <a:off x="0" y="0"/>
-          <a:ext cx="0" cy="0"/>
-          <a:chOff x="0" y="0"/>
-          <a:chExt cx="0" cy="0"/>
-        </a:xfrm>
-      </p:grpSpPr>
-      <p:sp>
-        <p:nvSpPr>
-          <p:cNvPr id="2" name="Title 1"/>
-          <p:cNvSpPr>
-            <a:spLocks noGrp="1"/>
-          </p:cNvSpPr>
-          <p:nvPr>
-            <p:ph type="title"/>
-          </p:nvPr>
-        </p:nvSpPr>
-        <p:spPr>
-          <a:xfrm>
-            <a:off x="2404662" y="2513128"/>
-            <a:ext cx="7233324" cy="1609344"/>
-          </a:xfrm>
-        </p:spPr>
-        <p:txBody>
-          <a:bodyPr>
-            <a:noAutofit/>
-          </a:bodyPr>
-          <a:lstStyle/>
-          <a:p>
-            <a:pPr algn="ctr"/>
-            <a:r>
-              <a:rPr lang="en-US" sz="11500" dirty="0" smtClean="0"/>
-              <a:t>Q&amp;A</a:t>
-            </a:r>
-            <a:endParaRPr lang="en-US" sz="11500" dirty="0"/>
-          </a:p>
-        </p:txBody>
-      </p:sp>
-    </p:spTree>
-    <p:extLst>
-      <p:ext uri="{BB962C8B-B14F-4D97-AF65-F5344CB8AC3E}">
-        <p14:creationId xmlns:p14="http://schemas.microsoft.com/office/powerpoint/2010/main" val="872627533"/>
-      </p:ext>
-    </p:extLst>
-  </p:cSld>
-  <p:clrMapOvr>
-    <a:masterClrMapping/>
-  </p:clrMapOvr>
-  <mc:AlternateContent xmlns:mc="http://schemas.openxmlformats.org/markup-compatibility/2006">
-    <mc:Choice xmlns:p14="http://schemas.microsoft.com/office/powerpoint/2010/main" Requires="p14">
-      <p:transition spd="slow" p14:dur="2000"/>
-    </mc:Choice>
-    <mc:Fallback>
-      <p:transition spd="slow"/>
-    </mc:Fallback>
-  </mc:AlternateContent>
+  <p:timing>
+    <p:tnLst>
+      <p:par>
+        <p:cTn id="1" dur="indefinite" restart="never" nodeType="tmRoot"/>
+      </p:par>
+    </p:tnLst>
+  </p:timing>
 </p:sld>
 </file>
 
@@ -8909,10 +7000,9 @@
           <a:lstStyle/>
           <a:p>
             <a:r>
-              <a:rPr lang="en-US" dirty="0" smtClean="0"/>
-              <a:t>Motivation</a:t>
-            </a:r>
-            <a:endParaRPr lang="en-US" dirty="0"/>
+              <a:rPr lang="en-US" dirty="0"/>
+              <a:t>Motivation and introduction</a:t>
+            </a:r>
           </a:p>
         </p:txBody>
       </p:sp>
@@ -8928,8 +7018,8 @@
         </p:nvSpPr>
         <p:spPr>
           <a:xfrm>
-            <a:off x="436802" y="1208690"/>
-            <a:ext cx="10922860" cy="4963510"/>
+            <a:off x="1069848" y="1675187"/>
+            <a:ext cx="10058400" cy="4332890"/>
           </a:xfrm>
         </p:spPr>
         <p:txBody>
@@ -8940,7 +7030,49 @@
           <a:p>
             <a:r>
               <a:rPr lang="en-US" sz="3200" dirty="0" smtClean="0"/>
-              <a:t>Main drawbacks of Microsoft Excel:</a:t>
+              <a:t>Our Enhanced Grading System:</a:t>
+            </a:r>
+          </a:p>
+          <a:p>
+            <a:pPr lvl="1"/>
+            <a:r>
+              <a:rPr lang="en-US" sz="2800" dirty="0" smtClean="0"/>
+              <a:t>Reuse grading criteria from previous courses</a:t>
+            </a:r>
+          </a:p>
+          <a:p>
+            <a:pPr lvl="1"/>
+            <a:r>
+              <a:rPr lang="en-US" sz="2800" dirty="0" smtClean="0"/>
+              <a:t>Easily modify grading criteria of a given course</a:t>
+            </a:r>
+          </a:p>
+          <a:p>
+            <a:pPr lvl="1"/>
+            <a:r>
+              <a:rPr lang="en-US" sz="2800" dirty="0" smtClean="0"/>
+              <a:t>Easily keep track of students </a:t>
+            </a:r>
+          </a:p>
+          <a:p>
+            <a:pPr lvl="1"/>
+            <a:r>
+              <a:rPr lang="en-US" sz="2800" dirty="0" smtClean="0"/>
+              <a:t>Assign and modify assignments with single parts or multi parts</a:t>
+            </a:r>
+          </a:p>
+          <a:p>
+            <a:pPr lvl="1"/>
+            <a:r>
+              <a:rPr lang="en-US" sz="2800" dirty="0" smtClean="0"/>
+              <a:t>Get statistical number in a flexible way</a:t>
+            </a:r>
+          </a:p>
+          <a:p>
+            <a:pPr lvl="1"/>
+            <a:r>
+              <a:rPr lang="en-US" sz="2800" dirty="0" smtClean="0"/>
+              <a:t>Give final grade and export csv file</a:t>
             </a:r>
           </a:p>
           <a:p>
@@ -8951,44 +7083,19 @@
                   <a:srgbClr val="FF0000"/>
                 </a:solidFill>
               </a:rPr>
-              <a:t>Excel </a:t>
-            </a:r>
-            <a:r>
-              <a:rPr lang="en-US" sz="2800" b="1" dirty="0">
-                <a:solidFill>
-                  <a:srgbClr val="FF0000"/>
-                </a:solidFill>
-              </a:rPr>
-              <a:t>won’t highlight the student under grading, which will make some confusion when give grades to students</a:t>
-            </a:r>
-            <a:r>
-              <a:rPr lang="en-US" sz="2800" b="1" dirty="0" smtClean="0">
-                <a:solidFill>
-                  <a:srgbClr val="FF0000"/>
-                </a:solidFill>
-              </a:rPr>
-              <a:t>.</a:t>
-            </a:r>
-            <a:endParaRPr lang="en-US" sz="2400" b="1" dirty="0" smtClean="0">
-              <a:solidFill>
-                <a:srgbClr val="FF0000"/>
-              </a:solidFill>
-            </a:endParaRPr>
+              <a:t>Archive a course but still can view and modify the grade.</a:t>
+            </a:r>
           </a:p>
           <a:p>
             <a:pPr lvl="1"/>
-            <a:endParaRPr lang="en-US" sz="2800" dirty="0">
-              <a:solidFill>
-                <a:srgbClr val="FF0000"/>
-              </a:solidFill>
-            </a:endParaRPr>
+            <a:endParaRPr lang="en-US" sz="2800" dirty="0"/>
           </a:p>
         </p:txBody>
       </p:sp>
     </p:spTree>
     <p:extLst>
       <p:ext uri="{BB962C8B-B14F-4D97-AF65-F5344CB8AC3E}">
-        <p14:creationId xmlns:p14="http://schemas.microsoft.com/office/powerpoint/2010/main" val="94406733"/>
+        <p14:creationId xmlns:p14="http://schemas.microsoft.com/office/powerpoint/2010/main" val="1424271323"/>
       </p:ext>
     </p:extLst>
   </p:cSld>
@@ -9003,6 +7110,13 @@
       <p:transition spd="slow"/>
     </mc:Fallback>
   </mc:AlternateContent>
+  <p:timing>
+    <p:tnLst>
+      <p:par>
+        <p:cTn id="1" dur="indefinite" restart="never" nodeType="tmRoot"/>
+      </p:par>
+    </p:tnLst>
+  </p:timing>
 </p:sld>
 </file>
 
@@ -9047,7 +7161,7 @@
           <a:p>
             <a:r>
               <a:rPr lang="en-US" dirty="0" smtClean="0"/>
-              <a:t>Motivation</a:t>
+              <a:t>Enhanced Design</a:t>
             </a:r>
             <a:endParaRPr lang="en-US" dirty="0"/>
           </a:p>
@@ -9065,74 +7179,51 @@
         </p:nvSpPr>
         <p:spPr>
           <a:xfrm>
-            <a:off x="436802" y="1208690"/>
-            <a:ext cx="10922860" cy="4963510"/>
+            <a:off x="1069848" y="1460939"/>
+            <a:ext cx="9766318" cy="1061544"/>
           </a:xfrm>
         </p:spPr>
         <p:txBody>
           <a:bodyPr>
-            <a:noAutofit/>
+            <a:normAutofit/>
           </a:bodyPr>
           <a:lstStyle/>
           <a:p>
             <a:r>
               <a:rPr lang="en-US" sz="3200" dirty="0" smtClean="0"/>
-              <a:t>Main drawbacks of Microsoft Excel:</a:t>
-            </a:r>
-          </a:p>
-          <a:p>
-            <a:pPr lvl="1"/>
-            <a:r>
-              <a:rPr lang="en-US" sz="2800" dirty="0" smtClean="0"/>
-              <a:t>Excel </a:t>
-            </a:r>
-            <a:r>
-              <a:rPr lang="en-US" sz="2800" dirty="0"/>
-              <a:t>won’t highlight the student under grading, which will make some confusion when give grades to students.</a:t>
-            </a:r>
-          </a:p>
-          <a:p>
-            <a:pPr lvl="1"/>
-            <a:r>
-              <a:rPr lang="en-US" sz="2800" b="1" dirty="0" smtClean="0">
-                <a:solidFill>
-                  <a:srgbClr val="FF0000"/>
-                </a:solidFill>
-              </a:rPr>
-              <a:t>Excel </a:t>
-            </a:r>
-            <a:r>
-              <a:rPr lang="en-US" sz="2800" b="1" dirty="0">
-                <a:solidFill>
-                  <a:srgbClr val="FF0000"/>
-                </a:solidFill>
-              </a:rPr>
-              <a:t>is inflexible on getting the statistical number, our customer has to write some functions on the table. Besides, our customer cannot deselect some students she is not interested in, for that Excel operates the data based on the column</a:t>
-            </a:r>
-            <a:r>
-              <a:rPr lang="en-US" sz="2800" b="1" dirty="0" smtClean="0">
-                <a:solidFill>
-                  <a:srgbClr val="FF0000"/>
-                </a:solidFill>
-              </a:rPr>
-              <a:t>.</a:t>
-            </a:r>
-            <a:endParaRPr lang="en-US" sz="2400" b="1" dirty="0" smtClean="0">
-              <a:solidFill>
-                <a:srgbClr val="FF0000"/>
-              </a:solidFill>
-            </a:endParaRPr>
-          </a:p>
-          <a:p>
-            <a:pPr lvl="1"/>
-            <a:endParaRPr lang="en-US" sz="2800" dirty="0"/>
-          </a:p>
-        </p:txBody>
-      </p:sp>
+              <a:t>Highlight the student row when give grade to that student.</a:t>
+            </a:r>
+          </a:p>
+        </p:txBody>
+      </p:sp>
+      <p:pic>
+        <p:nvPicPr>
+          <p:cNvPr id="5" name="Picture 4"/>
+          <p:cNvPicPr>
+            <a:picLocks noChangeAspect="1"/>
+          </p:cNvPicPr>
+          <p:nvPr/>
+        </p:nvPicPr>
+        <p:blipFill>
+          <a:blip r:embed="rId3"/>
+          <a:stretch>
+            <a:fillRect/>
+          </a:stretch>
+        </p:blipFill>
+        <p:spPr>
+          <a:xfrm>
+            <a:off x="659539" y="2774732"/>
+            <a:ext cx="10583335" cy="3086806"/>
+          </a:xfrm>
+          <a:prstGeom prst="rect">
+            <a:avLst/>
+          </a:prstGeom>
+        </p:spPr>
+      </p:pic>
     </p:spTree>
     <p:extLst>
       <p:ext uri="{BB962C8B-B14F-4D97-AF65-F5344CB8AC3E}">
-        <p14:creationId xmlns:p14="http://schemas.microsoft.com/office/powerpoint/2010/main" val="717836329"/>
+        <p14:creationId xmlns:p14="http://schemas.microsoft.com/office/powerpoint/2010/main" val="280894893"/>
       </p:ext>
     </p:extLst>
   </p:cSld>
@@ -9147,6 +7238,13 @@
       <p:transition spd="slow"/>
     </mc:Fallback>
   </mc:AlternateContent>
+  <p:timing>
+    <p:tnLst>
+      <p:par>
+        <p:cTn id="1" dur="indefinite" restart="never" nodeType="tmRoot"/>
+      </p:par>
+    </p:tnLst>
+  </p:timing>
 </p:sld>
 </file>
 
@@ -9190,10 +7288,9 @@
           <a:lstStyle/>
           <a:p>
             <a:r>
-              <a:rPr lang="en-US" dirty="0" smtClean="0"/>
-              <a:t>Motivation</a:t>
-            </a:r>
-            <a:endParaRPr lang="en-US" dirty="0"/>
+              <a:rPr lang="en-US" dirty="0"/>
+              <a:t>Enhanced Design</a:t>
+            </a:r>
           </a:p>
         </p:txBody>
       </p:sp>
@@ -9209,85 +7306,59 @@
         </p:nvSpPr>
         <p:spPr>
           <a:xfrm>
-            <a:off x="436802" y="1208690"/>
-            <a:ext cx="10922860" cy="4963510"/>
+            <a:off x="1069848" y="1366345"/>
+            <a:ext cx="9955504" cy="1008992"/>
           </a:xfrm>
         </p:spPr>
         <p:txBody>
           <a:bodyPr>
-            <a:noAutofit/>
+            <a:normAutofit/>
           </a:bodyPr>
           <a:lstStyle/>
           <a:p>
             <a:r>
               <a:rPr lang="en-US" sz="3200" dirty="0" smtClean="0"/>
-              <a:t>Main drawbacks of Microsoft Excel:</a:t>
-            </a:r>
-          </a:p>
-          <a:p>
-            <a:pPr lvl="1"/>
-            <a:r>
-              <a:rPr lang="en-US" sz="2800" dirty="0" smtClean="0"/>
-              <a:t>Excel </a:t>
-            </a:r>
-            <a:r>
-              <a:rPr lang="en-US" sz="2800" dirty="0"/>
-              <a:t>won’t highlight the student under grading, which will make some confusion when give grades to students.</a:t>
-            </a:r>
-          </a:p>
-          <a:p>
-            <a:pPr lvl="1"/>
-            <a:r>
-              <a:rPr lang="en-US" sz="2800" dirty="0" smtClean="0"/>
-              <a:t>Excel </a:t>
-            </a:r>
-            <a:r>
-              <a:rPr lang="en-US" sz="2800" dirty="0"/>
-              <a:t>is inflexible on getting the statistical number, our customer has to write some functions on the table. Besides, our customer cannot deselect some students she is not interested in, for that Excel operates the data based on the column. </a:t>
-            </a:r>
-          </a:p>
-          <a:p>
-            <a:pPr lvl="1"/>
-            <a:r>
-              <a:rPr lang="en-US" sz="2800" b="1" dirty="0" smtClean="0">
-                <a:solidFill>
-                  <a:srgbClr val="FF0000"/>
-                </a:solidFill>
-              </a:rPr>
-              <a:t>Every </a:t>
-            </a:r>
-            <a:r>
-              <a:rPr lang="en-US" sz="2800" b="1" dirty="0">
-                <a:solidFill>
-                  <a:srgbClr val="FF0000"/>
-                </a:solidFill>
-              </a:rPr>
-              <a:t>time start a new course, our customer has to create a new break down by herself even if the break down is totally the same with the last year</a:t>
-            </a:r>
-            <a:r>
-              <a:rPr lang="en-US" sz="2800" b="1" dirty="0" smtClean="0">
-                <a:solidFill>
-                  <a:srgbClr val="FF0000"/>
-                </a:solidFill>
-              </a:rPr>
+              <a:t>Can </a:t>
+            </a:r>
+            <a:r>
+              <a:rPr lang="en-US" sz="3200" dirty="0"/>
+              <a:t>deselect students who are not account for the statistical number</a:t>
+            </a:r>
+            <a:r>
+              <a:rPr lang="en-US" sz="3200" dirty="0" smtClean="0"/>
               <a:t>.</a:t>
             </a:r>
-            <a:endParaRPr lang="en-US" sz="2400" b="1" dirty="0" smtClean="0">
-              <a:solidFill>
-                <a:srgbClr val="FF0000"/>
-              </a:solidFill>
-            </a:endParaRPr>
-          </a:p>
-          <a:p>
-            <a:pPr lvl="1"/>
-            <a:endParaRPr lang="en-US" sz="2800" dirty="0"/>
-          </a:p>
-        </p:txBody>
-      </p:sp>
+          </a:p>
+        </p:txBody>
+      </p:sp>
+      <p:pic>
+        <p:nvPicPr>
+          <p:cNvPr id="5" name="Picture 4"/>
+          <p:cNvPicPr>
+            <a:picLocks noChangeAspect="1"/>
+          </p:cNvPicPr>
+          <p:nvPr/>
+        </p:nvPicPr>
+        <p:blipFill>
+          <a:blip r:embed="rId2"/>
+          <a:stretch>
+            <a:fillRect/>
+          </a:stretch>
+        </p:blipFill>
+        <p:spPr>
+          <a:xfrm>
+            <a:off x="1907838" y="2375337"/>
+            <a:ext cx="8285078" cy="4482663"/>
+          </a:xfrm>
+          <a:prstGeom prst="rect">
+            <a:avLst/>
+          </a:prstGeom>
+        </p:spPr>
+      </p:pic>
     </p:spTree>
     <p:extLst>
       <p:ext uri="{BB962C8B-B14F-4D97-AF65-F5344CB8AC3E}">
-        <p14:creationId xmlns:p14="http://schemas.microsoft.com/office/powerpoint/2010/main" val="505567719"/>
+        <p14:creationId xmlns:p14="http://schemas.microsoft.com/office/powerpoint/2010/main" val="881911175"/>
       </p:ext>
     </p:extLst>
   </p:cSld>
@@ -9302,6 +7373,13 @@
       <p:transition spd="slow"/>
     </mc:Fallback>
   </mc:AlternateContent>
+  <p:timing>
+    <p:tnLst>
+      <p:par>
+        <p:cTn id="1" dur="indefinite" restart="never" nodeType="tmRoot"/>
+      </p:par>
+    </p:tnLst>
+  </p:timing>
 </p:sld>
 </file>
 
@@ -9345,10 +7423,9 @@
           <a:lstStyle/>
           <a:p>
             <a:r>
-              <a:rPr lang="en-US" dirty="0" smtClean="0"/>
-              <a:t>Motivation</a:t>
-            </a:r>
-            <a:endParaRPr lang="en-US" dirty="0"/>
+              <a:rPr lang="en-US" dirty="0"/>
+              <a:t>Enhanced Design</a:t>
+            </a:r>
           </a:p>
         </p:txBody>
       </p:sp>
@@ -9364,87 +7441,51 @@
         </p:nvSpPr>
         <p:spPr>
           <a:xfrm>
-            <a:off x="436802" y="1208690"/>
-            <a:ext cx="10922860" cy="4963510"/>
+            <a:off x="996276" y="1376856"/>
+            <a:ext cx="9976524" cy="609600"/>
           </a:xfrm>
         </p:spPr>
         <p:txBody>
           <a:bodyPr>
-            <a:noAutofit/>
+            <a:normAutofit/>
           </a:bodyPr>
           <a:lstStyle/>
           <a:p>
             <a:r>
               <a:rPr lang="en-US" sz="3200" dirty="0" smtClean="0"/>
-              <a:t>Main drawbacks of Microsoft Excel:</a:t>
-            </a:r>
-          </a:p>
-          <a:p>
-            <a:pPr lvl="1"/>
-            <a:r>
-              <a:rPr lang="en-US" sz="2800" dirty="0" smtClean="0"/>
-              <a:t>Excel </a:t>
-            </a:r>
-            <a:r>
-              <a:rPr lang="en-US" sz="2800" dirty="0"/>
-              <a:t>won’t highlight the student under grading, which will make some confusion when give grades to students.</a:t>
-            </a:r>
-          </a:p>
-          <a:p>
-            <a:pPr lvl="1"/>
-            <a:r>
-              <a:rPr lang="en-US" sz="2800" dirty="0" smtClean="0"/>
-              <a:t>Excel </a:t>
-            </a:r>
-            <a:r>
-              <a:rPr lang="en-US" sz="2800" dirty="0"/>
-              <a:t>is inflexible on getting the statistical number, our customer has to write some functions on the table. Besides, our customer cannot deselect some students she is not interested in, for that Excel operates the data based on the column. </a:t>
-            </a:r>
-          </a:p>
-          <a:p>
-            <a:pPr lvl="1"/>
-            <a:r>
-              <a:rPr lang="en-US" sz="2800" dirty="0" smtClean="0"/>
-              <a:t>Every </a:t>
-            </a:r>
-            <a:r>
-              <a:rPr lang="en-US" sz="2800" dirty="0"/>
-              <a:t>time start a new course, our customer has to create a new break down by herself even if the break down is totally the same with the last year.</a:t>
-            </a:r>
-          </a:p>
-          <a:p>
-            <a:pPr lvl="1"/>
-            <a:r>
-              <a:rPr lang="en-US" sz="2800" b="1" dirty="0" smtClean="0">
-                <a:solidFill>
-                  <a:srgbClr val="FF0000"/>
-                </a:solidFill>
-              </a:rPr>
-              <a:t>Hard </a:t>
-            </a:r>
-            <a:r>
-              <a:rPr lang="en-US" sz="2800" b="1" dirty="0">
-                <a:solidFill>
-                  <a:srgbClr val="FF0000"/>
-                </a:solidFill>
-              </a:rPr>
-              <a:t>to give multi kinds of grades in one table.</a:t>
-            </a:r>
-          </a:p>
-          <a:p>
-            <a:pPr lvl="1"/>
-            <a:endParaRPr lang="en-US" sz="2400" dirty="0" smtClean="0"/>
-          </a:p>
-          <a:p>
-            <a:pPr lvl="1"/>
-            <a:endParaRPr lang="en-US" sz="2800" dirty="0"/>
-          </a:p>
-        </p:txBody>
-      </p:sp>
+              <a:t>Creating courses based on a template.</a:t>
+            </a:r>
+          </a:p>
+        </p:txBody>
+      </p:sp>
+      <p:pic>
+        <p:nvPicPr>
+          <p:cNvPr id="4" name="Picture 3"/>
+          <p:cNvPicPr>
+            <a:picLocks noChangeAspect="1"/>
+          </p:cNvPicPr>
+          <p:nvPr/>
+        </p:nvPicPr>
+        <p:blipFill>
+          <a:blip r:embed="rId2"/>
+          <a:stretch>
+            <a:fillRect/>
+          </a:stretch>
+        </p:blipFill>
+        <p:spPr>
+          <a:xfrm>
+            <a:off x="2365248" y="2154622"/>
+            <a:ext cx="7467600" cy="3695700"/>
+          </a:xfrm>
+          <a:prstGeom prst="rect">
+            <a:avLst/>
+          </a:prstGeom>
+        </p:spPr>
+      </p:pic>
     </p:spTree>
     <p:extLst>
       <p:ext uri="{BB962C8B-B14F-4D97-AF65-F5344CB8AC3E}">
-        <p14:creationId xmlns:p14="http://schemas.microsoft.com/office/powerpoint/2010/main" val="1999315161"/>
+        <p14:creationId xmlns:p14="http://schemas.microsoft.com/office/powerpoint/2010/main" val="64776007"/>
       </p:ext>
     </p:extLst>
   </p:cSld>
@@ -9459,6 +7500,13 @@
       <p:transition spd="slow"/>
     </mc:Fallback>
   </mc:AlternateContent>
+  <p:timing>
+    <p:tnLst>
+      <p:par>
+        <p:cTn id="1" dur="indefinite" restart="never" nodeType="tmRoot"/>
+      </p:par>
+    </p:tnLst>
+  </p:timing>
 </p:sld>
 </file>
 
@@ -9502,10 +7550,9 @@
           <a:lstStyle/>
           <a:p>
             <a:r>
-              <a:rPr lang="en-US" dirty="0" smtClean="0"/>
-              <a:t>Introduction To our system</a:t>
-            </a:r>
-            <a:endParaRPr lang="en-US" dirty="0"/>
+              <a:rPr lang="en-US" dirty="0"/>
+              <a:t>Enhanced Design</a:t>
+            </a:r>
           </a:p>
         </p:txBody>
       </p:sp>
@@ -9521,28 +7568,59 @@
         </p:nvSpPr>
         <p:spPr>
           <a:xfrm>
-            <a:off x="1069848" y="1839310"/>
-            <a:ext cx="10058400" cy="4332890"/>
+            <a:off x="1069848" y="1376856"/>
+            <a:ext cx="9892442" cy="977461"/>
           </a:xfrm>
         </p:spPr>
         <p:txBody>
           <a:bodyPr>
-            <a:noAutofit/>
+            <a:normAutofit/>
           </a:bodyPr>
           <a:lstStyle/>
           <a:p>
             <a:r>
-              <a:rPr lang="en-US" sz="2800" dirty="0" smtClean="0"/>
-              <a:t>A grading system that allow you:</a:t>
-            </a:r>
-            <a:endParaRPr lang="en-US" sz="2400" dirty="0"/>
-          </a:p>
-        </p:txBody>
-      </p:sp>
+              <a:rPr lang="en-US" sz="3200" dirty="0" smtClean="0"/>
+              <a:t>Easy </a:t>
+            </a:r>
+            <a:r>
+              <a:rPr lang="en-US" sz="3200" dirty="0"/>
+              <a:t>way to give both percentage kind or credits kind grade in one table</a:t>
+            </a:r>
+            <a:r>
+              <a:rPr lang="en-US" sz="3200" dirty="0" smtClean="0"/>
+              <a:t>.</a:t>
+            </a:r>
+          </a:p>
+        </p:txBody>
+      </p:sp>
+      <p:pic>
+        <p:nvPicPr>
+          <p:cNvPr id="5" name="Picture 4"/>
+          <p:cNvPicPr>
+            <a:picLocks noChangeAspect="1"/>
+          </p:cNvPicPr>
+          <p:nvPr/>
+        </p:nvPicPr>
+        <p:blipFill>
+          <a:blip r:embed="rId2"/>
+          <a:stretch>
+            <a:fillRect/>
+          </a:stretch>
+        </p:blipFill>
+        <p:spPr>
+          <a:xfrm>
+            <a:off x="363415" y="2645507"/>
+            <a:ext cx="11474922" cy="2584643"/>
+          </a:xfrm>
+          <a:prstGeom prst="rect">
+            <a:avLst/>
+          </a:prstGeom>
+        </p:spPr>
+      </p:pic>
     </p:spTree>
     <p:extLst>
       <p:ext uri="{BB962C8B-B14F-4D97-AF65-F5344CB8AC3E}">
-        <p14:creationId xmlns:p14="http://schemas.microsoft.com/office/powerpoint/2010/main" val="1529925769"/>
+        <p14:creationId xmlns:p14="http://schemas.microsoft.com/office/powerpoint/2010/main" val="884084781"/>
       </p:ext>
     </p:extLst>
   </p:cSld>
@@ -9557,6 +7635,13 @@
       <p:transition spd="slow"/>
     </mc:Fallback>
   </mc:AlternateContent>
+  <p:timing>
+    <p:tnLst>
+      <p:par>
+        <p:cTn id="1" dur="indefinite" restart="never" nodeType="tmRoot"/>
+      </p:par>
+    </p:tnLst>
+  </p:timing>
 </p:sld>
 </file>
 
@@ -9589,38 +7674,8 @@
         </p:nvSpPr>
         <p:spPr>
           <a:xfrm>
-            <a:off x="1069848" y="484632"/>
-            <a:ext cx="10058400" cy="724058"/>
-          </a:xfrm>
-        </p:spPr>
-        <p:txBody>
-          <a:bodyPr>
-            <a:normAutofit fontScale="90000"/>
-          </a:bodyPr>
-          <a:lstStyle/>
-          <a:p>
-            <a:r>
-              <a:rPr lang="en-US" dirty="0" smtClean="0"/>
-              <a:t>Introduction To our system</a:t>
-            </a:r>
-            <a:endParaRPr lang="en-US" dirty="0"/>
-          </a:p>
-        </p:txBody>
-      </p:sp>
-      <p:sp>
-        <p:nvSpPr>
-          <p:cNvPr id="3" name="Content Placeholder 2"/>
-          <p:cNvSpPr>
-            <a:spLocks noGrp="1"/>
-          </p:cNvSpPr>
-          <p:nvPr>
-            <p:ph idx="1"/>
-          </p:nvPr>
-        </p:nvSpPr>
-        <p:spPr>
-          <a:xfrm>
-            <a:off x="1069848" y="1839310"/>
-            <a:ext cx="10058400" cy="4332890"/>
+            <a:off x="2404662" y="801559"/>
+            <a:ext cx="7233324" cy="1609344"/>
           </a:xfrm>
         </p:spPr>
         <p:txBody>
@@ -9629,38 +7684,49 @@
           </a:bodyPr>
           <a:lstStyle/>
           <a:p>
-            <a:r>
-              <a:rPr lang="en-US" sz="2800" dirty="0" smtClean="0"/>
-              <a:t>A grading system that allow you:</a:t>
-            </a:r>
-            <a:endParaRPr lang="en-US" sz="2800" b="1" dirty="0" smtClean="0">
-              <a:solidFill>
-                <a:srgbClr val="FF0000"/>
-              </a:solidFill>
-            </a:endParaRPr>
-          </a:p>
-          <a:p>
-            <a:pPr lvl="1"/>
-            <a:r>
-              <a:rPr lang="en-US" sz="2400" b="1" dirty="0" smtClean="0">
-                <a:solidFill>
-                  <a:srgbClr val="FF0000"/>
-                </a:solidFill>
-              </a:rPr>
-              <a:t>Create course based or not based on a template</a:t>
-            </a:r>
-            <a:endParaRPr lang="en-US" sz="2400" b="1" dirty="0">
-              <a:solidFill>
-                <a:srgbClr val="FF0000"/>
-              </a:solidFill>
-            </a:endParaRPr>
-          </a:p>
-        </p:txBody>
-      </p:sp>
+            <a:pPr algn="ctr"/>
+            <a:r>
+              <a:rPr lang="en-US" sz="11500" smtClean="0"/>
+              <a:t>Demo Time !!!</a:t>
+            </a:r>
+            <a:endParaRPr lang="en-US" sz="11500" dirty="0"/>
+          </a:p>
+        </p:txBody>
+      </p:sp>
+      <p:pic>
+        <p:nvPicPr>
+          <p:cNvPr id="5" name="Picture 4"/>
+          <p:cNvPicPr>
+            <a:picLocks noChangeAspect="1"/>
+          </p:cNvPicPr>
+          <p:nvPr/>
+        </p:nvPicPr>
+        <p:blipFill>
+          <a:blip r:embed="rId2">
+            <a:extLst>
+              <a:ext uri="{28A0092B-C50C-407E-A947-70E740481C1C}">
+                <a14:useLocalDpi xmlns:a14="http://schemas.microsoft.com/office/drawing/2010/main" val="0"/>
+              </a:ext>
+            </a:extLst>
+          </a:blip>
+          <a:stretch>
+            <a:fillRect/>
+          </a:stretch>
+        </p:blipFill>
+        <p:spPr>
+          <a:xfrm>
+            <a:off x="3774430" y="2791068"/>
+            <a:ext cx="4493788" cy="3598611"/>
+          </a:xfrm>
+          <a:prstGeom prst="rect">
+            <a:avLst/>
+          </a:prstGeom>
+        </p:spPr>
+      </p:pic>
     </p:spTree>
     <p:extLst>
       <p:ext uri="{BB962C8B-B14F-4D97-AF65-F5344CB8AC3E}">
-        <p14:creationId xmlns:p14="http://schemas.microsoft.com/office/powerpoint/2010/main" val="659713248"/>
+        <p14:creationId xmlns:p14="http://schemas.microsoft.com/office/powerpoint/2010/main" val="1248679138"/>
       </p:ext>
     </p:extLst>
   </p:cSld>
@@ -9675,6 +7741,13 @@
       <p:transition spd="slow"/>
     </mc:Fallback>
   </mc:AlternateContent>
+  <p:timing>
+    <p:tnLst>
+      <p:par>
+        <p:cTn id="1" dur="indefinite" restart="never" nodeType="tmRoot"/>
+      </p:par>
+    </p:tnLst>
+  </p:timing>
 </p:sld>
 </file>
 
